--- a/Automarken_CuponeFurrer.pptx
+++ b/Automarken_CuponeFurrer.pptx
@@ -109,6 +109,11 @@
       </a:defRPr>
     </a:lvl9pPr>
   </p:defaultTextStyle>
+  <p:extLst>
+    <p:ext uri="{EFAFB233-063F-42B5-8137-9DF3F51BA10A}">
+      <p15:sldGuideLst xmlns:p15="http://schemas.microsoft.com/office/powerpoint/2012/main"/>
+    </p:ext>
+  </p:extLst>
 </p:presentation>
 </file>
 
@@ -243,7 +248,7 @@
           <a:p>
             <a:fld id="{83B0D51C-E739-43A1-BE53-913419D1B037}" type="datetimeFigureOut">
               <a:rPr lang="en-US" smtClean="0"/>
-              <a:t>04-Apr-21</a:t>
+              <a:t>06-Apr-21</a:t>
             </a:fld>
             <a:endParaRPr lang="en-US"/>
           </a:p>
@@ -413,7 +418,7 @@
           <a:p>
             <a:fld id="{83B0D51C-E739-43A1-BE53-913419D1B037}" type="datetimeFigureOut">
               <a:rPr lang="en-US" smtClean="0"/>
-              <a:t>04-Apr-21</a:t>
+              <a:t>06-Apr-21</a:t>
             </a:fld>
             <a:endParaRPr lang="en-US"/>
           </a:p>
@@ -593,7 +598,7 @@
           <a:p>
             <a:fld id="{83B0D51C-E739-43A1-BE53-913419D1B037}" type="datetimeFigureOut">
               <a:rPr lang="en-US" smtClean="0"/>
-              <a:t>04-Apr-21</a:t>
+              <a:t>06-Apr-21</a:t>
             </a:fld>
             <a:endParaRPr lang="en-US"/>
           </a:p>
@@ -763,7 +768,7 @@
           <a:p>
             <a:fld id="{83B0D51C-E739-43A1-BE53-913419D1B037}" type="datetimeFigureOut">
               <a:rPr lang="en-US" smtClean="0"/>
-              <a:t>04-Apr-21</a:t>
+              <a:t>06-Apr-21</a:t>
             </a:fld>
             <a:endParaRPr lang="en-US"/>
           </a:p>
@@ -1009,7 +1014,7 @@
           <a:p>
             <a:fld id="{83B0D51C-E739-43A1-BE53-913419D1B037}" type="datetimeFigureOut">
               <a:rPr lang="en-US" smtClean="0"/>
-              <a:t>04-Apr-21</a:t>
+              <a:t>06-Apr-21</a:t>
             </a:fld>
             <a:endParaRPr lang="en-US"/>
           </a:p>
@@ -1241,7 +1246,7 @@
           <a:p>
             <a:fld id="{83B0D51C-E739-43A1-BE53-913419D1B037}" type="datetimeFigureOut">
               <a:rPr lang="en-US" smtClean="0"/>
-              <a:t>04-Apr-21</a:t>
+              <a:t>06-Apr-21</a:t>
             </a:fld>
             <a:endParaRPr lang="en-US"/>
           </a:p>
@@ -1608,7 +1613,7 @@
           <a:p>
             <a:fld id="{83B0D51C-E739-43A1-BE53-913419D1B037}" type="datetimeFigureOut">
               <a:rPr lang="en-US" smtClean="0"/>
-              <a:t>04-Apr-21</a:t>
+              <a:t>06-Apr-21</a:t>
             </a:fld>
             <a:endParaRPr lang="en-US"/>
           </a:p>
@@ -1726,7 +1731,7 @@
           <a:p>
             <a:fld id="{83B0D51C-E739-43A1-BE53-913419D1B037}" type="datetimeFigureOut">
               <a:rPr lang="en-US" smtClean="0"/>
-              <a:t>04-Apr-21</a:t>
+              <a:t>06-Apr-21</a:t>
             </a:fld>
             <a:endParaRPr lang="en-US"/>
           </a:p>
@@ -1821,7 +1826,7 @@
           <a:p>
             <a:fld id="{83B0D51C-E739-43A1-BE53-913419D1B037}" type="datetimeFigureOut">
               <a:rPr lang="en-US" smtClean="0"/>
-              <a:t>04-Apr-21</a:t>
+              <a:t>06-Apr-21</a:t>
             </a:fld>
             <a:endParaRPr lang="en-US"/>
           </a:p>
@@ -2098,7 +2103,7 @@
           <a:p>
             <a:fld id="{83B0D51C-E739-43A1-BE53-913419D1B037}" type="datetimeFigureOut">
               <a:rPr lang="en-US" smtClean="0"/>
-              <a:t>04-Apr-21</a:t>
+              <a:t>06-Apr-21</a:t>
             </a:fld>
             <a:endParaRPr lang="en-US"/>
           </a:p>
@@ -2355,7 +2360,7 @@
           <a:p>
             <a:fld id="{83B0D51C-E739-43A1-BE53-913419D1B037}" type="datetimeFigureOut">
               <a:rPr lang="en-US" smtClean="0"/>
-              <a:t>04-Apr-21</a:t>
+              <a:t>06-Apr-21</a:t>
             </a:fld>
             <a:endParaRPr lang="en-US"/>
           </a:p>
@@ -2568,7 +2573,7 @@
           <a:p>
             <a:fld id="{83B0D51C-E739-43A1-BE53-913419D1B037}" type="datetimeFigureOut">
               <a:rPr lang="en-US" smtClean="0"/>
-              <a:t>04-Apr-21</a:t>
+              <a:t>06-Apr-21</a:t>
             </a:fld>
             <a:endParaRPr lang="en-US"/>
           </a:p>
@@ -3584,670 +3589,6 @@
           </a:bodyPr>
           <a:lstStyle/>
           <a:p>
-            <a:pPr>
-              <a:lnSpc>
-                <a:spcPct val="90000"/>
-              </a:lnSpc>
-              <a:spcAft>
-                <a:spcPts val="600"/>
-              </a:spcAft>
-            </a:pPr>
-            <a:r>
-              <a:rPr lang="en-US" sz="2400" dirty="0" err="1"/>
-              <a:t>Wir</a:t>
-            </a:r>
-            <a:r>
-              <a:rPr lang="en-US" sz="2400" dirty="0"/>
-              <a:t> </a:t>
-            </a:r>
-            <a:r>
-              <a:rPr lang="en-US" sz="2400" dirty="0" err="1"/>
-              <a:t>wollen</a:t>
-            </a:r>
-            <a:r>
-              <a:rPr lang="en-US" sz="2400" dirty="0"/>
-              <a:t> </a:t>
-            </a:r>
-            <a:r>
-              <a:rPr lang="en-US" sz="2400" dirty="0" err="1"/>
-              <a:t>mittels</a:t>
-            </a:r>
-            <a:r>
-              <a:rPr lang="en-US" sz="2400" dirty="0"/>
-              <a:t> </a:t>
-            </a:r>
-            <a:r>
-              <a:rPr lang="en-US" sz="2400" dirty="0" err="1"/>
-              <a:t>eines</a:t>
-            </a:r>
-            <a:r>
-              <a:rPr lang="en-US" sz="2400" dirty="0"/>
-              <a:t> CNN auf </a:t>
-            </a:r>
-            <a:r>
-              <a:rPr lang="en-US" sz="2400" dirty="0" err="1"/>
-              <a:t>Fotos</a:t>
-            </a:r>
-            <a:r>
-              <a:rPr lang="en-US" sz="2400" dirty="0"/>
-              <a:t> die </a:t>
-            </a:r>
-            <a:r>
-              <a:rPr lang="en-US" sz="2400" dirty="0" err="1"/>
-              <a:t>Automarke</a:t>
-            </a:r>
-            <a:r>
-              <a:rPr lang="en-US" sz="2400" dirty="0"/>
-              <a:t> des </a:t>
-            </a:r>
-            <a:r>
-              <a:rPr lang="en-US" sz="2400" dirty="0" err="1"/>
-              <a:t>dargestellten</a:t>
-            </a:r>
-            <a:r>
-              <a:rPr lang="en-US" sz="2400" dirty="0"/>
-              <a:t> </a:t>
-            </a:r>
-            <a:r>
-              <a:rPr lang="en-US" sz="2400" dirty="0" err="1"/>
-              <a:t>Vehikels</a:t>
-            </a:r>
-            <a:r>
-              <a:rPr lang="en-US" sz="2400" dirty="0"/>
-              <a:t> </a:t>
-            </a:r>
-            <a:r>
-              <a:rPr lang="en-US" sz="2400" dirty="0" err="1"/>
-              <a:t>zu</a:t>
-            </a:r>
-            <a:r>
-              <a:rPr lang="en-US" sz="2400" dirty="0"/>
-              <a:t> </a:t>
-            </a:r>
-            <a:r>
-              <a:rPr lang="en-US" sz="2400" dirty="0" err="1"/>
-              <a:t>erkennen</a:t>
-            </a:r>
-            <a:r>
-              <a:rPr lang="en-US" sz="2400" dirty="0"/>
-              <a:t>. </a:t>
-            </a:r>
-          </a:p>
-          <a:p>
-            <a:pPr>
-              <a:lnSpc>
-                <a:spcPct val="90000"/>
-              </a:lnSpc>
-              <a:spcAft>
-                <a:spcPts val="600"/>
-              </a:spcAft>
-            </a:pPr>
-            <a:endParaRPr lang="en-US" sz="2400" dirty="0"/>
-          </a:p>
-          <a:p>
-            <a:pPr>
-              <a:lnSpc>
-                <a:spcPct val="90000"/>
-              </a:lnSpc>
-              <a:spcAft>
-                <a:spcPts val="600"/>
-              </a:spcAft>
-            </a:pPr>
-            <a:r>
-              <a:rPr lang="en-US" sz="2400" dirty="0"/>
-              <a:t>Falls </a:t>
-            </a:r>
-            <a:r>
-              <a:rPr lang="en-US" sz="2400" dirty="0" err="1"/>
-              <a:t>wir</a:t>
-            </a:r>
-            <a:r>
-              <a:rPr lang="en-US" sz="2400" dirty="0"/>
-              <a:t> </a:t>
-            </a:r>
-            <a:r>
-              <a:rPr lang="en-US" sz="2400" dirty="0" err="1"/>
-              <a:t>genügend</a:t>
-            </a:r>
-            <a:r>
-              <a:rPr lang="en-US" sz="2400" dirty="0"/>
-              <a:t> Zeit </a:t>
-            </a:r>
-            <a:r>
-              <a:rPr lang="en-US" sz="2400" dirty="0" err="1"/>
-              <a:t>haben</a:t>
-            </a:r>
-            <a:r>
-              <a:rPr lang="en-US" sz="2400" dirty="0"/>
-              <a:t>, </a:t>
-            </a:r>
-            <a:r>
-              <a:rPr lang="en-US" sz="2400" dirty="0" err="1"/>
-              <a:t>werden</a:t>
-            </a:r>
-            <a:r>
-              <a:rPr lang="en-US" sz="2400" dirty="0"/>
-              <a:t> </a:t>
-            </a:r>
-            <a:r>
-              <a:rPr lang="en-US" sz="2400" dirty="0" err="1"/>
-              <a:t>wir</a:t>
-            </a:r>
-            <a:r>
-              <a:rPr lang="en-US" sz="2400" dirty="0"/>
-              <a:t> </a:t>
-            </a:r>
-            <a:r>
-              <a:rPr lang="en-US" sz="2400" dirty="0" err="1"/>
-              <a:t>auch</a:t>
-            </a:r>
-            <a:r>
-              <a:rPr lang="en-US" sz="2400" dirty="0"/>
-              <a:t> </a:t>
-            </a:r>
-            <a:r>
-              <a:rPr lang="en-US" sz="2400" dirty="0" err="1"/>
-              <a:t>versuchen</a:t>
-            </a:r>
-            <a:r>
-              <a:rPr lang="en-US" sz="2400" dirty="0"/>
-              <a:t> </a:t>
-            </a:r>
-            <a:r>
-              <a:rPr lang="en-US" sz="2400" dirty="0" err="1"/>
-              <a:t>aufgrund</a:t>
-            </a:r>
-            <a:r>
-              <a:rPr lang="en-US" sz="2400" dirty="0"/>
-              <a:t> des </a:t>
-            </a:r>
-            <a:r>
-              <a:rPr lang="en-US" sz="2400" dirty="0" err="1"/>
-              <a:t>Bildes</a:t>
-            </a:r>
-            <a:r>
-              <a:rPr lang="en-US" sz="2400" dirty="0"/>
-              <a:t> auf die </a:t>
-            </a:r>
-            <a:r>
-              <a:rPr lang="en-US" sz="2400" dirty="0" err="1"/>
-              <a:t>Preisklasse</a:t>
-            </a:r>
-            <a:r>
-              <a:rPr lang="en-US" sz="2400" dirty="0"/>
-              <a:t> des Autos </a:t>
-            </a:r>
-            <a:r>
-              <a:rPr lang="en-US" sz="2400" dirty="0" err="1"/>
-              <a:t>zu</a:t>
-            </a:r>
-            <a:r>
-              <a:rPr lang="en-US" sz="2400" dirty="0"/>
-              <a:t> </a:t>
-            </a:r>
-            <a:r>
-              <a:rPr lang="en-US" sz="2400" dirty="0" err="1"/>
-              <a:t>schliessen</a:t>
-            </a:r>
-            <a:r>
-              <a:rPr lang="en-US" sz="2400" dirty="0"/>
-              <a:t>.</a:t>
-            </a:r>
-          </a:p>
-        </p:txBody>
-      </p:sp>
-      <p:pic>
-        <p:nvPicPr>
-          <p:cNvPr id="10" name="Picture 9">
-            <a:extLst>
-              <a:ext uri="{FF2B5EF4-FFF2-40B4-BE49-F238E27FC236}">
-                <a16:creationId xmlns:a16="http://schemas.microsoft.com/office/drawing/2014/main" id="{2C8FDF15-90FF-4876-9C0D-57739543E036}"/>
-              </a:ext>
-            </a:extLst>
-          </p:cNvPr>
-          <p:cNvPicPr>
-            <a:picLocks noChangeAspect="1"/>
-          </p:cNvPicPr>
-          <p:nvPr/>
-        </p:nvPicPr>
-        <p:blipFill rotWithShape="1">
-          <a:blip r:embed="rId2"/>
-          <a:srcRect r="3038" b="-2"/>
-          <a:stretch/>
-        </p:blipFill>
-        <p:spPr>
-          <a:xfrm>
-            <a:off x="6750141" y="-2"/>
-            <a:ext cx="5441859" cy="5654940"/>
-          </a:xfrm>
-          <a:custGeom>
-            <a:avLst/>
-            <a:gdLst/>
-            <a:ahLst/>
-            <a:cxnLst/>
-            <a:rect l="l" t="t" r="r" b="b"/>
-            <a:pathLst>
-              <a:path w="5441859" h="5654940">
-                <a:moveTo>
-                  <a:pt x="1041368" y="0"/>
-                </a:moveTo>
-                <a:lnTo>
-                  <a:pt x="5441859" y="0"/>
-                </a:lnTo>
-                <a:lnTo>
-                  <a:pt x="5441859" y="4820612"/>
-                </a:lnTo>
-                <a:lnTo>
-                  <a:pt x="5285166" y="4957981"/>
-                </a:lnTo>
-                <a:cubicBezTo>
-                  <a:pt x="4729628" y="5394557"/>
-                  <a:pt x="4029081" y="5654940"/>
-                  <a:pt x="3267719" y="5654940"/>
-                </a:cubicBezTo>
-                <a:cubicBezTo>
-                  <a:pt x="1463008" y="5654940"/>
-                  <a:pt x="0" y="4191932"/>
-                  <a:pt x="0" y="2387221"/>
-                </a:cubicBezTo>
-                <a:cubicBezTo>
-                  <a:pt x="0" y="1484866"/>
-                  <a:pt x="365752" y="667936"/>
-                  <a:pt x="957093" y="76595"/>
-                </a:cubicBezTo>
-                <a:close/>
-              </a:path>
-            </a:pathLst>
-          </a:custGeom>
-        </p:spPr>
-      </p:pic>
-    </p:spTree>
-    <p:extLst>
-      <p:ext uri="{BB962C8B-B14F-4D97-AF65-F5344CB8AC3E}">
-        <p14:creationId xmlns:p14="http://schemas.microsoft.com/office/powerpoint/2010/main" val="1185783223"/>
-      </p:ext>
-    </p:extLst>
-  </p:cSld>
-  <p:clrMapOvr>
-    <a:overrideClrMapping bg1="dk1" tx1="lt1" bg2="dk2" tx2="lt2" accent1="accent1" accent2="accent2" accent3="accent3" accent4="accent4" accent5="accent5" accent6="accent6" hlink="hlink" folHlink="folHlink"/>
-  </p:clrMapOvr>
-</p:sld>
-</file>
-
-<file path=ppt/slides/slide3.xml><?xml version="1.0" encoding="utf-8"?>
-<p:sld xmlns:a="http://schemas.openxmlformats.org/drawingml/2006/main" xmlns:r="http://schemas.openxmlformats.org/officeDocument/2006/relationships" xmlns:p="http://schemas.openxmlformats.org/presentationml/2006/main">
-  <p:cSld>
-    <p:bg>
-      <p:bgPr>
-        <a:solidFill>
-          <a:schemeClr val="bg1">
-            <a:tint val="95000"/>
-            <a:satMod val="170000"/>
-          </a:schemeClr>
-        </a:solidFill>
-        <a:effectLst/>
-      </p:bgPr>
-    </p:bg>
-    <p:spTree>
-      <p:nvGrpSpPr>
-        <p:cNvPr id="1" name=""/>
-        <p:cNvGrpSpPr/>
-        <p:nvPr/>
-      </p:nvGrpSpPr>
-      <p:grpSpPr>
-        <a:xfrm>
-          <a:off x="0" y="0"/>
-          <a:ext cx="0" cy="0"/>
-          <a:chOff x="0" y="0"/>
-          <a:chExt cx="0" cy="0"/>
-        </a:xfrm>
-      </p:grpSpPr>
-      <p:sp>
-        <p:nvSpPr>
-          <p:cNvPr id="13" name="Freeform: Shape 12">
-            <a:extLst>
-              <a:ext uri="{FF2B5EF4-FFF2-40B4-BE49-F238E27FC236}">
-                <a16:creationId xmlns:a16="http://schemas.microsoft.com/office/drawing/2014/main" id="{CB5DFCDA-694D-4637-8E9B-038575194349}"/>
-              </a:ext>
-              <a:ext uri="{C183D7F6-B498-43B3-948B-1728B52AA6E4}">
-                <adec:decorative xmlns:adec="http://schemas.microsoft.com/office/drawing/2017/decorative" val="1"/>
-              </a:ext>
-            </a:extLst>
-          </p:cNvPr>
-          <p:cNvSpPr>
-            <a:spLocks noGrp="1" noRot="1" noChangeAspect="1" noMove="1" noResize="1" noEditPoints="1" noAdjustHandles="1" noChangeArrowheads="1" noChangeShapeType="1" noTextEdit="1"/>
-          </p:cNvSpPr>
-          <p:nvPr>
-            <p:extLst>
-              <p:ext uri="{386F3935-93C4-4BCD-93E2-E3B085C9AB24}">
-                <p16:designElem xmlns:p16="http://schemas.microsoft.com/office/powerpoint/2015/main" val="1"/>
-              </p:ext>
-            </p:extLst>
-          </p:nvPr>
-        </p:nvSpPr>
-        <p:spPr>
-          <a:xfrm flipH="1" flipV="1">
-            <a:off x="0" y="0"/>
-            <a:ext cx="9952075" cy="6858000"/>
-          </a:xfrm>
-          <a:custGeom>
-            <a:avLst/>
-            <a:gdLst>
-              <a:gd name="connsiteX0" fmla="*/ 9952075 w 9952075"/>
-              <a:gd name="connsiteY0" fmla="*/ 6858000 h 6858000"/>
-              <a:gd name="connsiteX1" fmla="*/ 108694 w 9952075"/>
-              <a:gd name="connsiteY1" fmla="*/ 6858000 h 6858000"/>
-              <a:gd name="connsiteX2" fmla="*/ 79127 w 9952075"/>
-              <a:gd name="connsiteY2" fmla="*/ 6681235 h 6858000"/>
-              <a:gd name="connsiteX3" fmla="*/ 0 w 9952075"/>
-              <a:gd name="connsiteY3" fmla="*/ 5565888 h 6858000"/>
-              <a:gd name="connsiteX4" fmla="*/ 2190696 w 9952075"/>
-              <a:gd name="connsiteY4" fmla="*/ 145339 h 6858000"/>
-              <a:gd name="connsiteX5" fmla="*/ 2339431 w 9952075"/>
-              <a:gd name="connsiteY5" fmla="*/ 0 h 6858000"/>
-              <a:gd name="connsiteX6" fmla="*/ 9952075 w 9952075"/>
-              <a:gd name="connsiteY6" fmla="*/ 0 h 6858000"/>
-            </a:gdLst>
-            <a:ahLst/>
-            <a:cxnLst>
-              <a:cxn ang="0">
-                <a:pos x="connsiteX0" y="connsiteY0"/>
-              </a:cxn>
-              <a:cxn ang="0">
-                <a:pos x="connsiteX1" y="connsiteY1"/>
-              </a:cxn>
-              <a:cxn ang="0">
-                <a:pos x="connsiteX2" y="connsiteY2"/>
-              </a:cxn>
-              <a:cxn ang="0">
-                <a:pos x="connsiteX3" y="connsiteY3"/>
-              </a:cxn>
-              <a:cxn ang="0">
-                <a:pos x="connsiteX4" y="connsiteY4"/>
-              </a:cxn>
-              <a:cxn ang="0">
-                <a:pos x="connsiteX5" y="connsiteY5"/>
-              </a:cxn>
-              <a:cxn ang="0">
-                <a:pos x="connsiteX6" y="connsiteY6"/>
-              </a:cxn>
-            </a:cxnLst>
-            <a:rect l="l" t="t" r="r" b="b"/>
-            <a:pathLst>
-              <a:path w="9952075" h="6858000">
-                <a:moveTo>
-                  <a:pt x="9952075" y="6858000"/>
-                </a:moveTo>
-                <a:lnTo>
-                  <a:pt x="108694" y="6858000"/>
-                </a:lnTo>
-                <a:lnTo>
-                  <a:pt x="79127" y="6681235"/>
-                </a:lnTo>
-                <a:cubicBezTo>
-                  <a:pt x="26981" y="6316967"/>
-                  <a:pt x="0" y="5944579"/>
-                  <a:pt x="0" y="5565888"/>
-                </a:cubicBezTo>
-                <a:cubicBezTo>
-                  <a:pt x="0" y="3459953"/>
-                  <a:pt x="834428" y="1548908"/>
-                  <a:pt x="2190696" y="145339"/>
-                </a:cubicBezTo>
-                <a:lnTo>
-                  <a:pt x="2339431" y="0"/>
-                </a:lnTo>
-                <a:lnTo>
-                  <a:pt x="9952075" y="0"/>
-                </a:lnTo>
-                <a:close/>
-              </a:path>
-            </a:pathLst>
-          </a:custGeom>
-          <a:solidFill>
-            <a:schemeClr val="tx1">
-              <a:alpha val="80000"/>
-            </a:schemeClr>
-          </a:solidFill>
-          <a:ln>
-            <a:noFill/>
-          </a:ln>
-        </p:spPr>
-        <p:style>
-          <a:lnRef idx="2">
-            <a:schemeClr val="accent1">
-              <a:shade val="50000"/>
-            </a:schemeClr>
-          </a:lnRef>
-          <a:fillRef idx="1">
-            <a:schemeClr val="accent1"/>
-          </a:fillRef>
-          <a:effectRef idx="0">
-            <a:schemeClr val="accent1"/>
-          </a:effectRef>
-          <a:fontRef idx="minor">
-            <a:schemeClr val="lt1"/>
-          </a:fontRef>
-        </p:style>
-        <p:txBody>
-          <a:bodyPr wrap="square" rtlCol="0" anchor="ctr">
-            <a:noAutofit/>
-          </a:bodyPr>
-          <a:lstStyle/>
-          <a:p>
-            <a:pPr algn="ctr"/>
-            <a:endParaRPr lang="en-US"/>
-          </a:p>
-        </p:txBody>
-      </p:sp>
-      <p:sp>
-        <p:nvSpPr>
-          <p:cNvPr id="15" name="Freeform: Shape 14">
-            <a:extLst>
-              <a:ext uri="{FF2B5EF4-FFF2-40B4-BE49-F238E27FC236}">
-                <a16:creationId xmlns:a16="http://schemas.microsoft.com/office/drawing/2014/main" id="{E4DB276E-BFF1-43F5-AB90-7ABA4B9A919A}"/>
-              </a:ext>
-              <a:ext uri="{C183D7F6-B498-43B3-948B-1728B52AA6E4}">
-                <adec:decorative xmlns:adec="http://schemas.microsoft.com/office/drawing/2017/decorative" val="1"/>
-              </a:ext>
-            </a:extLst>
-          </p:cNvPr>
-          <p:cNvSpPr>
-            <a:spLocks noGrp="1" noRot="1" noChangeAspect="1" noMove="1" noResize="1" noEditPoints="1" noAdjustHandles="1" noChangeArrowheads="1" noChangeShapeType="1" noTextEdit="1"/>
-          </p:cNvSpPr>
-          <p:nvPr>
-            <p:extLst>
-              <p:ext uri="{386F3935-93C4-4BCD-93E2-E3B085C9AB24}">
-                <p16:designElem xmlns:p16="http://schemas.microsoft.com/office/powerpoint/2015/main" val="1"/>
-              </p:ext>
-            </p:extLst>
-          </p:nvPr>
-        </p:nvSpPr>
-        <p:spPr>
-          <a:xfrm flipH="1" flipV="1">
-            <a:off x="0" y="0"/>
-            <a:ext cx="9652017" cy="6858000"/>
-          </a:xfrm>
-          <a:custGeom>
-            <a:avLst/>
-            <a:gdLst>
-              <a:gd name="connsiteX0" fmla="*/ 9652017 w 9652017"/>
-              <a:gd name="connsiteY0" fmla="*/ 6858000 h 6858000"/>
-              <a:gd name="connsiteX1" fmla="*/ 112827 w 9652017"/>
-              <a:gd name="connsiteY1" fmla="*/ 6858000 h 6858000"/>
-              <a:gd name="connsiteX2" fmla="*/ 76084 w 9652017"/>
-              <a:gd name="connsiteY2" fmla="*/ 6638337 h 6858000"/>
-              <a:gd name="connsiteX3" fmla="*/ 0 w 9652017"/>
-              <a:gd name="connsiteY3" fmla="*/ 5565888 h 6858000"/>
-              <a:gd name="connsiteX4" fmla="*/ 2157501 w 9652017"/>
-              <a:gd name="connsiteY4" fmla="*/ 301488 h 6858000"/>
-              <a:gd name="connsiteX5" fmla="*/ 2472310 w 9652017"/>
-              <a:gd name="connsiteY5" fmla="*/ 0 h 6858000"/>
-              <a:gd name="connsiteX6" fmla="*/ 9652017 w 9652017"/>
-              <a:gd name="connsiteY6" fmla="*/ 0 h 6858000"/>
-            </a:gdLst>
-            <a:ahLst/>
-            <a:cxnLst>
-              <a:cxn ang="0">
-                <a:pos x="connsiteX0" y="connsiteY0"/>
-              </a:cxn>
-              <a:cxn ang="0">
-                <a:pos x="connsiteX1" y="connsiteY1"/>
-              </a:cxn>
-              <a:cxn ang="0">
-                <a:pos x="connsiteX2" y="connsiteY2"/>
-              </a:cxn>
-              <a:cxn ang="0">
-                <a:pos x="connsiteX3" y="connsiteY3"/>
-              </a:cxn>
-              <a:cxn ang="0">
-                <a:pos x="connsiteX4" y="connsiteY4"/>
-              </a:cxn>
-              <a:cxn ang="0">
-                <a:pos x="connsiteX5" y="connsiteY5"/>
-              </a:cxn>
-              <a:cxn ang="0">
-                <a:pos x="connsiteX6" y="connsiteY6"/>
-              </a:cxn>
-            </a:cxnLst>
-            <a:rect l="l" t="t" r="r" b="b"/>
-            <a:pathLst>
-              <a:path w="9652017" h="6858000">
-                <a:moveTo>
-                  <a:pt x="9652017" y="6858000"/>
-                </a:moveTo>
-                <a:lnTo>
-                  <a:pt x="112827" y="6858000"/>
-                </a:lnTo>
-                <a:lnTo>
-                  <a:pt x="76084" y="6638337"/>
-                </a:lnTo>
-                <a:cubicBezTo>
-                  <a:pt x="25944" y="6288079"/>
-                  <a:pt x="0" y="5930014"/>
-                  <a:pt x="0" y="5565888"/>
-                </a:cubicBezTo>
-                <a:cubicBezTo>
-                  <a:pt x="0" y="3514654"/>
-                  <a:pt x="823309" y="1655711"/>
-                  <a:pt x="2157501" y="301488"/>
-                </a:cubicBezTo>
-                <a:lnTo>
-                  <a:pt x="2472310" y="0"/>
-                </a:lnTo>
-                <a:lnTo>
-                  <a:pt x="9652017" y="0"/>
-                </a:lnTo>
-                <a:close/>
-              </a:path>
-            </a:pathLst>
-          </a:custGeom>
-          <a:solidFill>
-            <a:schemeClr val="bg1">
-              <a:lumMod val="65000"/>
-              <a:lumOff val="35000"/>
-            </a:schemeClr>
-          </a:solidFill>
-          <a:ln>
-            <a:noFill/>
-          </a:ln>
-        </p:spPr>
-        <p:style>
-          <a:lnRef idx="2">
-            <a:schemeClr val="accent1">
-              <a:shade val="50000"/>
-            </a:schemeClr>
-          </a:lnRef>
-          <a:fillRef idx="1">
-            <a:schemeClr val="accent1"/>
-          </a:fillRef>
-          <a:effectRef idx="0">
-            <a:schemeClr val="accent1"/>
-          </a:effectRef>
-          <a:fontRef idx="minor">
-            <a:schemeClr val="lt1"/>
-          </a:fontRef>
-        </p:style>
-        <p:txBody>
-          <a:bodyPr wrap="square" rtlCol="0" anchor="ctr">
-            <a:noAutofit/>
-          </a:bodyPr>
-          <a:lstStyle/>
-          <a:p>
-            <a:pPr algn="ctr"/>
-            <a:endParaRPr lang="en-US"/>
-          </a:p>
-        </p:txBody>
-      </p:sp>
-      <p:sp>
-        <p:nvSpPr>
-          <p:cNvPr id="2" name="Title 1">
-            <a:extLst>
-              <a:ext uri="{FF2B5EF4-FFF2-40B4-BE49-F238E27FC236}">
-                <a16:creationId xmlns:a16="http://schemas.microsoft.com/office/drawing/2014/main" id="{203309F1-E7AE-47BD-B432-F6083A6C454E}"/>
-              </a:ext>
-            </a:extLst>
-          </p:cNvPr>
-          <p:cNvSpPr>
-            <a:spLocks noGrp="1"/>
-          </p:cNvSpPr>
-          <p:nvPr>
-            <p:ph type="title"/>
-          </p:nvPr>
-        </p:nvSpPr>
-        <p:spPr>
-          <a:xfrm>
-            <a:off x="838200" y="365126"/>
-            <a:ext cx="7757694" cy="1288238"/>
-          </a:xfrm>
-        </p:spPr>
-        <p:txBody>
-          <a:bodyPr vert="horz" lIns="91440" tIns="45720" rIns="91440" bIns="45720" rtlCol="0" anchor="b">
-            <a:normAutofit/>
-          </a:bodyPr>
-          <a:lstStyle/>
-          <a:p>
-            <a:r>
-              <a:rPr lang="en-US" kern="1200">
-                <a:solidFill>
-                  <a:schemeClr val="tx1"/>
-                </a:solidFill>
-                <a:latin typeface="+mj-lt"/>
-                <a:ea typeface="+mj-ea"/>
-                <a:cs typeface="+mj-cs"/>
-              </a:rPr>
-              <a:t>Datenbasis</a:t>
-            </a:r>
-          </a:p>
-        </p:txBody>
-      </p:sp>
-      <p:sp>
-        <p:nvSpPr>
-          <p:cNvPr id="4" name="TextBox 3">
-            <a:extLst>
-              <a:ext uri="{FF2B5EF4-FFF2-40B4-BE49-F238E27FC236}">
-                <a16:creationId xmlns:a16="http://schemas.microsoft.com/office/drawing/2014/main" id="{2BDAC8C1-B0FC-419F-9C02-E930EFE5FDE6}"/>
-              </a:ext>
-            </a:extLst>
-          </p:cNvPr>
-          <p:cNvSpPr txBox="1"/>
-          <p:nvPr/>
-        </p:nvSpPr>
-        <p:spPr>
-          <a:xfrm>
-            <a:off x="838200" y="1997030"/>
-            <a:ext cx="8133080" cy="4413930"/>
-          </a:xfrm>
-          <a:prstGeom prst="rect">
-            <a:avLst/>
-          </a:prstGeom>
-        </p:spPr>
-        <p:txBody>
-          <a:bodyPr vert="horz" lIns="91440" tIns="45720" rIns="91440" bIns="45720" rtlCol="0" anchor="t">
-            <a:normAutofit lnSpcReduction="10000"/>
-          </a:bodyPr>
-          <a:lstStyle/>
-          <a:p>
             <a:pPr indent="-228600" defTabSz="914400">
               <a:lnSpc>
                 <a:spcPct val="90000"/>
@@ -4259,180 +3600,8 @@
               <a:buChar char="•"/>
             </a:pPr>
             <a:r>
-              <a:rPr lang="en-US" dirty="0" err="1"/>
-              <a:t>Als</a:t>
-            </a:r>
-            <a:r>
-              <a:rPr lang="en-US" dirty="0"/>
-              <a:t> </a:t>
-            </a:r>
-            <a:r>
-              <a:rPr lang="en-US" dirty="0" err="1"/>
-              <a:t>Datenbasis</a:t>
-            </a:r>
-            <a:r>
-              <a:rPr lang="en-US" dirty="0"/>
-              <a:t> </a:t>
-            </a:r>
-            <a:r>
-              <a:rPr lang="en-US" dirty="0" err="1"/>
-              <a:t>sind</a:t>
-            </a:r>
-            <a:r>
-              <a:rPr lang="en-US" dirty="0"/>
-              <a:t> </a:t>
-            </a:r>
-            <a:r>
-              <a:rPr lang="en-US" dirty="0" err="1"/>
-              <a:t>verschiedene</a:t>
-            </a:r>
-            <a:r>
-              <a:rPr lang="en-US" dirty="0"/>
-              <a:t> </a:t>
-            </a:r>
-            <a:r>
-              <a:rPr lang="en-US" dirty="0" err="1"/>
-              <a:t>Bildsammlungen</a:t>
-            </a:r>
-            <a:r>
-              <a:rPr lang="en-US" dirty="0"/>
-              <a:t> </a:t>
-            </a:r>
-            <a:r>
-              <a:rPr lang="en-US" dirty="0" err="1"/>
-              <a:t>zugänglich</a:t>
-            </a:r>
-            <a:r>
-              <a:rPr lang="en-US" dirty="0"/>
-              <a:t> </a:t>
-            </a:r>
-            <a:r>
-              <a:rPr lang="en-US" dirty="0" err="1"/>
-              <a:t>wobei</a:t>
-            </a:r>
-            <a:r>
-              <a:rPr lang="en-US" dirty="0"/>
-              <a:t> der </a:t>
-            </a:r>
-            <a:r>
-              <a:rPr lang="en-US" dirty="0" err="1"/>
-              <a:t>Datensatz</a:t>
-            </a:r>
-            <a:r>
-              <a:rPr lang="en-US" dirty="0"/>
-              <a:t> der Stanford University von Jonathan Krause der </a:t>
-            </a:r>
-            <a:r>
-              <a:rPr lang="en-US" dirty="0" err="1"/>
-              <a:t>wohl</a:t>
-            </a:r>
-            <a:r>
-              <a:rPr lang="en-US" dirty="0"/>
-              <a:t> </a:t>
-            </a:r>
-            <a:r>
-              <a:rPr lang="en-US" dirty="0" err="1"/>
-              <a:t>bekannteste</a:t>
-            </a:r>
-            <a:r>
-              <a:rPr lang="en-US" dirty="0"/>
-              <a:t> </a:t>
-            </a:r>
-            <a:r>
-              <a:rPr lang="en-US" dirty="0" err="1"/>
-              <a:t>ist</a:t>
-            </a:r>
-            <a:r>
-              <a:rPr lang="en-US" dirty="0"/>
-              <a:t> (https://ai.stanford.edu/~jkrause/cars/car_dataset.html). </a:t>
-            </a:r>
-            <a:r>
-              <a:rPr lang="en-US" dirty="0" err="1"/>
-              <a:t>Allerdings</a:t>
-            </a:r>
-            <a:r>
-              <a:rPr lang="en-US" dirty="0"/>
-              <a:t> </a:t>
-            </a:r>
-            <a:r>
-              <a:rPr lang="en-US" dirty="0" err="1"/>
-              <a:t>ist</a:t>
-            </a:r>
-            <a:r>
-              <a:rPr lang="en-US" dirty="0"/>
-              <a:t> </a:t>
-            </a:r>
-            <a:r>
-              <a:rPr lang="en-US" dirty="0" err="1"/>
-              <a:t>dieser</a:t>
-            </a:r>
-            <a:r>
-              <a:rPr lang="en-US" dirty="0"/>
-              <a:t> </a:t>
-            </a:r>
-            <a:r>
-              <a:rPr lang="en-US" dirty="0" err="1"/>
-              <a:t>Datensatz</a:t>
-            </a:r>
-            <a:r>
-              <a:rPr lang="en-US" dirty="0"/>
-              <a:t> </a:t>
-            </a:r>
-            <a:r>
-              <a:rPr lang="en-US" dirty="0" err="1"/>
-              <a:t>nicht</a:t>
-            </a:r>
-            <a:r>
-              <a:rPr lang="en-US" dirty="0"/>
-              <a:t> </a:t>
-            </a:r>
-            <a:r>
-              <a:rPr lang="en-US" dirty="0" err="1"/>
-              <a:t>besonders</a:t>
-            </a:r>
-            <a:r>
-              <a:rPr lang="en-US" dirty="0"/>
-              <a:t> gross, </a:t>
-            </a:r>
-            <a:r>
-              <a:rPr lang="en-US" dirty="0" err="1"/>
-              <a:t>sehr</a:t>
-            </a:r>
-            <a:r>
-              <a:rPr lang="en-US" dirty="0"/>
-              <a:t> USA </a:t>
-            </a:r>
-            <a:r>
-              <a:rPr lang="en-US" dirty="0" err="1"/>
-              <a:t>lastig</a:t>
-            </a:r>
-            <a:r>
-              <a:rPr lang="en-US" dirty="0"/>
-              <a:t> und </a:t>
-            </a:r>
-            <a:r>
-              <a:rPr lang="en-US" dirty="0" err="1"/>
-              <a:t>schon</a:t>
-            </a:r>
-            <a:r>
-              <a:rPr lang="en-US" dirty="0"/>
-              <a:t> </a:t>
-            </a:r>
-            <a:r>
-              <a:rPr lang="en-US" dirty="0" err="1"/>
-              <a:t>etwas</a:t>
-            </a:r>
-            <a:r>
-              <a:rPr lang="en-US" dirty="0"/>
-              <a:t> in die Jahre </a:t>
-            </a:r>
-            <a:r>
-              <a:rPr lang="en-US" dirty="0" err="1"/>
-              <a:t>gekommen</a:t>
-            </a:r>
-            <a:r>
-              <a:rPr lang="en-US" dirty="0"/>
-              <a:t>.</a:t>
+              <a:rPr lang="en-US"/>
+              <a:t>Wir wollen mittels eines CNN auf Fotos die Automarke des dargestellten Vehikels zu erkennen. </a:t>
             </a:r>
           </a:p>
           <a:p>
@@ -4446,7 +3615,7 @@
               <a:buFont typeface="Arial" panose="020B0604020202020204" pitchFamily="34" charset="0"/>
               <a:buChar char="•"/>
             </a:pPr>
-            <a:endParaRPr lang="en-US" dirty="0"/>
+            <a:endParaRPr lang="en-US"/>
           </a:p>
           <a:p>
             <a:pPr indent="-228600" defTabSz="914400">
@@ -4460,2068 +3629,15 @@
               <a:buChar char="•"/>
             </a:pPr>
             <a:r>
-              <a:rPr lang="en-US" dirty="0" err="1"/>
-              <a:t>Wir</a:t>
-            </a:r>
-            <a:r>
-              <a:rPr lang="en-US" dirty="0"/>
-              <a:t> </a:t>
-            </a:r>
-            <a:r>
-              <a:rPr lang="en-US" dirty="0" err="1"/>
-              <a:t>verwenden</a:t>
-            </a:r>
-            <a:r>
-              <a:rPr lang="en-US" dirty="0"/>
-              <a:t> </a:t>
-            </a:r>
-            <a:r>
-              <a:rPr lang="en-US" dirty="0" err="1"/>
-              <a:t>daher</a:t>
-            </a:r>
-            <a:r>
-              <a:rPr lang="en-US" dirty="0"/>
-              <a:t> </a:t>
-            </a:r>
-            <a:r>
-              <a:rPr lang="en-US" dirty="0" err="1"/>
-              <a:t>eine</a:t>
-            </a:r>
-            <a:r>
-              <a:rPr lang="en-US" dirty="0"/>
-              <a:t> </a:t>
-            </a:r>
-            <a:r>
-              <a:rPr lang="en-US" dirty="0" err="1"/>
-              <a:t>neue</a:t>
-            </a:r>
-            <a:r>
-              <a:rPr lang="en-US" dirty="0"/>
-              <a:t> Library von Nicolas Gervais (https://github.com/nicolas-gervais/predicting-car-price-from-scraped-data/tree/master/picture-scraper) </a:t>
-            </a:r>
-            <a:r>
-              <a:rPr lang="en-US" dirty="0" err="1"/>
-              <a:t>mit</a:t>
-            </a:r>
-            <a:r>
-              <a:rPr lang="en-US" dirty="0"/>
-              <a:t> </a:t>
-            </a:r>
-            <a:r>
-              <a:rPr lang="en-US" b="1" dirty="0"/>
-              <a:t>64'467 </a:t>
-            </a:r>
-            <a:r>
-              <a:rPr lang="en-US" b="1" dirty="0" err="1"/>
-              <a:t>Bilder</a:t>
-            </a:r>
-            <a:r>
-              <a:rPr lang="en-US" b="1" dirty="0"/>
-              <a:t> </a:t>
-            </a:r>
-            <a:r>
-              <a:rPr lang="en-US" b="1" dirty="0" err="1"/>
-              <a:t>aus</a:t>
-            </a:r>
-            <a:r>
-              <a:rPr lang="en-US" b="1" dirty="0"/>
-              <a:t> dem </a:t>
-            </a:r>
-            <a:r>
-              <a:rPr lang="en-US" b="1" dirty="0" err="1"/>
-              <a:t>Jahr</a:t>
-            </a:r>
-            <a:r>
-              <a:rPr lang="en-US" b="1" dirty="0"/>
-              <a:t> 2020</a:t>
-            </a:r>
-            <a:r>
-              <a:rPr lang="en-US" dirty="0"/>
-              <a:t>. Die </a:t>
-            </a:r>
-            <a:r>
-              <a:rPr lang="en-US" dirty="0" err="1"/>
-              <a:t>Bilder</a:t>
-            </a:r>
-            <a:r>
-              <a:rPr lang="en-US" dirty="0"/>
-              <a:t> </a:t>
-            </a:r>
-            <a:r>
-              <a:rPr lang="en-US" dirty="0" err="1"/>
-              <a:t>wurden</a:t>
-            </a:r>
-            <a:r>
-              <a:rPr lang="en-US" dirty="0"/>
-              <a:t> von der Webpage 'The Car Connection' </a:t>
-            </a:r>
-            <a:r>
-              <a:rPr lang="en-US" dirty="0" err="1"/>
-              <a:t>gescraped</a:t>
-            </a:r>
-            <a:r>
-              <a:rPr lang="en-US" dirty="0"/>
-              <a:t> und </a:t>
-            </a:r>
-            <a:r>
-              <a:rPr lang="en-US" dirty="0" err="1"/>
-              <a:t>haben</a:t>
-            </a:r>
-            <a:r>
-              <a:rPr lang="en-US" dirty="0"/>
-              <a:t> pro </a:t>
-            </a:r>
-            <a:r>
-              <a:rPr lang="en-US" dirty="0" err="1"/>
-              <a:t>BIld</a:t>
-            </a:r>
-            <a:r>
-              <a:rPr lang="en-US" dirty="0"/>
-              <a:t> </a:t>
-            </a:r>
-            <a:r>
-              <a:rPr lang="en-US" dirty="0" err="1"/>
-              <a:t>unter</a:t>
-            </a:r>
-            <a:r>
-              <a:rPr lang="en-US" dirty="0"/>
-              <a:t> </a:t>
-            </a:r>
-            <a:r>
-              <a:rPr lang="en-US" dirty="0" err="1"/>
-              <a:t>anderem</a:t>
-            </a:r>
-            <a:r>
-              <a:rPr lang="en-US" dirty="0"/>
-              <a:t> die </a:t>
-            </a:r>
-            <a:r>
-              <a:rPr lang="en-US" dirty="0" err="1"/>
-              <a:t>folgenden</a:t>
-            </a:r>
-            <a:r>
-              <a:rPr lang="en-US" dirty="0"/>
-              <a:t> Label:</a:t>
-            </a:r>
-          </a:p>
-          <a:p>
-            <a:pPr indent="-228600" defTabSz="914400">
-              <a:lnSpc>
-                <a:spcPct val="90000"/>
-              </a:lnSpc>
-              <a:spcAft>
-                <a:spcPts val="600"/>
-              </a:spcAft>
-              <a:buFont typeface="Arial" panose="020B0604020202020204" pitchFamily="34" charset="0"/>
-              <a:buChar char="•"/>
-            </a:pPr>
-            <a:endParaRPr lang="en-US" dirty="0"/>
-          </a:p>
-          <a:p>
-            <a:pPr indent="-228600" defTabSz="914400">
-              <a:lnSpc>
-                <a:spcPct val="90000"/>
-              </a:lnSpc>
-              <a:spcAft>
-                <a:spcPts val="600"/>
-              </a:spcAft>
-              <a:buFont typeface="Arial" panose="020B0604020202020204" pitchFamily="34" charset="0"/>
-              <a:buChar char="•"/>
-            </a:pPr>
-            <a:r>
-              <a:rPr lang="en-US" dirty="0" err="1"/>
-              <a:t>Marke</a:t>
-            </a:r>
-            <a:r>
-              <a:rPr lang="en-US" dirty="0"/>
-              <a:t> (</a:t>
-            </a:r>
-            <a:r>
-              <a:rPr lang="en-US" dirty="0" err="1"/>
-              <a:t>z.B.</a:t>
-            </a:r>
-            <a:r>
-              <a:rPr lang="en-US" dirty="0"/>
-              <a:t> Audi)</a:t>
-            </a:r>
-          </a:p>
-          <a:p>
-            <a:pPr indent="-228600" defTabSz="914400">
-              <a:lnSpc>
-                <a:spcPct val="90000"/>
-              </a:lnSpc>
-              <a:spcAft>
-                <a:spcPts val="600"/>
-              </a:spcAft>
-              <a:buFont typeface="Arial" panose="020B0604020202020204" pitchFamily="34" charset="0"/>
-              <a:buChar char="•"/>
-            </a:pPr>
-            <a:r>
-              <a:rPr lang="en-US" dirty="0"/>
-              <a:t>Modell (</a:t>
-            </a:r>
-            <a:r>
-              <a:rPr lang="en-US" dirty="0" err="1"/>
-              <a:t>z.B.</a:t>
-            </a:r>
-            <a:r>
-              <a:rPr lang="en-US" dirty="0"/>
-              <a:t> A5)</a:t>
-            </a:r>
-          </a:p>
-          <a:p>
-            <a:pPr indent="-228600" defTabSz="914400">
-              <a:lnSpc>
-                <a:spcPct val="90000"/>
-              </a:lnSpc>
-              <a:spcAft>
-                <a:spcPts val="600"/>
-              </a:spcAft>
-              <a:buFont typeface="Arial" panose="020B0604020202020204" pitchFamily="34" charset="0"/>
-              <a:buChar char="•"/>
-            </a:pPr>
-            <a:r>
-              <a:rPr lang="en-US" dirty="0" err="1"/>
-              <a:t>Baujahr</a:t>
-            </a:r>
-            <a:r>
-              <a:rPr lang="en-US" dirty="0"/>
-              <a:t> (</a:t>
-            </a:r>
-            <a:r>
-              <a:rPr lang="en-US" dirty="0" err="1"/>
-              <a:t>z.B.</a:t>
-            </a:r>
-            <a:r>
-              <a:rPr lang="en-US" dirty="0"/>
-              <a:t> 2013)</a:t>
-            </a:r>
-          </a:p>
-          <a:p>
-            <a:pPr indent="-228600" defTabSz="914400">
-              <a:lnSpc>
-                <a:spcPct val="90000"/>
-              </a:lnSpc>
-              <a:spcAft>
-                <a:spcPts val="600"/>
-              </a:spcAft>
-              <a:buFont typeface="Arial" panose="020B0604020202020204" pitchFamily="34" charset="0"/>
-              <a:buChar char="•"/>
-            </a:pPr>
-            <a:r>
-              <a:rPr lang="en-US" dirty="0" err="1"/>
-              <a:t>Preis</a:t>
-            </a:r>
-            <a:r>
-              <a:rPr lang="en-US" dirty="0"/>
-              <a:t> in '000 USD (</a:t>
-            </a:r>
-            <a:r>
-              <a:rPr lang="en-US" dirty="0" err="1"/>
-              <a:t>z.B.</a:t>
-            </a:r>
-            <a:r>
-              <a:rPr lang="en-US" dirty="0"/>
-              <a:t> 44)</a:t>
-            </a:r>
-          </a:p>
-          <a:p>
-            <a:pPr indent="-228600" defTabSz="914400">
-              <a:lnSpc>
-                <a:spcPct val="90000"/>
-              </a:lnSpc>
-              <a:spcAft>
-                <a:spcPts val="600"/>
-              </a:spcAft>
-              <a:buFont typeface="Arial" panose="020B0604020202020204" pitchFamily="34" charset="0"/>
-              <a:buChar char="•"/>
-            </a:pPr>
-            <a:endParaRPr lang="en-US" dirty="0"/>
-          </a:p>
-        </p:txBody>
-      </p:sp>
-    </p:spTree>
-    <p:extLst>
-      <p:ext uri="{BB962C8B-B14F-4D97-AF65-F5344CB8AC3E}">
-        <p14:creationId xmlns:p14="http://schemas.microsoft.com/office/powerpoint/2010/main" val="2395267053"/>
-      </p:ext>
-    </p:extLst>
-  </p:cSld>
-  <p:clrMapOvr>
-    <a:overrideClrMapping bg1="dk1" tx1="lt1" bg2="dk2" tx2="lt2" accent1="accent1" accent2="accent2" accent3="accent3" accent4="accent4" accent5="accent5" accent6="accent6" hlink="hlink" folHlink="folHlink"/>
-  </p:clrMapOvr>
-</p:sld>
-</file>
-
-<file path=ppt/slides/slide4.xml><?xml version="1.0" encoding="utf-8"?>
-<p:sld xmlns:a="http://schemas.openxmlformats.org/drawingml/2006/main" xmlns:r="http://schemas.openxmlformats.org/officeDocument/2006/relationships" xmlns:p="http://schemas.openxmlformats.org/presentationml/2006/main">
-  <p:cSld>
-    <p:bg>
-      <p:bgPr>
-        <a:solidFill>
-          <a:schemeClr val="bg1">
-            <a:tint val="95000"/>
-            <a:satMod val="170000"/>
-          </a:schemeClr>
-        </a:solidFill>
-        <a:effectLst/>
-      </p:bgPr>
-    </p:bg>
-    <p:spTree>
-      <p:nvGrpSpPr>
-        <p:cNvPr id="1" name=""/>
-        <p:cNvGrpSpPr/>
-        <p:nvPr/>
-      </p:nvGrpSpPr>
-      <p:grpSpPr>
-        <a:xfrm>
-          <a:off x="0" y="0"/>
-          <a:ext cx="0" cy="0"/>
-          <a:chOff x="0" y="0"/>
-          <a:chExt cx="0" cy="0"/>
-        </a:xfrm>
-      </p:grpSpPr>
-      <p:sp>
-        <p:nvSpPr>
-          <p:cNvPr id="8" name="Freeform: Shape 7">
-            <a:extLst>
-              <a:ext uri="{FF2B5EF4-FFF2-40B4-BE49-F238E27FC236}">
-                <a16:creationId xmlns:a16="http://schemas.microsoft.com/office/drawing/2014/main" id="{025E2AA9-10C9-4A14-BEA3-064CD0131100}"/>
-              </a:ext>
-              <a:ext uri="{C183D7F6-B498-43B3-948B-1728B52AA6E4}">
-                <adec:decorative xmlns:adec="http://schemas.microsoft.com/office/drawing/2017/decorative" val="1"/>
-              </a:ext>
-            </a:extLst>
-          </p:cNvPr>
-          <p:cNvSpPr>
-            <a:spLocks noGrp="1" noRot="1" noChangeAspect="1" noMove="1" noResize="1" noEditPoints="1" noAdjustHandles="1" noChangeArrowheads="1" noChangeShapeType="1" noTextEdit="1"/>
-          </p:cNvSpPr>
-          <p:nvPr>
-            <p:extLst>
-              <p:ext uri="{386F3935-93C4-4BCD-93E2-E3B085C9AB24}">
-                <p16:designElem xmlns:p16="http://schemas.microsoft.com/office/powerpoint/2015/main" val="1"/>
-              </p:ext>
-            </p:extLst>
-          </p:nvPr>
-        </p:nvSpPr>
-        <p:spPr>
-          <a:xfrm>
-            <a:off x="0" y="0"/>
-            <a:ext cx="6136816" cy="5254922"/>
-          </a:xfrm>
-          <a:custGeom>
-            <a:avLst/>
-            <a:gdLst>
-              <a:gd name="connsiteX0" fmla="*/ 0 w 6136816"/>
-              <a:gd name="connsiteY0" fmla="*/ 0 h 5254922"/>
-              <a:gd name="connsiteX1" fmla="*/ 6136816 w 6136816"/>
-              <a:gd name="connsiteY1" fmla="*/ 0 h 5254922"/>
-              <a:gd name="connsiteX2" fmla="*/ 6134892 w 6136816"/>
-              <a:gd name="connsiteY2" fmla="*/ 111520 h 5254922"/>
-              <a:gd name="connsiteX3" fmla="*/ 6066513 w 6136816"/>
-              <a:gd name="connsiteY3" fmla="*/ 752995 h 5254922"/>
-              <a:gd name="connsiteX4" fmla="*/ 140712 w 6136816"/>
-              <a:gd name="connsiteY4" fmla="*/ 5219363 h 5254922"/>
-              <a:gd name="connsiteX5" fmla="*/ 0 w 6136816"/>
-              <a:gd name="connsiteY5" fmla="*/ 5199534 h 5254922"/>
-            </a:gdLst>
-            <a:ahLst/>
-            <a:cxnLst>
-              <a:cxn ang="0">
-                <a:pos x="connsiteX0" y="connsiteY0"/>
-              </a:cxn>
-              <a:cxn ang="0">
-                <a:pos x="connsiteX1" y="connsiteY1"/>
-              </a:cxn>
-              <a:cxn ang="0">
-                <a:pos x="connsiteX2" y="connsiteY2"/>
-              </a:cxn>
-              <a:cxn ang="0">
-                <a:pos x="connsiteX3" y="connsiteY3"/>
-              </a:cxn>
-              <a:cxn ang="0">
-                <a:pos x="connsiteX4" y="connsiteY4"/>
-              </a:cxn>
-              <a:cxn ang="0">
-                <a:pos x="connsiteX5" y="connsiteY5"/>
-              </a:cxn>
-            </a:cxnLst>
-            <a:rect l="l" t="t" r="r" b="b"/>
-            <a:pathLst>
-              <a:path w="6136816" h="5254922">
-                <a:moveTo>
-                  <a:pt x="0" y="0"/>
-                </a:moveTo>
-                <a:lnTo>
-                  <a:pt x="6136816" y="0"/>
-                </a:lnTo>
-                <a:lnTo>
-                  <a:pt x="6134892" y="111520"/>
-                </a:lnTo>
-                <a:cubicBezTo>
-                  <a:pt x="6124961" y="323936"/>
-                  <a:pt x="6102367" y="538040"/>
-                  <a:pt x="6066513" y="752995"/>
-                </a:cubicBezTo>
-                <a:cubicBezTo>
-                  <a:pt x="5592281" y="3596146"/>
-                  <a:pt x="2972232" y="5545369"/>
-                  <a:pt x="140712" y="5219363"/>
-                </a:cubicBezTo>
-                <a:lnTo>
-                  <a:pt x="0" y="5199534"/>
-                </a:lnTo>
-                <a:close/>
-              </a:path>
-            </a:pathLst>
-          </a:custGeom>
-          <a:solidFill>
-            <a:schemeClr val="tx1">
-              <a:alpha val="80000"/>
-            </a:schemeClr>
-          </a:solidFill>
-          <a:ln>
-            <a:noFill/>
-          </a:ln>
-        </p:spPr>
-        <p:style>
-          <a:lnRef idx="2">
-            <a:schemeClr val="accent1">
-              <a:shade val="50000"/>
-            </a:schemeClr>
-          </a:lnRef>
-          <a:fillRef idx="1">
-            <a:schemeClr val="accent1"/>
-          </a:fillRef>
-          <a:effectRef idx="0">
-            <a:schemeClr val="accent1"/>
-          </a:effectRef>
-          <a:fontRef idx="minor">
-            <a:schemeClr val="lt1"/>
-          </a:fontRef>
-        </p:style>
-        <p:txBody>
-          <a:bodyPr wrap="square" rtlCol="0" anchor="ctr">
-            <a:noAutofit/>
-          </a:bodyPr>
-          <a:lstStyle/>
-          <a:p>
-            <a:pPr algn="ctr"/>
-            <a:endParaRPr lang="en-US" dirty="0"/>
-          </a:p>
-        </p:txBody>
-      </p:sp>
-      <p:sp>
-        <p:nvSpPr>
-          <p:cNvPr id="10" name="Freeform: Shape 9">
-            <a:extLst>
-              <a:ext uri="{FF2B5EF4-FFF2-40B4-BE49-F238E27FC236}">
-                <a16:creationId xmlns:a16="http://schemas.microsoft.com/office/drawing/2014/main" id="{F076F371-EE61-49EA-AA2A-3582C3AC9BCD}"/>
-              </a:ext>
-              <a:ext uri="{C183D7F6-B498-43B3-948B-1728B52AA6E4}">
-                <adec:decorative xmlns:adec="http://schemas.microsoft.com/office/drawing/2017/decorative" val="1"/>
-              </a:ext>
-            </a:extLst>
-          </p:cNvPr>
-          <p:cNvSpPr>
-            <a:spLocks noGrp="1" noRot="1" noChangeAspect="1" noMove="1" noResize="1" noEditPoints="1" noAdjustHandles="1" noChangeArrowheads="1" noChangeShapeType="1" noTextEdit="1"/>
-          </p:cNvSpPr>
-          <p:nvPr>
-            <p:extLst>
-              <p:ext uri="{386F3935-93C4-4BCD-93E2-E3B085C9AB24}">
-                <p16:designElem xmlns:p16="http://schemas.microsoft.com/office/powerpoint/2015/main" val="1"/>
-              </p:ext>
-            </p:extLst>
-          </p:nvPr>
-        </p:nvSpPr>
-        <p:spPr>
-          <a:xfrm>
-            <a:off x="1" y="1"/>
-            <a:ext cx="5863721" cy="4984915"/>
-          </a:xfrm>
-          <a:custGeom>
-            <a:avLst/>
-            <a:gdLst>
-              <a:gd name="connsiteX0" fmla="*/ 0 w 5863721"/>
-              <a:gd name="connsiteY0" fmla="*/ 0 h 4984915"/>
-              <a:gd name="connsiteX1" fmla="*/ 5863721 w 5863721"/>
-              <a:gd name="connsiteY1" fmla="*/ 0 h 4984915"/>
-              <a:gd name="connsiteX2" fmla="*/ 5844576 w 5863721"/>
-              <a:gd name="connsiteY2" fmla="*/ 326138 h 4984915"/>
-              <a:gd name="connsiteX3" fmla="*/ 5796589 w 5863721"/>
-              <a:gd name="connsiteY3" fmla="*/ 693884 h 4984915"/>
-              <a:gd name="connsiteX4" fmla="*/ 148386 w 5863721"/>
-              <a:gd name="connsiteY4" fmla="*/ 4951022 h 4984915"/>
-              <a:gd name="connsiteX5" fmla="*/ 0 w 5863721"/>
-              <a:gd name="connsiteY5" fmla="*/ 4930112 h 4984915"/>
-            </a:gdLst>
-            <a:ahLst/>
-            <a:cxnLst>
-              <a:cxn ang="0">
-                <a:pos x="connsiteX0" y="connsiteY0"/>
-              </a:cxn>
-              <a:cxn ang="0">
-                <a:pos x="connsiteX1" y="connsiteY1"/>
-              </a:cxn>
-              <a:cxn ang="0">
-                <a:pos x="connsiteX2" y="connsiteY2"/>
-              </a:cxn>
-              <a:cxn ang="0">
-                <a:pos x="connsiteX3" y="connsiteY3"/>
-              </a:cxn>
-              <a:cxn ang="0">
-                <a:pos x="connsiteX4" y="connsiteY4"/>
-              </a:cxn>
-              <a:cxn ang="0">
-                <a:pos x="connsiteX5" y="connsiteY5"/>
-              </a:cxn>
-            </a:cxnLst>
-            <a:rect l="l" t="t" r="r" b="b"/>
-            <a:pathLst>
-              <a:path w="5863721" h="4984915">
-                <a:moveTo>
-                  <a:pt x="0" y="0"/>
-                </a:moveTo>
-                <a:lnTo>
-                  <a:pt x="5863721" y="0"/>
-                </a:lnTo>
-                <a:lnTo>
-                  <a:pt x="5844576" y="326138"/>
-                </a:lnTo>
-                <a:cubicBezTo>
-                  <a:pt x="5833049" y="448313"/>
-                  <a:pt x="5817094" y="570952"/>
-                  <a:pt x="5796589" y="693884"/>
-                </a:cubicBezTo>
-                <a:cubicBezTo>
-                  <a:pt x="5344573" y="3403845"/>
-                  <a:pt x="2847261" y="5261756"/>
-                  <a:pt x="148386" y="4951022"/>
-                </a:cubicBezTo>
-                <a:lnTo>
-                  <a:pt x="0" y="4930112"/>
-                </a:lnTo>
-                <a:close/>
-              </a:path>
-            </a:pathLst>
-          </a:custGeom>
-          <a:solidFill>
-            <a:schemeClr val="bg1">
-              <a:lumMod val="65000"/>
-              <a:lumOff val="35000"/>
-            </a:schemeClr>
-          </a:solidFill>
-          <a:ln>
-            <a:noFill/>
-          </a:ln>
-        </p:spPr>
-        <p:style>
-          <a:lnRef idx="2">
-            <a:schemeClr val="accent1">
-              <a:shade val="50000"/>
-            </a:schemeClr>
-          </a:lnRef>
-          <a:fillRef idx="1">
-            <a:schemeClr val="accent1"/>
-          </a:fillRef>
-          <a:effectRef idx="0">
-            <a:schemeClr val="accent1"/>
-          </a:effectRef>
-          <a:fontRef idx="minor">
-            <a:schemeClr val="lt1"/>
-          </a:fontRef>
-        </p:style>
-        <p:txBody>
-          <a:bodyPr wrap="square" rtlCol="0" anchor="ctr">
-            <a:noAutofit/>
-          </a:bodyPr>
-          <a:lstStyle/>
-          <a:p>
-            <a:pPr algn="ctr"/>
-            <a:endParaRPr lang="en-US"/>
-          </a:p>
-        </p:txBody>
-      </p:sp>
-      <p:sp>
-        <p:nvSpPr>
-          <p:cNvPr id="2" name="Title 1">
-            <a:extLst>
-              <a:ext uri="{FF2B5EF4-FFF2-40B4-BE49-F238E27FC236}">
-                <a16:creationId xmlns:a16="http://schemas.microsoft.com/office/drawing/2014/main" id="{460188B4-7A99-4BC8-8F31-479B8DB7D4D0}"/>
-              </a:ext>
-            </a:extLst>
-          </p:cNvPr>
-          <p:cNvSpPr>
-            <a:spLocks noGrp="1"/>
-          </p:cNvSpPr>
-          <p:nvPr>
-            <p:ph type="title"/>
-          </p:nvPr>
-        </p:nvSpPr>
-        <p:spPr>
-          <a:xfrm>
-            <a:off x="804671" y="365125"/>
-            <a:ext cx="3405821" cy="3117038"/>
-          </a:xfrm>
-        </p:spPr>
-        <p:txBody>
-          <a:bodyPr vert="horz" lIns="91440" tIns="45720" rIns="91440" bIns="45720" rtlCol="0" anchor="ctr">
-            <a:normAutofit/>
-          </a:bodyPr>
-          <a:lstStyle/>
-          <a:p>
-            <a:r>
-              <a:rPr lang="en-US" sz="4400" kern="1200" dirty="0" err="1">
-                <a:solidFill>
-                  <a:schemeClr val="tx1"/>
-                </a:solidFill>
-                <a:latin typeface="+mj-lt"/>
-                <a:ea typeface="+mj-ea"/>
-                <a:cs typeface="+mj-cs"/>
-              </a:rPr>
-              <a:t>Daten</a:t>
-            </a:r>
-            <a:r>
-              <a:rPr lang="en-US" sz="4400" kern="1200" dirty="0">
-                <a:solidFill>
-                  <a:schemeClr val="tx1"/>
-                </a:solidFill>
-                <a:latin typeface="+mj-lt"/>
-                <a:ea typeface="+mj-ea"/>
-                <a:cs typeface="+mj-cs"/>
-              </a:rPr>
-              <a:t> </a:t>
-            </a:r>
-            <a:r>
-              <a:rPr lang="en-US" sz="4400" kern="1200" dirty="0" err="1">
-                <a:solidFill>
-                  <a:schemeClr val="tx1"/>
-                </a:solidFill>
-                <a:latin typeface="+mj-lt"/>
-                <a:ea typeface="+mj-ea"/>
-                <a:cs typeface="+mj-cs"/>
-              </a:rPr>
-              <a:t>Preparieren</a:t>
-            </a:r>
-            <a:endParaRPr lang="en-US" sz="4400" kern="1200" dirty="0">
-              <a:solidFill>
-                <a:schemeClr val="tx1"/>
-              </a:solidFill>
-              <a:latin typeface="+mj-lt"/>
-              <a:ea typeface="+mj-ea"/>
-              <a:cs typeface="+mj-cs"/>
-            </a:endParaRPr>
-          </a:p>
-        </p:txBody>
-      </p:sp>
-      <p:sp>
-        <p:nvSpPr>
-          <p:cNvPr id="3" name="TextBox 2">
-            <a:extLst>
-              <a:ext uri="{FF2B5EF4-FFF2-40B4-BE49-F238E27FC236}">
-                <a16:creationId xmlns:a16="http://schemas.microsoft.com/office/drawing/2014/main" id="{1F987AD7-E3CE-4757-9CC4-4D912D1D1792}"/>
-              </a:ext>
-            </a:extLst>
-          </p:cNvPr>
-          <p:cNvSpPr txBox="1"/>
-          <p:nvPr/>
-        </p:nvSpPr>
-        <p:spPr>
-          <a:xfrm>
-            <a:off x="6668392" y="627663"/>
-            <a:ext cx="5156364" cy="2250597"/>
-          </a:xfrm>
-          <a:prstGeom prst="rect">
-            <a:avLst/>
-          </a:prstGeom>
-        </p:spPr>
-        <p:txBody>
-          <a:bodyPr vert="horz" lIns="91440" tIns="45720" rIns="91440" bIns="45720" rtlCol="0" anchor="t">
-            <a:noAutofit/>
-          </a:bodyPr>
-          <a:lstStyle>
-            <a:defPPr>
-              <a:defRPr lang="en-US"/>
-            </a:defPPr>
-            <a:lvl1pPr defTabSz="914400">
-              <a:lnSpc>
-                <a:spcPct val="90000"/>
-              </a:lnSpc>
-              <a:spcAft>
-                <a:spcPts val="600"/>
-              </a:spcAft>
-              <a:defRPr sz="1600"/>
-            </a:lvl1pPr>
-          </a:lstStyle>
-          <a:p>
-            <a:r>
-              <a:rPr lang="en-US" sz="2000" b="1" dirty="0" err="1"/>
-              <a:t>Ausgangslage</a:t>
-            </a:r>
-            <a:endParaRPr lang="en-US" b="1" dirty="0"/>
-          </a:p>
-          <a:p>
-            <a:endParaRPr lang="en-US" dirty="0"/>
-          </a:p>
-          <a:p>
-            <a:pPr marL="285750" indent="-285750">
-              <a:buFont typeface="Arial" panose="020B0604020202020204" pitchFamily="34" charset="0"/>
-              <a:buChar char="•"/>
-            </a:pPr>
-            <a:r>
-              <a:rPr lang="en-US" dirty="0"/>
-              <a:t>Auf den </a:t>
-            </a:r>
-            <a:r>
-              <a:rPr lang="en-US" dirty="0" err="1"/>
-              <a:t>Bildern</a:t>
-            </a:r>
-            <a:r>
-              <a:rPr lang="en-US" dirty="0"/>
-              <a:t> </a:t>
-            </a:r>
-            <a:r>
-              <a:rPr lang="en-US" dirty="0" err="1"/>
-              <a:t>sind</a:t>
-            </a:r>
-            <a:r>
-              <a:rPr lang="en-US" dirty="0"/>
-              <a:t> </a:t>
-            </a:r>
-            <a:r>
-              <a:rPr lang="en-US" dirty="0" err="1"/>
-              <a:t>zum</a:t>
-            </a:r>
-            <a:r>
-              <a:rPr lang="en-US" dirty="0"/>
-              <a:t> Teil </a:t>
-            </a:r>
-            <a:r>
-              <a:rPr lang="en-US" dirty="0" err="1"/>
-              <a:t>auch</a:t>
-            </a:r>
-            <a:r>
-              <a:rPr lang="en-US" dirty="0"/>
-              <a:t> </a:t>
-            </a:r>
-            <a:r>
-              <a:rPr lang="en-US" dirty="0" err="1"/>
-              <a:t>Detailaufnahmen</a:t>
-            </a:r>
-            <a:r>
-              <a:rPr lang="en-US" dirty="0"/>
-              <a:t> </a:t>
-            </a:r>
-            <a:r>
-              <a:rPr lang="en-US" dirty="0" err="1"/>
-              <a:t>einzelner</a:t>
-            </a:r>
-            <a:r>
-              <a:rPr lang="en-US" dirty="0"/>
-              <a:t> </a:t>
-            </a:r>
-            <a:r>
-              <a:rPr lang="en-US" dirty="0" err="1"/>
-              <a:t>Autoteile</a:t>
-            </a:r>
-            <a:r>
-              <a:rPr lang="en-US" dirty="0"/>
-              <a:t> </a:t>
-            </a:r>
-            <a:r>
-              <a:rPr lang="en-US" dirty="0" err="1"/>
-              <a:t>zu</a:t>
-            </a:r>
-            <a:r>
-              <a:rPr lang="en-US" dirty="0"/>
-              <a:t> </a:t>
-            </a:r>
-            <a:r>
-              <a:rPr lang="en-US" dirty="0" err="1"/>
-              <a:t>sehen</a:t>
-            </a:r>
-            <a:r>
-              <a:rPr lang="en-US" dirty="0"/>
-              <a:t> und </a:t>
-            </a:r>
-            <a:r>
-              <a:rPr lang="en-US" dirty="0" err="1"/>
-              <a:t>vereinzelt</a:t>
-            </a:r>
-            <a:r>
-              <a:rPr lang="en-US" dirty="0"/>
-              <a:t> </a:t>
-            </a:r>
-            <a:r>
-              <a:rPr lang="en-US" dirty="0" err="1"/>
-              <a:t>sind</a:t>
-            </a:r>
-            <a:r>
-              <a:rPr lang="en-US" dirty="0"/>
-              <a:t> </a:t>
-            </a:r>
-            <a:r>
-              <a:rPr lang="en-US" dirty="0" err="1"/>
-              <a:t>auch</a:t>
-            </a:r>
-            <a:r>
-              <a:rPr lang="en-US" dirty="0"/>
-              <a:t> </a:t>
-            </a:r>
-            <a:r>
-              <a:rPr lang="en-US" dirty="0" err="1"/>
-              <a:t>Innenaufnahmen</a:t>
-            </a:r>
-            <a:r>
-              <a:rPr lang="en-US" dirty="0"/>
-              <a:t> </a:t>
-            </a:r>
-            <a:r>
-              <a:rPr lang="en-US" dirty="0" err="1"/>
-              <a:t>vorhanden</a:t>
-            </a:r>
-            <a:r>
-              <a:rPr lang="en-US" dirty="0"/>
-              <a:t>. </a:t>
-            </a:r>
-          </a:p>
-          <a:p>
-            <a:pPr marL="285750" indent="-285750">
-              <a:buFont typeface="Arial" panose="020B0604020202020204" pitchFamily="34" charset="0"/>
-              <a:buChar char="•"/>
-            </a:pPr>
-            <a:r>
-              <a:rPr lang="en-US" dirty="0"/>
-              <a:t>Die </a:t>
-            </a:r>
-            <a:r>
-              <a:rPr lang="en-US" dirty="0" err="1"/>
-              <a:t>Bilder</a:t>
-            </a:r>
-            <a:r>
-              <a:rPr lang="en-US" dirty="0"/>
-              <a:t> </a:t>
-            </a:r>
-            <a:r>
-              <a:rPr lang="en-US" dirty="0" err="1"/>
-              <a:t>haben</a:t>
-            </a:r>
-            <a:r>
-              <a:rPr lang="en-US" dirty="0"/>
-              <a:t> </a:t>
-            </a:r>
-            <a:r>
-              <a:rPr lang="en-US" dirty="0" err="1"/>
-              <a:t>unterschiedliche</a:t>
-            </a:r>
-            <a:r>
-              <a:rPr lang="en-US" dirty="0"/>
-              <a:t> </a:t>
-            </a:r>
-            <a:r>
-              <a:rPr lang="en-US" dirty="0" err="1"/>
-              <a:t>Formate</a:t>
-            </a:r>
-            <a:r>
-              <a:rPr lang="en-US" dirty="0"/>
-              <a:t> und </a:t>
-            </a:r>
-            <a:r>
-              <a:rPr lang="en-US" dirty="0" err="1"/>
-              <a:t>Grössen</a:t>
-            </a:r>
-            <a:r>
-              <a:rPr lang="en-US" dirty="0"/>
-              <a:t>.</a:t>
-            </a:r>
-          </a:p>
-          <a:p>
-            <a:pPr marL="285750" indent="-285750">
-              <a:buFont typeface="Arial" panose="020B0604020202020204" pitchFamily="34" charset="0"/>
-              <a:buChar char="•"/>
-            </a:pPr>
-            <a:r>
-              <a:rPr lang="en-US" dirty="0"/>
-              <a:t>Label </a:t>
-            </a:r>
-            <a:r>
-              <a:rPr lang="en-US" dirty="0" err="1"/>
-              <a:t>sind</a:t>
-            </a:r>
-            <a:r>
-              <a:rPr lang="en-US" dirty="0"/>
-              <a:t> </a:t>
-            </a:r>
-            <a:r>
-              <a:rPr lang="en-US" dirty="0" err="1"/>
-              <a:t>im</a:t>
-            </a:r>
-            <a:r>
-              <a:rPr lang="en-US" dirty="0"/>
-              <a:t> </a:t>
-            </a:r>
-            <a:r>
-              <a:rPr lang="en-US" dirty="0" err="1"/>
-              <a:t>filenamen</a:t>
-            </a:r>
-            <a:endParaRPr lang="en-US" dirty="0"/>
-          </a:p>
-        </p:txBody>
-      </p:sp>
-      <p:sp>
-        <p:nvSpPr>
-          <p:cNvPr id="6" name="TextBox 5">
-            <a:extLst>
-              <a:ext uri="{FF2B5EF4-FFF2-40B4-BE49-F238E27FC236}">
-                <a16:creationId xmlns:a16="http://schemas.microsoft.com/office/drawing/2014/main" id="{34C807F2-4DE9-496D-BC40-5E874CE18949}"/>
-              </a:ext>
-            </a:extLst>
-          </p:cNvPr>
-          <p:cNvSpPr txBox="1"/>
-          <p:nvPr/>
-        </p:nvSpPr>
-        <p:spPr>
-          <a:xfrm>
-            <a:off x="5695381" y="3225969"/>
-            <a:ext cx="5527040" cy="1892128"/>
-          </a:xfrm>
-          <a:prstGeom prst="rect">
-            <a:avLst/>
-          </a:prstGeom>
-        </p:spPr>
-        <p:txBody>
-          <a:bodyPr vert="horz" lIns="91440" tIns="45720" rIns="91440" bIns="45720" rtlCol="0" anchor="t">
-            <a:noAutofit/>
-          </a:bodyPr>
-          <a:lstStyle/>
-          <a:p>
-            <a:pPr defTabSz="914400">
-              <a:lnSpc>
-                <a:spcPct val="90000"/>
-              </a:lnSpc>
-              <a:spcAft>
-                <a:spcPts val="600"/>
-              </a:spcAft>
-            </a:pPr>
-            <a:r>
-              <a:rPr lang="en-US" sz="2000" b="1" dirty="0" err="1"/>
-              <a:t>Filestruktur</a:t>
-            </a:r>
-            <a:r>
-              <a:rPr lang="en-US" sz="2000" b="1" dirty="0"/>
-              <a:t> </a:t>
-            </a:r>
-            <a:r>
-              <a:rPr lang="en-US" sz="2000" b="1" dirty="0" err="1"/>
-              <a:t>anlegen</a:t>
-            </a:r>
-            <a:endParaRPr lang="en-US" sz="2000" b="1" dirty="0"/>
-          </a:p>
-          <a:p>
-            <a:pPr indent="-228600" defTabSz="914400">
-              <a:lnSpc>
-                <a:spcPct val="90000"/>
-              </a:lnSpc>
-              <a:spcAft>
-                <a:spcPts val="600"/>
-              </a:spcAft>
-              <a:buFont typeface="Arial" panose="020B0604020202020204" pitchFamily="34" charset="0"/>
-              <a:buChar char="•"/>
-            </a:pPr>
-            <a:endParaRPr lang="en-US" sz="1600" dirty="0"/>
-          </a:p>
-          <a:p>
-            <a:pPr indent="-228600" defTabSz="914400">
-              <a:lnSpc>
-                <a:spcPct val="90000"/>
-              </a:lnSpc>
-              <a:spcAft>
-                <a:spcPts val="600"/>
-              </a:spcAft>
-              <a:buFont typeface="Arial" panose="020B0604020202020204" pitchFamily="34" charset="0"/>
-              <a:buChar char="•"/>
-            </a:pPr>
-            <a:r>
-              <a:rPr lang="en-US" sz="1600" dirty="0" err="1"/>
-              <a:t>Organisieren</a:t>
-            </a:r>
-            <a:r>
-              <a:rPr lang="en-US" sz="1600" dirty="0"/>
-              <a:t> der </a:t>
-            </a:r>
-            <a:r>
-              <a:rPr lang="en-US" sz="1600" dirty="0" err="1"/>
-              <a:t>Daten</a:t>
-            </a:r>
-            <a:r>
-              <a:rPr lang="en-US" sz="1600" dirty="0"/>
-              <a:t> in </a:t>
-            </a:r>
-            <a:r>
-              <a:rPr lang="en-US" sz="1600" dirty="0" err="1"/>
-              <a:t>Verzeichnisse</a:t>
-            </a:r>
-            <a:r>
-              <a:rPr lang="en-US" sz="1600" dirty="0"/>
-              <a:t> </a:t>
-            </a:r>
-            <a:r>
-              <a:rPr lang="en-US" sz="1600" dirty="0" err="1"/>
-              <a:t>lokal</a:t>
-            </a:r>
-            <a:r>
-              <a:rPr lang="en-US" sz="1600" dirty="0"/>
-              <a:t> </a:t>
-            </a:r>
-            <a:r>
-              <a:rPr lang="en-US" sz="1600" dirty="0" err="1"/>
-              <a:t>vorgenommen</a:t>
-            </a:r>
-            <a:endParaRPr lang="en-US" sz="1600" dirty="0"/>
-          </a:p>
-          <a:p>
-            <a:pPr indent="-228600" defTabSz="914400">
-              <a:lnSpc>
-                <a:spcPct val="90000"/>
-              </a:lnSpc>
-              <a:spcAft>
-                <a:spcPts val="600"/>
-              </a:spcAft>
-              <a:buFont typeface="Arial" panose="020B0604020202020204" pitchFamily="34" charset="0"/>
-              <a:buChar char="•"/>
-            </a:pPr>
-            <a:r>
-              <a:rPr lang="en-US" sz="1600" dirty="0" err="1"/>
-              <a:t>Aufsplittung</a:t>
-            </a:r>
-            <a:r>
-              <a:rPr lang="en-US" sz="1600" dirty="0"/>
-              <a:t> in train, valid, test </a:t>
-            </a:r>
-            <a:r>
-              <a:rPr lang="en-US" sz="1600" dirty="0" err="1"/>
-              <a:t>ebenfalls</a:t>
-            </a:r>
-            <a:endParaRPr lang="en-US" sz="1600" dirty="0"/>
-          </a:p>
-          <a:p>
-            <a:pPr indent="-228600" defTabSz="914400">
-              <a:lnSpc>
-                <a:spcPct val="90000"/>
-              </a:lnSpc>
-              <a:spcAft>
-                <a:spcPts val="600"/>
-              </a:spcAft>
-              <a:buFont typeface="Arial" panose="020B0604020202020204" pitchFamily="34" charset="0"/>
-              <a:buChar char="•"/>
-            </a:pPr>
-            <a:r>
-              <a:rPr lang="en-US" sz="1600" dirty="0" err="1"/>
-              <a:t>Abgespeicehrt</a:t>
-            </a:r>
-            <a:r>
-              <a:rPr lang="en-US" sz="1600" dirty="0"/>
-              <a:t> in Google Drive</a:t>
-            </a:r>
-          </a:p>
-          <a:p>
-            <a:pPr indent="-228600" defTabSz="914400">
-              <a:lnSpc>
-                <a:spcPct val="90000"/>
-              </a:lnSpc>
-              <a:spcAft>
-                <a:spcPts val="600"/>
-              </a:spcAft>
-              <a:buFont typeface="Arial" panose="020B0604020202020204" pitchFamily="34" charset="0"/>
-              <a:buChar char="•"/>
-            </a:pPr>
-            <a:r>
-              <a:rPr lang="en-US" sz="1600" dirty="0" err="1"/>
-              <a:t>Gemounted</a:t>
-            </a:r>
-            <a:r>
-              <a:rPr lang="en-US" sz="1600" dirty="0"/>
-              <a:t> ins Google </a:t>
-            </a:r>
-            <a:r>
-              <a:rPr lang="en-US" sz="1600" dirty="0" err="1"/>
-              <a:t>Colab</a:t>
-            </a:r>
-            <a:endParaRPr lang="en-US" sz="1600" dirty="0"/>
-          </a:p>
-        </p:txBody>
-      </p:sp>
-      <p:sp>
-        <p:nvSpPr>
-          <p:cNvPr id="7" name="TextBox 6">
-            <a:extLst>
-              <a:ext uri="{FF2B5EF4-FFF2-40B4-BE49-F238E27FC236}">
-                <a16:creationId xmlns:a16="http://schemas.microsoft.com/office/drawing/2014/main" id="{8602EACE-EF98-4A0A-AED0-FD997142D755}"/>
-              </a:ext>
-            </a:extLst>
-          </p:cNvPr>
-          <p:cNvSpPr txBox="1"/>
-          <p:nvPr/>
-        </p:nvSpPr>
-        <p:spPr>
-          <a:xfrm>
-            <a:off x="2931861" y="5251278"/>
-            <a:ext cx="5527040" cy="1407594"/>
-          </a:xfrm>
-          <a:prstGeom prst="rect">
-            <a:avLst/>
-          </a:prstGeom>
-        </p:spPr>
-        <p:txBody>
-          <a:bodyPr vert="horz" lIns="91440" tIns="45720" rIns="91440" bIns="45720" rtlCol="0" anchor="t">
-            <a:noAutofit/>
-          </a:bodyPr>
-          <a:lstStyle>
-            <a:defPPr>
-              <a:defRPr lang="en-US"/>
-            </a:defPPr>
-            <a:lvl1pPr defTabSz="914400">
-              <a:lnSpc>
-                <a:spcPct val="90000"/>
-              </a:lnSpc>
-              <a:spcAft>
-                <a:spcPts val="600"/>
-              </a:spcAft>
-              <a:defRPr sz="1600"/>
-            </a:lvl1pPr>
-          </a:lstStyle>
-          <a:p>
-            <a:r>
-              <a:rPr lang="en-US" sz="2000" b="1" dirty="0"/>
-              <a:t>Preprocessing</a:t>
-            </a:r>
-          </a:p>
-          <a:p>
-            <a:endParaRPr lang="en-US" dirty="0"/>
-          </a:p>
-          <a:p>
-            <a:pPr marL="285750" indent="-285750">
-              <a:buFont typeface="Arial" panose="020B0604020202020204" pitchFamily="34" charset="0"/>
-              <a:buChar char="•"/>
-            </a:pPr>
-            <a:r>
-              <a:rPr lang="en-US" dirty="0" err="1"/>
-              <a:t>Skalierung</a:t>
-            </a:r>
-            <a:r>
-              <a:rPr lang="en-US" dirty="0"/>
-              <a:t> und </a:t>
-            </a:r>
-            <a:r>
-              <a:rPr lang="en-US" dirty="0" err="1"/>
-              <a:t>Bildbearbeitung</a:t>
-            </a:r>
-            <a:r>
-              <a:rPr lang="en-US" dirty="0"/>
-              <a:t> in </a:t>
-            </a:r>
-            <a:r>
-              <a:rPr lang="en-US" dirty="0" err="1"/>
-              <a:t>Tesorflow</a:t>
-            </a:r>
-            <a:r>
-              <a:rPr lang="en-US" dirty="0"/>
-              <a:t> auf </a:t>
-            </a:r>
-            <a:r>
-              <a:rPr lang="en-US" dirty="0" err="1"/>
-              <a:t>Colab</a:t>
-            </a:r>
-            <a:endParaRPr lang="en-US" dirty="0"/>
-          </a:p>
-        </p:txBody>
-      </p:sp>
-    </p:spTree>
-    <p:extLst>
-      <p:ext uri="{BB962C8B-B14F-4D97-AF65-F5344CB8AC3E}">
-        <p14:creationId xmlns:p14="http://schemas.microsoft.com/office/powerpoint/2010/main" val="978932776"/>
-      </p:ext>
-    </p:extLst>
-  </p:cSld>
-  <p:clrMapOvr>
-    <a:overrideClrMapping bg1="dk1" tx1="lt1" bg2="dk2" tx2="lt2" accent1="accent1" accent2="accent2" accent3="accent3" accent4="accent4" accent5="accent5" accent6="accent6" hlink="hlink" folHlink="folHlink"/>
-  </p:clrMapOvr>
-</p:sld>
-</file>
-
-<file path=ppt/slides/slide5.xml><?xml version="1.0" encoding="utf-8"?>
-<p:sld xmlns:a="http://schemas.openxmlformats.org/drawingml/2006/main" xmlns:r="http://schemas.openxmlformats.org/officeDocument/2006/relationships" xmlns:p="http://schemas.openxmlformats.org/presentationml/2006/main">
-  <p:cSld>
-    <p:bg>
-      <p:bgPr>
-        <a:solidFill>
-          <a:schemeClr val="bg1">
-            <a:tint val="95000"/>
-            <a:satMod val="170000"/>
-          </a:schemeClr>
-        </a:solidFill>
-        <a:effectLst/>
-      </p:bgPr>
-    </p:bg>
-    <p:spTree>
-      <p:nvGrpSpPr>
-        <p:cNvPr id="1" name=""/>
-        <p:cNvGrpSpPr/>
-        <p:nvPr/>
-      </p:nvGrpSpPr>
-      <p:grpSpPr>
-        <a:xfrm>
-          <a:off x="0" y="0"/>
-          <a:ext cx="0" cy="0"/>
-          <a:chOff x="0" y="0"/>
-          <a:chExt cx="0" cy="0"/>
-        </a:xfrm>
-      </p:grpSpPr>
-      <p:sp>
-        <p:nvSpPr>
-          <p:cNvPr id="14" name="Freeform: Shape 13">
-            <a:extLst>
-              <a:ext uri="{FF2B5EF4-FFF2-40B4-BE49-F238E27FC236}">
-                <a16:creationId xmlns:a16="http://schemas.microsoft.com/office/drawing/2014/main" id="{4F9857ED-1DEF-4481-AEB4-E7759342AC1A}"/>
-              </a:ext>
-              <a:ext uri="{C183D7F6-B498-43B3-948B-1728B52AA6E4}">
-                <adec:decorative xmlns:adec="http://schemas.microsoft.com/office/drawing/2017/decorative" val="1"/>
-              </a:ext>
-            </a:extLst>
-          </p:cNvPr>
-          <p:cNvSpPr>
-            <a:spLocks noGrp="1" noRot="1" noChangeAspect="1" noMove="1" noResize="1" noEditPoints="1" noAdjustHandles="1" noChangeArrowheads="1" noChangeShapeType="1" noTextEdit="1"/>
-          </p:cNvSpPr>
-          <p:nvPr>
-            <p:extLst>
-              <p:ext uri="{386F3935-93C4-4BCD-93E2-E3B085C9AB24}">
-                <p16:designElem xmlns:p16="http://schemas.microsoft.com/office/powerpoint/2015/main" val="1"/>
-              </p:ext>
-            </p:extLst>
-          </p:nvPr>
-        </p:nvSpPr>
-        <p:spPr>
-          <a:xfrm flipH="1">
-            <a:off x="1" y="0"/>
-            <a:ext cx="5457275" cy="6858000"/>
-          </a:xfrm>
-          <a:custGeom>
-            <a:avLst/>
-            <a:gdLst>
-              <a:gd name="connsiteX0" fmla="*/ 5457275 w 5457275"/>
-              <a:gd name="connsiteY0" fmla="*/ 0 h 6858000"/>
-              <a:gd name="connsiteX1" fmla="*/ 361354 w 5457275"/>
-              <a:gd name="connsiteY1" fmla="*/ 0 h 6858000"/>
-              <a:gd name="connsiteX2" fmla="*/ 335637 w 5457275"/>
-              <a:gd name="connsiteY2" fmla="*/ 94722 h 6858000"/>
-              <a:gd name="connsiteX3" fmla="*/ 690849 w 5457275"/>
-              <a:gd name="connsiteY3" fmla="*/ 6842426 h 6858000"/>
-              <a:gd name="connsiteX4" fmla="*/ 696735 w 5457275"/>
-              <a:gd name="connsiteY4" fmla="*/ 6858000 h 6858000"/>
-              <a:gd name="connsiteX5" fmla="*/ 5457275 w 5457275"/>
-              <a:gd name="connsiteY5" fmla="*/ 6858000 h 6858000"/>
-            </a:gdLst>
-            <a:ahLst/>
-            <a:cxnLst>
-              <a:cxn ang="0">
-                <a:pos x="connsiteX0" y="connsiteY0"/>
-              </a:cxn>
-              <a:cxn ang="0">
-                <a:pos x="connsiteX1" y="connsiteY1"/>
-              </a:cxn>
-              <a:cxn ang="0">
-                <a:pos x="connsiteX2" y="connsiteY2"/>
-              </a:cxn>
-              <a:cxn ang="0">
-                <a:pos x="connsiteX3" y="connsiteY3"/>
-              </a:cxn>
-              <a:cxn ang="0">
-                <a:pos x="connsiteX4" y="connsiteY4"/>
-              </a:cxn>
-              <a:cxn ang="0">
-                <a:pos x="connsiteX5" y="connsiteY5"/>
-              </a:cxn>
-            </a:cxnLst>
-            <a:rect l="l" t="t" r="r" b="b"/>
-            <a:pathLst>
-              <a:path w="5457275" h="6858000">
-                <a:moveTo>
-                  <a:pt x="5457275" y="0"/>
-                </a:moveTo>
-                <a:lnTo>
-                  <a:pt x="361354" y="0"/>
-                </a:lnTo>
-                <a:lnTo>
-                  <a:pt x="335637" y="94722"/>
-                </a:lnTo>
-                <a:cubicBezTo>
-                  <a:pt x="-226206" y="2374054"/>
-                  <a:pt x="-65870" y="4704140"/>
-                  <a:pt x="690849" y="6842426"/>
-                </a:cubicBezTo>
-                <a:lnTo>
-                  <a:pt x="696735" y="6858000"/>
-                </a:lnTo>
-                <a:lnTo>
-                  <a:pt x="5457275" y="6858000"/>
-                </a:lnTo>
-                <a:close/>
-              </a:path>
-            </a:pathLst>
-          </a:custGeom>
-          <a:solidFill>
-            <a:schemeClr val="tx1">
-              <a:alpha val="80000"/>
-            </a:schemeClr>
-          </a:solidFill>
-          <a:ln>
-            <a:noFill/>
-          </a:ln>
-        </p:spPr>
-        <p:style>
-          <a:lnRef idx="2">
-            <a:schemeClr val="accent1">
-              <a:shade val="50000"/>
-            </a:schemeClr>
-          </a:lnRef>
-          <a:fillRef idx="1">
-            <a:schemeClr val="accent1"/>
-          </a:fillRef>
-          <a:effectRef idx="0">
-            <a:schemeClr val="accent1"/>
-          </a:effectRef>
-          <a:fontRef idx="minor">
-            <a:schemeClr val="lt1"/>
-          </a:fontRef>
-        </p:style>
-        <p:txBody>
-          <a:bodyPr wrap="square" rtlCol="0" anchor="ctr">
-            <a:noAutofit/>
-          </a:bodyPr>
-          <a:lstStyle/>
-          <a:p>
-            <a:pPr algn="ctr"/>
-            <a:endParaRPr lang="en-US"/>
-          </a:p>
-        </p:txBody>
-      </p:sp>
-      <p:sp>
-        <p:nvSpPr>
-          <p:cNvPr id="16" name="Freeform: Shape 15">
-            <a:extLst>
-              <a:ext uri="{FF2B5EF4-FFF2-40B4-BE49-F238E27FC236}">
-                <a16:creationId xmlns:a16="http://schemas.microsoft.com/office/drawing/2014/main" id="{D6E4FBE1-8E8A-42A6-B693-88C8979D80EA}"/>
-              </a:ext>
-              <a:ext uri="{C183D7F6-B498-43B3-948B-1728B52AA6E4}">
-                <adec:decorative xmlns:adec="http://schemas.microsoft.com/office/drawing/2017/decorative" val="1"/>
-              </a:ext>
-            </a:extLst>
-          </p:cNvPr>
-          <p:cNvSpPr>
-            <a:spLocks noGrp="1" noRot="1" noChangeAspect="1" noMove="1" noResize="1" noEditPoints="1" noAdjustHandles="1" noChangeArrowheads="1" noChangeShapeType="1" noTextEdit="1"/>
-          </p:cNvSpPr>
-          <p:nvPr>
-            <p:extLst>
-              <p:ext uri="{386F3935-93C4-4BCD-93E2-E3B085C9AB24}">
-                <p16:designElem xmlns:p16="http://schemas.microsoft.com/office/powerpoint/2015/main" val="1"/>
-              </p:ext>
-            </p:extLst>
-          </p:nvPr>
-        </p:nvSpPr>
-        <p:spPr>
-          <a:xfrm flipH="1">
-            <a:off x="1" y="0"/>
-            <a:ext cx="5228693" cy="6858000"/>
-          </a:xfrm>
-          <a:custGeom>
-            <a:avLst/>
-            <a:gdLst>
-              <a:gd name="connsiteX0" fmla="*/ 5228693 w 5228693"/>
-              <a:gd name="connsiteY0" fmla="*/ 0 h 6858000"/>
-              <a:gd name="connsiteX1" fmla="*/ 371685 w 5228693"/>
-              <a:gd name="connsiteY1" fmla="*/ 1 h 6858000"/>
-              <a:gd name="connsiteX2" fmla="*/ 319533 w 5228693"/>
-              <a:gd name="connsiteY2" fmla="*/ 193787 h 6858000"/>
-              <a:gd name="connsiteX3" fmla="*/ 623642 w 5228693"/>
-              <a:gd name="connsiteY3" fmla="*/ 6599363 h 6858000"/>
-              <a:gd name="connsiteX4" fmla="*/ 717029 w 5228693"/>
-              <a:gd name="connsiteY4" fmla="*/ 6858000 h 6858000"/>
-              <a:gd name="connsiteX5" fmla="*/ 5228693 w 5228693"/>
-              <a:gd name="connsiteY5" fmla="*/ 6858000 h 6858000"/>
-            </a:gdLst>
-            <a:ahLst/>
-            <a:cxnLst>
-              <a:cxn ang="0">
-                <a:pos x="connsiteX0" y="connsiteY0"/>
-              </a:cxn>
-              <a:cxn ang="0">
-                <a:pos x="connsiteX1" y="connsiteY1"/>
-              </a:cxn>
-              <a:cxn ang="0">
-                <a:pos x="connsiteX2" y="connsiteY2"/>
-              </a:cxn>
-              <a:cxn ang="0">
-                <a:pos x="connsiteX3" y="connsiteY3"/>
-              </a:cxn>
-              <a:cxn ang="0">
-                <a:pos x="connsiteX4" y="connsiteY4"/>
-              </a:cxn>
-              <a:cxn ang="0">
-                <a:pos x="connsiteX5" y="connsiteY5"/>
-              </a:cxn>
-            </a:cxnLst>
-            <a:rect l="l" t="t" r="r" b="b"/>
-            <a:pathLst>
-              <a:path w="5228693" h="6858000">
-                <a:moveTo>
-                  <a:pt x="5228693" y="0"/>
-                </a:moveTo>
-                <a:lnTo>
-                  <a:pt x="371685" y="1"/>
-                </a:lnTo>
-                <a:lnTo>
-                  <a:pt x="319533" y="193787"/>
-                </a:lnTo>
-                <a:cubicBezTo>
-                  <a:pt x="-206622" y="2355719"/>
-                  <a:pt x="-67685" y="4563346"/>
-                  <a:pt x="623642" y="6599363"/>
-                </a:cubicBezTo>
-                <a:lnTo>
-                  <a:pt x="717029" y="6858000"/>
-                </a:lnTo>
-                <a:lnTo>
-                  <a:pt x="5228693" y="6858000"/>
-                </a:lnTo>
-                <a:close/>
-              </a:path>
-            </a:pathLst>
-          </a:custGeom>
-          <a:solidFill>
-            <a:schemeClr val="bg1">
-              <a:lumMod val="65000"/>
-              <a:lumOff val="35000"/>
-            </a:schemeClr>
-          </a:solidFill>
-          <a:ln>
-            <a:noFill/>
-          </a:ln>
-        </p:spPr>
-        <p:style>
-          <a:lnRef idx="2">
-            <a:schemeClr val="accent1">
-              <a:shade val="50000"/>
-            </a:schemeClr>
-          </a:lnRef>
-          <a:fillRef idx="1">
-            <a:schemeClr val="accent1"/>
-          </a:fillRef>
-          <a:effectRef idx="0">
-            <a:schemeClr val="accent1"/>
-          </a:effectRef>
-          <a:fontRef idx="minor">
-            <a:schemeClr val="lt1"/>
-          </a:fontRef>
-        </p:style>
-        <p:txBody>
-          <a:bodyPr wrap="square" rtlCol="0" anchor="ctr">
-            <a:noAutofit/>
-          </a:bodyPr>
-          <a:lstStyle/>
-          <a:p>
-            <a:pPr algn="ctr"/>
-            <a:endParaRPr lang="en-US"/>
-          </a:p>
-        </p:txBody>
-      </p:sp>
-      <p:sp>
-        <p:nvSpPr>
-          <p:cNvPr id="2" name="Title 1">
-            <a:extLst>
-              <a:ext uri="{FF2B5EF4-FFF2-40B4-BE49-F238E27FC236}">
-                <a16:creationId xmlns:a16="http://schemas.microsoft.com/office/drawing/2014/main" id="{2FE2B068-D513-4746-A216-2D4652C813C1}"/>
-              </a:ext>
-            </a:extLst>
-          </p:cNvPr>
-          <p:cNvSpPr>
-            <a:spLocks noGrp="1"/>
-          </p:cNvSpPr>
-          <p:nvPr>
-            <p:ph type="title"/>
-          </p:nvPr>
-        </p:nvSpPr>
-        <p:spPr>
-          <a:xfrm>
-            <a:off x="538276" y="639502"/>
-            <a:ext cx="3820669" cy="1585538"/>
-          </a:xfrm>
-        </p:spPr>
-        <p:txBody>
-          <a:bodyPr vert="horz" lIns="91440" tIns="45720" rIns="91440" bIns="45720" rtlCol="0" anchor="t">
-            <a:normAutofit/>
-          </a:bodyPr>
-          <a:lstStyle/>
-          <a:p>
-            <a:r>
-              <a:rPr lang="en-US" sz="5400" kern="1200" dirty="0">
-                <a:solidFill>
-                  <a:schemeClr val="tx1"/>
-                </a:solidFill>
-                <a:latin typeface="+mj-lt"/>
-                <a:ea typeface="+mj-ea"/>
-                <a:cs typeface="+mj-cs"/>
-              </a:rPr>
-              <a:t>Modell </a:t>
-            </a:r>
-            <a:r>
-              <a:rPr lang="en-US" sz="5400" kern="1200" dirty="0" err="1">
-                <a:solidFill>
-                  <a:schemeClr val="tx1"/>
-                </a:solidFill>
-                <a:latin typeface="+mj-lt"/>
-                <a:ea typeface="+mj-ea"/>
-                <a:cs typeface="+mj-cs"/>
-              </a:rPr>
-              <a:t>aufstellen</a:t>
-            </a:r>
-            <a:endParaRPr lang="en-US" sz="5400" kern="1200" dirty="0">
-              <a:solidFill>
-                <a:schemeClr val="tx1"/>
-              </a:solidFill>
-              <a:latin typeface="+mj-lt"/>
-              <a:ea typeface="+mj-ea"/>
-              <a:cs typeface="+mj-cs"/>
-            </a:endParaRPr>
-          </a:p>
-        </p:txBody>
-      </p:sp>
-      <p:sp>
-        <p:nvSpPr>
-          <p:cNvPr id="4" name="TextBox 3">
-            <a:extLst>
-              <a:ext uri="{FF2B5EF4-FFF2-40B4-BE49-F238E27FC236}">
-                <a16:creationId xmlns:a16="http://schemas.microsoft.com/office/drawing/2014/main" id="{FEB12D3A-6E7C-45B7-94AD-F83E5DBB7CFE}"/>
-              </a:ext>
-            </a:extLst>
-          </p:cNvPr>
-          <p:cNvSpPr txBox="1"/>
-          <p:nvPr/>
-        </p:nvSpPr>
-        <p:spPr>
-          <a:xfrm>
-            <a:off x="6618514" y="386080"/>
-            <a:ext cx="4930358" cy="6065520"/>
-          </a:xfrm>
-          <a:prstGeom prst="rect">
-            <a:avLst/>
-          </a:prstGeom>
-        </p:spPr>
-        <p:txBody>
-          <a:bodyPr vert="horz" lIns="91440" tIns="45720" rIns="91440" bIns="45720" rtlCol="0" anchor="ctr">
-            <a:noAutofit/>
-          </a:bodyPr>
-          <a:lstStyle/>
-          <a:p>
-            <a:pPr indent="-228600" defTabSz="914400">
-              <a:lnSpc>
-                <a:spcPct val="90000"/>
-              </a:lnSpc>
-              <a:spcAft>
-                <a:spcPts val="600"/>
-              </a:spcAft>
-              <a:buFont typeface="Arial" panose="020B0604020202020204" pitchFamily="34" charset="0"/>
-              <a:buChar char="•"/>
-            </a:pPr>
-            <a:r>
-              <a:rPr lang="en-US" sz="1100" b="0" i="0" dirty="0">
-                <a:effectLst/>
-              </a:rPr>
-              <a:t>Model: "sequential_12" _________________________________________________________________ Layer (type) Output Shape Param # ================================================================= conv2d_50 (Conv2D) (None, 224, 224, 8) 224 _________________________________________________________________ activation_74 (Activation) (None, 224, 224, 8) 0 _________________________________________________________________ conv2d_51 (Conv2D) (None, 224, 224, 8) 584 _________________________________________________________________ activation_75 (Activation) (None, 224, 224, 8) 0 _________________________________________________________________ max_pooling2d_24 (</a:t>
-            </a:r>
-            <a:r>
-              <a:rPr lang="en-US" sz="1100" b="0" i="0" dirty="0" err="1">
-                <a:effectLst/>
-              </a:rPr>
-              <a:t>MaxPooling</a:t>
-            </a:r>
-            <a:r>
-              <a:rPr lang="en-US" sz="1100" b="0" i="0" dirty="0">
-                <a:effectLst/>
-              </a:rPr>
-              <a:t> (None, 112, 112, 8) 0 _________________________________________________________________ dropout_22 (Dropout) (None, 112, 112, 8) 0 _________________________________________________________________ conv2d_52 (Conv2D) (None, 112, 112, 16) 1168 _________________________________________________________________ activation_76 (Activation) (None, 112, 112, 16) 0 _________________________________________________________________ conv2d_53 (Conv2D) (None, 112, 112, 16) 2320 _________________________________________________________________ activation_77 (Activation) (None, 112, 112, 16) 0 _________________________________________________________________ flatten_12 (Flatten) (None, 200704) 0 _________________________________________________________________ dropout_23 (Dropout) (None, 200704) 0 _________________________________________________________________ dense_24 (Dense) (None, 40) 8028200 _________________________________________________________________ activation_78 (Activation) (None, 40) 0 _________________________________________________________________ dense_25 (Dense) (None, 3) 123 _________________________________________________________________ activation_79 (Activation) (None, 3) 0 ================================================================= Total params: 8,032,619 Trainable params: 8,032,619 Non-trainable params: 0 _________________________________________________________________</a:t>
-            </a:r>
-            <a:endParaRPr lang="en-US" sz="1100" dirty="0"/>
-          </a:p>
-        </p:txBody>
-      </p:sp>
-      <p:sp>
-        <p:nvSpPr>
-          <p:cNvPr id="6" name="TextBox 5">
-            <a:extLst>
-              <a:ext uri="{FF2B5EF4-FFF2-40B4-BE49-F238E27FC236}">
-                <a16:creationId xmlns:a16="http://schemas.microsoft.com/office/drawing/2014/main" id="{9FF69E0E-7490-49C2-BA30-AF16EDEAA113}"/>
-              </a:ext>
-            </a:extLst>
-          </p:cNvPr>
-          <p:cNvSpPr txBox="1"/>
-          <p:nvPr/>
-        </p:nvSpPr>
-        <p:spPr>
-          <a:xfrm>
-            <a:off x="585574" y="2536448"/>
-            <a:ext cx="4643120" cy="1785104"/>
-          </a:xfrm>
-          <a:prstGeom prst="rect">
-            <a:avLst/>
-          </a:prstGeom>
-          <a:noFill/>
-        </p:spPr>
-        <p:txBody>
-          <a:bodyPr wrap="square">
-            <a:spAutoFit/>
-          </a:bodyPr>
-          <a:lstStyle/>
-          <a:p>
-            <a:pPr>
-              <a:spcAft>
-                <a:spcPts val="600"/>
-              </a:spcAft>
-            </a:pPr>
-            <a:r>
-              <a:rPr lang="en-US" b="0" dirty="0">
-                <a:effectLst/>
-                <a:latin typeface="Courier New" panose="02070309020205020404" pitchFamily="49" charset="0"/>
-              </a:rPr>
-              <a:t>CNN </a:t>
-            </a:r>
-            <a:r>
-              <a:rPr lang="en-US" b="0" dirty="0" err="1">
-                <a:effectLst/>
-                <a:latin typeface="Courier New" panose="02070309020205020404" pitchFamily="49" charset="0"/>
-              </a:rPr>
-              <a:t>mit</a:t>
-            </a:r>
-            <a:r>
-              <a:rPr lang="en-US" b="0" dirty="0">
-                <a:effectLst/>
-                <a:latin typeface="Courier New" panose="02070309020205020404" pitchFamily="49" charset="0"/>
-              </a:rPr>
-              <a:t> </a:t>
-            </a:r>
-          </a:p>
-          <a:p>
-            <a:pPr>
-              <a:spcAft>
-                <a:spcPts val="600"/>
-              </a:spcAft>
-            </a:pPr>
-            <a:r>
-              <a:rPr lang="en-US" b="0" dirty="0">
-                <a:effectLst/>
-                <a:latin typeface="Courier New" panose="02070309020205020404" pitchFamily="49" charset="0"/>
-              </a:rPr>
-              <a:t>3 convolution blocks </a:t>
-            </a:r>
-          </a:p>
-          <a:p>
-            <a:pPr>
-              <a:spcAft>
-                <a:spcPts val="600"/>
-              </a:spcAft>
-            </a:pPr>
-            <a:r>
-              <a:rPr lang="en-US" b="0" dirty="0">
-                <a:effectLst/>
-                <a:latin typeface="Courier New" panose="02070309020205020404" pitchFamily="49" charset="0"/>
-              </a:rPr>
-              <a:t>2 fully connected layers</a:t>
-            </a:r>
-          </a:p>
-          <a:p>
-            <a:pPr>
-              <a:spcAft>
-                <a:spcPts val="600"/>
-              </a:spcAft>
-            </a:pPr>
-            <a:r>
-              <a:rPr lang="en-US" b="0" dirty="0">
-                <a:effectLst/>
-                <a:latin typeface="Courier New" panose="02070309020205020404" pitchFamily="49" charset="0"/>
-              </a:rPr>
-              <a:t>1 </a:t>
-            </a:r>
-            <a:r>
-              <a:rPr lang="en-US" b="0" dirty="0" err="1">
-                <a:effectLst/>
-                <a:latin typeface="Courier New" panose="02070309020205020404" pitchFamily="49" charset="0"/>
-              </a:rPr>
-              <a:t>MaxPooling</a:t>
-            </a:r>
-            <a:r>
-              <a:rPr lang="en-US" b="0" dirty="0">
-                <a:effectLst/>
-                <a:latin typeface="Courier New" panose="02070309020205020404" pitchFamily="49" charset="0"/>
-              </a:rPr>
-              <a:t> layers</a:t>
-            </a:r>
-          </a:p>
-          <a:p>
-            <a:pPr>
-              <a:spcAft>
-                <a:spcPts val="600"/>
-              </a:spcAft>
-            </a:pPr>
-            <a:r>
-              <a:rPr lang="en-US" b="0" dirty="0">
-                <a:effectLst/>
-                <a:latin typeface="Courier New" panose="02070309020205020404" pitchFamily="49" charset="0"/>
-              </a:rPr>
-              <a:t>2 Dropout layer</a:t>
-            </a:r>
-          </a:p>
-        </p:txBody>
-      </p:sp>
-      <p:sp>
-        <p:nvSpPr>
-          <p:cNvPr id="9" name="TextBox 8">
-            <a:extLst>
-              <a:ext uri="{FF2B5EF4-FFF2-40B4-BE49-F238E27FC236}">
-                <a16:creationId xmlns:a16="http://schemas.microsoft.com/office/drawing/2014/main" id="{798F77ED-A8DC-4B86-B3AE-74EDCAF5BA9E}"/>
-              </a:ext>
-            </a:extLst>
-          </p:cNvPr>
-          <p:cNvSpPr txBox="1"/>
-          <p:nvPr/>
-        </p:nvSpPr>
-        <p:spPr>
-          <a:xfrm>
-            <a:off x="585574" y="4575592"/>
-            <a:ext cx="4643120" cy="2139047"/>
-          </a:xfrm>
-          <a:prstGeom prst="rect">
-            <a:avLst/>
-          </a:prstGeom>
-          <a:noFill/>
-        </p:spPr>
-        <p:txBody>
-          <a:bodyPr wrap="square">
-            <a:spAutoFit/>
-          </a:bodyPr>
-          <a:lstStyle/>
-          <a:p>
-            <a:pPr>
-              <a:spcAft>
-                <a:spcPts val="600"/>
-              </a:spcAft>
-            </a:pPr>
-            <a:r>
-              <a:rPr lang="en-US" dirty="0" err="1">
-                <a:latin typeface="Courier New" panose="02070309020205020404" pitchFamily="49" charset="0"/>
-              </a:rPr>
-              <a:t>input_shape</a:t>
-            </a:r>
-            <a:r>
-              <a:rPr lang="en-US" dirty="0">
-                <a:latin typeface="Courier New" panose="02070309020205020404" pitchFamily="49" charset="0"/>
-              </a:rPr>
-              <a:t> = (224, 224, 3)</a:t>
-            </a:r>
-          </a:p>
-          <a:p>
-            <a:pPr>
-              <a:spcAft>
-                <a:spcPts val="600"/>
-              </a:spcAft>
-            </a:pPr>
-            <a:r>
-              <a:rPr lang="en-US" b="0" dirty="0" err="1">
-                <a:effectLst/>
-                <a:latin typeface="Courier New" panose="02070309020205020404" pitchFamily="49" charset="0"/>
-              </a:rPr>
-              <a:t>batch_size</a:t>
-            </a:r>
-            <a:r>
-              <a:rPr lang="en-US" b="0" dirty="0">
-                <a:effectLst/>
-                <a:latin typeface="Courier New" panose="02070309020205020404" pitchFamily="49" charset="0"/>
-              </a:rPr>
-              <a:t> = 10</a:t>
-            </a:r>
-          </a:p>
-          <a:p>
-            <a:pPr>
-              <a:spcAft>
-                <a:spcPts val="600"/>
-              </a:spcAft>
-            </a:pPr>
-            <a:r>
-              <a:rPr lang="en-US" b="0" dirty="0" err="1">
-                <a:effectLst/>
-                <a:latin typeface="Courier New" panose="02070309020205020404" pitchFamily="49" charset="0"/>
-              </a:rPr>
-              <a:t>nb_classes</a:t>
-            </a:r>
-            <a:r>
-              <a:rPr lang="en-US" b="0" dirty="0">
-                <a:effectLst/>
-                <a:latin typeface="Courier New" panose="02070309020205020404" pitchFamily="49" charset="0"/>
-              </a:rPr>
-              <a:t> = 42</a:t>
-            </a:r>
-          </a:p>
-          <a:p>
-            <a:pPr>
-              <a:spcAft>
-                <a:spcPts val="600"/>
-              </a:spcAft>
-            </a:pPr>
-            <a:r>
-              <a:rPr lang="en-US" b="0" dirty="0" err="1">
-                <a:effectLst/>
-                <a:latin typeface="Courier New" panose="02070309020205020404" pitchFamily="49" charset="0"/>
-              </a:rPr>
-              <a:t>kernel_size</a:t>
-            </a:r>
-            <a:r>
-              <a:rPr lang="en-US" b="0" dirty="0">
-                <a:effectLst/>
-                <a:latin typeface="Courier New" panose="02070309020205020404" pitchFamily="49" charset="0"/>
-              </a:rPr>
-              <a:t> = (3, 3)</a:t>
-            </a:r>
-          </a:p>
-          <a:p>
-            <a:pPr>
-              <a:spcAft>
-                <a:spcPts val="600"/>
-              </a:spcAft>
-            </a:pPr>
-            <a:r>
-              <a:rPr lang="en-US" b="0" dirty="0" err="1">
-                <a:effectLst/>
-                <a:latin typeface="Courier New" panose="02070309020205020404" pitchFamily="49" charset="0"/>
-              </a:rPr>
-              <a:t>pool_size</a:t>
-            </a:r>
-            <a:r>
-              <a:rPr lang="en-US" b="0" dirty="0">
-                <a:effectLst/>
-                <a:latin typeface="Courier New" panose="02070309020205020404" pitchFamily="49" charset="0"/>
-              </a:rPr>
-              <a:t> = (2, 2</a:t>
-            </a:r>
-            <a:r>
-              <a:rPr lang="en-US" dirty="0">
-                <a:latin typeface="Courier New" panose="02070309020205020404" pitchFamily="49" charset="0"/>
-              </a:rPr>
-              <a:t>)</a:t>
-            </a:r>
-          </a:p>
-          <a:p>
-            <a:pPr>
-              <a:spcAft>
-                <a:spcPts val="600"/>
-              </a:spcAft>
-            </a:pPr>
-            <a:endParaRPr lang="en-US" b="0" dirty="0">
-              <a:effectLst/>
-              <a:latin typeface="Courier New" panose="02070309020205020404" pitchFamily="49" charset="0"/>
-            </a:endParaRPr>
-          </a:p>
-        </p:txBody>
-      </p:sp>
-    </p:spTree>
-    <p:extLst>
-      <p:ext uri="{BB962C8B-B14F-4D97-AF65-F5344CB8AC3E}">
-        <p14:creationId xmlns:p14="http://schemas.microsoft.com/office/powerpoint/2010/main" val="385341544"/>
-      </p:ext>
-    </p:extLst>
-  </p:cSld>
-  <p:clrMapOvr>
-    <a:overrideClrMapping bg1="dk1" tx1="lt1" bg2="dk2" tx2="lt2" accent1="accent1" accent2="accent2" accent3="accent3" accent4="accent4" accent5="accent5" accent6="accent6" hlink="hlink" folHlink="folHlink"/>
-  </p:clrMapOvr>
-</p:sld>
-</file>
-
-<file path=ppt/slides/slide6.xml><?xml version="1.0" encoding="utf-8"?>
-<p:sld xmlns:a="http://schemas.openxmlformats.org/drawingml/2006/main" xmlns:r="http://schemas.openxmlformats.org/officeDocument/2006/relationships" xmlns:p="http://schemas.openxmlformats.org/presentationml/2006/main">
-  <p:cSld>
-    <p:bg>
-      <p:bgPr>
-        <a:solidFill>
-          <a:schemeClr val="bg1">
-            <a:tint val="95000"/>
-            <a:satMod val="170000"/>
-          </a:schemeClr>
-        </a:solidFill>
-        <a:effectLst/>
-      </p:bgPr>
-    </p:bg>
-    <p:spTree>
-      <p:nvGrpSpPr>
-        <p:cNvPr id="1" name=""/>
-        <p:cNvGrpSpPr/>
-        <p:nvPr/>
-      </p:nvGrpSpPr>
-      <p:grpSpPr>
-        <a:xfrm>
-          <a:off x="0" y="0"/>
-          <a:ext cx="0" cy="0"/>
-          <a:chOff x="0" y="0"/>
-          <a:chExt cx="0" cy="0"/>
-        </a:xfrm>
-      </p:grpSpPr>
-      <p:sp>
-        <p:nvSpPr>
-          <p:cNvPr id="2" name="Title 1">
-            <a:extLst>
-              <a:ext uri="{FF2B5EF4-FFF2-40B4-BE49-F238E27FC236}">
-                <a16:creationId xmlns:a16="http://schemas.microsoft.com/office/drawing/2014/main" id="{E8CDB10C-6AD6-4598-9824-6579D2F63146}"/>
-              </a:ext>
-            </a:extLst>
-          </p:cNvPr>
-          <p:cNvSpPr>
-            <a:spLocks noGrp="1"/>
-          </p:cNvSpPr>
-          <p:nvPr>
-            <p:ph type="title"/>
-          </p:nvPr>
-        </p:nvSpPr>
-        <p:spPr>
-          <a:xfrm>
-            <a:off x="762001" y="803325"/>
-            <a:ext cx="5314536" cy="1325563"/>
-          </a:xfrm>
-        </p:spPr>
-        <p:txBody>
-          <a:bodyPr vert="horz" lIns="91440" tIns="45720" rIns="91440" bIns="45720" rtlCol="0" anchor="ctr">
-            <a:normAutofit/>
-          </a:bodyPr>
-          <a:lstStyle/>
-          <a:p>
-            <a:r>
-              <a:rPr lang="en-US" kern="1200">
-                <a:solidFill>
-                  <a:schemeClr val="tx1"/>
-                </a:solidFill>
-                <a:latin typeface="+mj-lt"/>
-                <a:ea typeface="+mj-ea"/>
-                <a:cs typeface="+mj-cs"/>
-              </a:rPr>
-              <a:t>Resultat und Einschätzung</a:t>
-            </a:r>
-          </a:p>
-        </p:txBody>
-      </p:sp>
-      <p:sp>
-        <p:nvSpPr>
-          <p:cNvPr id="4" name="TextBox 3">
-            <a:extLst>
-              <a:ext uri="{FF2B5EF4-FFF2-40B4-BE49-F238E27FC236}">
-                <a16:creationId xmlns:a16="http://schemas.microsoft.com/office/drawing/2014/main" id="{DDD259F1-643B-466F-8804-6BAFABA68208}"/>
-              </a:ext>
-            </a:extLst>
-          </p:cNvPr>
-          <p:cNvSpPr txBox="1"/>
-          <p:nvPr/>
-        </p:nvSpPr>
-        <p:spPr>
-          <a:xfrm>
-            <a:off x="762000" y="2279018"/>
-            <a:ext cx="5314543" cy="1896742"/>
-          </a:xfrm>
-          <a:prstGeom prst="rect">
-            <a:avLst/>
-          </a:prstGeom>
-        </p:spPr>
-        <p:txBody>
-          <a:bodyPr vert="horz" lIns="91440" tIns="45720" rIns="91440" bIns="45720" rtlCol="0" anchor="t">
-            <a:normAutofit/>
-          </a:bodyPr>
-          <a:lstStyle>
-            <a:defPPr>
-              <a:defRPr lang="en-US"/>
-            </a:defPPr>
-            <a:lvl1pPr defTabSz="914400">
-              <a:lnSpc>
-                <a:spcPct val="90000"/>
-              </a:lnSpc>
-              <a:spcAft>
-                <a:spcPts val="600"/>
-              </a:spcAft>
-              <a:defRPr sz="1600"/>
-            </a:lvl1pPr>
-          </a:lstStyle>
-          <a:p>
-            <a:pPr indent="-228600">
-              <a:buFont typeface="Arial" panose="020B0604020202020204" pitchFamily="34" charset="0"/>
-              <a:buChar char="•"/>
-            </a:pPr>
-            <a:r>
-              <a:rPr lang="en-US" sz="1800" dirty="0" err="1"/>
-              <a:t>Anständiges</a:t>
-            </a:r>
-            <a:r>
-              <a:rPr lang="en-US" sz="1800" dirty="0"/>
-              <a:t> </a:t>
-            </a:r>
-            <a:r>
-              <a:rPr lang="en-US" sz="1800" dirty="0" err="1"/>
-              <a:t>Resultat</a:t>
-            </a:r>
-            <a:r>
-              <a:rPr lang="en-US" sz="1800" dirty="0"/>
-              <a:t> </a:t>
-            </a:r>
-            <a:r>
-              <a:rPr lang="en-US" sz="1800" dirty="0" err="1"/>
-              <a:t>mit</a:t>
-            </a:r>
-            <a:r>
-              <a:rPr lang="en-US" sz="1800" dirty="0"/>
-              <a:t> accuracy von 87%</a:t>
-            </a:r>
-          </a:p>
-          <a:p>
-            <a:pPr indent="-228600">
-              <a:buFont typeface="Arial" panose="020B0604020202020204" pitchFamily="34" charset="0"/>
-              <a:buChar char="•"/>
-            </a:pPr>
-            <a:r>
-              <a:rPr lang="en-US" sz="1800" dirty="0" err="1"/>
-              <a:t>Rechenzeit</a:t>
-            </a:r>
-            <a:endParaRPr lang="en-US" sz="1800" dirty="0"/>
-          </a:p>
-          <a:p>
-            <a:pPr indent="-228600">
-              <a:buFont typeface="Arial" panose="020B0604020202020204" pitchFamily="34" charset="0"/>
-              <a:buChar char="•"/>
-            </a:pPr>
-            <a:r>
-              <a:rPr lang="en-US" sz="1800" dirty="0"/>
-              <a:t>Overfitting</a:t>
-            </a:r>
-          </a:p>
-          <a:p>
-            <a:pPr indent="-228600">
-              <a:buFont typeface="Arial" panose="020B0604020202020204" pitchFamily="34" charset="0"/>
-              <a:buChar char="•"/>
-            </a:pPr>
-            <a:r>
-              <a:rPr lang="en-US" sz="1800" dirty="0" err="1"/>
-              <a:t>Datenbasis</a:t>
-            </a:r>
-            <a:r>
-              <a:rPr lang="en-US" sz="1800" dirty="0"/>
-              <a:t>?</a:t>
-            </a:r>
-          </a:p>
-        </p:txBody>
-      </p:sp>
-      <p:sp>
-        <p:nvSpPr>
-          <p:cNvPr id="9" name="Freeform: Shape 8">
+              <a:rPr lang="en-US"/>
+              <a:t>Modell ausbaubar auf Preisklasse oder Jahrgang.</a:t>
+            </a:r>
+          </a:p>
+        </p:txBody>
+      </p:sp>
+      <p:sp>
+        <p:nvSpPr>
+          <p:cNvPr id="71" name="Freeform: Shape 70">
             <a:extLst>
               <a:ext uri="{FF2B5EF4-FFF2-40B4-BE49-F238E27FC236}">
                 <a16:creationId xmlns:a16="http://schemas.microsoft.com/office/drawing/2014/main" id="{CF62D2A7-8207-488C-9F46-316BA81A16C8}"/>
@@ -6686,6 +3802,3150 @@
           </a:p>
         </p:txBody>
       </p:sp>
+      <p:pic>
+        <p:nvPicPr>
+          <p:cNvPr id="1026" name="Picture 2">
+            <a:extLst>
+              <a:ext uri="{FF2B5EF4-FFF2-40B4-BE49-F238E27FC236}">
+                <a16:creationId xmlns:a16="http://schemas.microsoft.com/office/drawing/2014/main" id="{C64EF029-8128-4551-BC75-2FE8FBF3165B}"/>
+              </a:ext>
+            </a:extLst>
+          </p:cNvPr>
+          <p:cNvPicPr>
+            <a:picLocks noChangeAspect="1" noChangeArrowheads="1"/>
+          </p:cNvPicPr>
+          <p:nvPr/>
+        </p:nvPicPr>
+        <p:blipFill rotWithShape="1">
+          <a:blip r:embed="rId2">
+            <a:extLst>
+              <a:ext uri="{28A0092B-C50C-407E-A947-70E740481C1C}">
+                <a14:useLocalDpi xmlns:a14="http://schemas.microsoft.com/office/drawing/2010/main" val="0"/>
+              </a:ext>
+            </a:extLst>
+          </a:blip>
+          <a:srcRect r="3038" b="-2"/>
+          <a:stretch/>
+        </p:blipFill>
+        <p:spPr bwMode="auto">
+          <a:xfrm>
+            <a:off x="6750141" y="-2"/>
+            <a:ext cx="5441859" cy="5654940"/>
+          </a:xfrm>
+          <a:custGeom>
+            <a:avLst/>
+            <a:gdLst/>
+            <a:ahLst/>
+            <a:cxnLst/>
+            <a:rect l="l" t="t" r="r" b="b"/>
+            <a:pathLst>
+              <a:path w="5441859" h="5654940">
+                <a:moveTo>
+                  <a:pt x="1041368" y="0"/>
+                </a:moveTo>
+                <a:lnTo>
+                  <a:pt x="5441859" y="0"/>
+                </a:lnTo>
+                <a:lnTo>
+                  <a:pt x="5441859" y="4820612"/>
+                </a:lnTo>
+                <a:lnTo>
+                  <a:pt x="5285166" y="4957981"/>
+                </a:lnTo>
+                <a:cubicBezTo>
+                  <a:pt x="4729628" y="5394557"/>
+                  <a:pt x="4029081" y="5654940"/>
+                  <a:pt x="3267719" y="5654940"/>
+                </a:cubicBezTo>
+                <a:cubicBezTo>
+                  <a:pt x="1463008" y="5654940"/>
+                  <a:pt x="0" y="4191932"/>
+                  <a:pt x="0" y="2387221"/>
+                </a:cubicBezTo>
+                <a:cubicBezTo>
+                  <a:pt x="0" y="1484866"/>
+                  <a:pt x="365752" y="667936"/>
+                  <a:pt x="957093" y="76595"/>
+                </a:cubicBezTo>
+                <a:close/>
+              </a:path>
+            </a:pathLst>
+          </a:custGeom>
+          <a:noFill/>
+          <a:extLst>
+            <a:ext uri="{909E8E84-426E-40DD-AFC4-6F175D3DCCD1}">
+              <a14:hiddenFill xmlns:a14="http://schemas.microsoft.com/office/drawing/2010/main">
+                <a:solidFill>
+                  <a:srgbClr val="FFFFFF"/>
+                </a:solidFill>
+              </a14:hiddenFill>
+            </a:ext>
+          </a:extLst>
+        </p:spPr>
+      </p:pic>
+    </p:spTree>
+    <p:extLst>
+      <p:ext uri="{BB962C8B-B14F-4D97-AF65-F5344CB8AC3E}">
+        <p14:creationId xmlns:p14="http://schemas.microsoft.com/office/powerpoint/2010/main" val="1185783223"/>
+      </p:ext>
+    </p:extLst>
+  </p:cSld>
+  <p:clrMapOvr>
+    <a:overrideClrMapping bg1="dk1" tx1="lt1" bg2="dk2" tx2="lt2" accent1="accent1" accent2="accent2" accent3="accent3" accent4="accent4" accent5="accent5" accent6="accent6" hlink="hlink" folHlink="folHlink"/>
+  </p:clrMapOvr>
+</p:sld>
+</file>
+
+<file path=ppt/slides/slide3.xml><?xml version="1.0" encoding="utf-8"?>
+<p:sld xmlns:a="http://schemas.openxmlformats.org/drawingml/2006/main" xmlns:r="http://schemas.openxmlformats.org/officeDocument/2006/relationships" xmlns:p="http://schemas.openxmlformats.org/presentationml/2006/main">
+  <p:cSld>
+    <p:bg>
+      <p:bgPr>
+        <a:solidFill>
+          <a:schemeClr val="bg1">
+            <a:tint val="95000"/>
+            <a:satMod val="170000"/>
+          </a:schemeClr>
+        </a:solidFill>
+        <a:effectLst/>
+      </p:bgPr>
+    </p:bg>
+    <p:spTree>
+      <p:nvGrpSpPr>
+        <p:cNvPr id="1" name=""/>
+        <p:cNvGrpSpPr/>
+        <p:nvPr/>
+      </p:nvGrpSpPr>
+      <p:grpSpPr>
+        <a:xfrm>
+          <a:off x="0" y="0"/>
+          <a:ext cx="0" cy="0"/>
+          <a:chOff x="0" y="0"/>
+          <a:chExt cx="0" cy="0"/>
+        </a:xfrm>
+      </p:grpSpPr>
+      <p:sp>
+        <p:nvSpPr>
+          <p:cNvPr id="13" name="Freeform: Shape 12">
+            <a:extLst>
+              <a:ext uri="{FF2B5EF4-FFF2-40B4-BE49-F238E27FC236}">
+                <a16:creationId xmlns:a16="http://schemas.microsoft.com/office/drawing/2014/main" id="{CB5DFCDA-694D-4637-8E9B-038575194349}"/>
+              </a:ext>
+              <a:ext uri="{C183D7F6-B498-43B3-948B-1728B52AA6E4}">
+                <adec:decorative xmlns:adec="http://schemas.microsoft.com/office/drawing/2017/decorative" val="1"/>
+              </a:ext>
+            </a:extLst>
+          </p:cNvPr>
+          <p:cNvSpPr>
+            <a:spLocks noGrp="1" noRot="1" noChangeAspect="1" noMove="1" noResize="1" noEditPoints="1" noAdjustHandles="1" noChangeArrowheads="1" noChangeShapeType="1" noTextEdit="1"/>
+          </p:cNvSpPr>
+          <p:nvPr>
+            <p:extLst>
+              <p:ext uri="{386F3935-93C4-4BCD-93E2-E3B085C9AB24}">
+                <p16:designElem xmlns:p16="http://schemas.microsoft.com/office/powerpoint/2015/main" val="1"/>
+              </p:ext>
+            </p:extLst>
+          </p:nvPr>
+        </p:nvSpPr>
+        <p:spPr>
+          <a:xfrm flipH="1" flipV="1">
+            <a:off x="0" y="0"/>
+            <a:ext cx="9952075" cy="6858000"/>
+          </a:xfrm>
+          <a:custGeom>
+            <a:avLst/>
+            <a:gdLst>
+              <a:gd name="connsiteX0" fmla="*/ 9952075 w 9952075"/>
+              <a:gd name="connsiteY0" fmla="*/ 6858000 h 6858000"/>
+              <a:gd name="connsiteX1" fmla="*/ 108694 w 9952075"/>
+              <a:gd name="connsiteY1" fmla="*/ 6858000 h 6858000"/>
+              <a:gd name="connsiteX2" fmla="*/ 79127 w 9952075"/>
+              <a:gd name="connsiteY2" fmla="*/ 6681235 h 6858000"/>
+              <a:gd name="connsiteX3" fmla="*/ 0 w 9952075"/>
+              <a:gd name="connsiteY3" fmla="*/ 5565888 h 6858000"/>
+              <a:gd name="connsiteX4" fmla="*/ 2190696 w 9952075"/>
+              <a:gd name="connsiteY4" fmla="*/ 145339 h 6858000"/>
+              <a:gd name="connsiteX5" fmla="*/ 2339431 w 9952075"/>
+              <a:gd name="connsiteY5" fmla="*/ 0 h 6858000"/>
+              <a:gd name="connsiteX6" fmla="*/ 9952075 w 9952075"/>
+              <a:gd name="connsiteY6" fmla="*/ 0 h 6858000"/>
+            </a:gdLst>
+            <a:ahLst/>
+            <a:cxnLst>
+              <a:cxn ang="0">
+                <a:pos x="connsiteX0" y="connsiteY0"/>
+              </a:cxn>
+              <a:cxn ang="0">
+                <a:pos x="connsiteX1" y="connsiteY1"/>
+              </a:cxn>
+              <a:cxn ang="0">
+                <a:pos x="connsiteX2" y="connsiteY2"/>
+              </a:cxn>
+              <a:cxn ang="0">
+                <a:pos x="connsiteX3" y="connsiteY3"/>
+              </a:cxn>
+              <a:cxn ang="0">
+                <a:pos x="connsiteX4" y="connsiteY4"/>
+              </a:cxn>
+              <a:cxn ang="0">
+                <a:pos x="connsiteX5" y="connsiteY5"/>
+              </a:cxn>
+              <a:cxn ang="0">
+                <a:pos x="connsiteX6" y="connsiteY6"/>
+              </a:cxn>
+            </a:cxnLst>
+            <a:rect l="l" t="t" r="r" b="b"/>
+            <a:pathLst>
+              <a:path w="9952075" h="6858000">
+                <a:moveTo>
+                  <a:pt x="9952075" y="6858000"/>
+                </a:moveTo>
+                <a:lnTo>
+                  <a:pt x="108694" y="6858000"/>
+                </a:lnTo>
+                <a:lnTo>
+                  <a:pt x="79127" y="6681235"/>
+                </a:lnTo>
+                <a:cubicBezTo>
+                  <a:pt x="26981" y="6316967"/>
+                  <a:pt x="0" y="5944579"/>
+                  <a:pt x="0" y="5565888"/>
+                </a:cubicBezTo>
+                <a:cubicBezTo>
+                  <a:pt x="0" y="3459953"/>
+                  <a:pt x="834428" y="1548908"/>
+                  <a:pt x="2190696" y="145339"/>
+                </a:cubicBezTo>
+                <a:lnTo>
+                  <a:pt x="2339431" y="0"/>
+                </a:lnTo>
+                <a:lnTo>
+                  <a:pt x="9952075" y="0"/>
+                </a:lnTo>
+                <a:close/>
+              </a:path>
+            </a:pathLst>
+          </a:custGeom>
+          <a:solidFill>
+            <a:schemeClr val="tx1">
+              <a:alpha val="80000"/>
+            </a:schemeClr>
+          </a:solidFill>
+          <a:ln>
+            <a:noFill/>
+          </a:ln>
+        </p:spPr>
+        <p:style>
+          <a:lnRef idx="2">
+            <a:schemeClr val="accent1">
+              <a:shade val="50000"/>
+            </a:schemeClr>
+          </a:lnRef>
+          <a:fillRef idx="1">
+            <a:schemeClr val="accent1"/>
+          </a:fillRef>
+          <a:effectRef idx="0">
+            <a:schemeClr val="accent1"/>
+          </a:effectRef>
+          <a:fontRef idx="minor">
+            <a:schemeClr val="lt1"/>
+          </a:fontRef>
+        </p:style>
+        <p:txBody>
+          <a:bodyPr wrap="square" rtlCol="0" anchor="ctr">
+            <a:noAutofit/>
+          </a:bodyPr>
+          <a:lstStyle/>
+          <a:p>
+            <a:pPr algn="ctr"/>
+            <a:endParaRPr lang="en-US"/>
+          </a:p>
+        </p:txBody>
+      </p:sp>
+      <p:sp>
+        <p:nvSpPr>
+          <p:cNvPr id="15" name="Freeform: Shape 14">
+            <a:extLst>
+              <a:ext uri="{FF2B5EF4-FFF2-40B4-BE49-F238E27FC236}">
+                <a16:creationId xmlns:a16="http://schemas.microsoft.com/office/drawing/2014/main" id="{E4DB276E-BFF1-43F5-AB90-7ABA4B9A919A}"/>
+              </a:ext>
+              <a:ext uri="{C183D7F6-B498-43B3-948B-1728B52AA6E4}">
+                <adec:decorative xmlns:adec="http://schemas.microsoft.com/office/drawing/2017/decorative" val="1"/>
+              </a:ext>
+            </a:extLst>
+          </p:cNvPr>
+          <p:cNvSpPr>
+            <a:spLocks noGrp="1" noRot="1" noChangeAspect="1" noMove="1" noResize="1" noEditPoints="1" noAdjustHandles="1" noChangeArrowheads="1" noChangeShapeType="1" noTextEdit="1"/>
+          </p:cNvSpPr>
+          <p:nvPr>
+            <p:extLst>
+              <p:ext uri="{386F3935-93C4-4BCD-93E2-E3B085C9AB24}">
+                <p16:designElem xmlns:p16="http://schemas.microsoft.com/office/powerpoint/2015/main" val="1"/>
+              </p:ext>
+            </p:extLst>
+          </p:nvPr>
+        </p:nvSpPr>
+        <p:spPr>
+          <a:xfrm flipH="1" flipV="1">
+            <a:off x="0" y="0"/>
+            <a:ext cx="9652017" cy="6858000"/>
+          </a:xfrm>
+          <a:custGeom>
+            <a:avLst/>
+            <a:gdLst>
+              <a:gd name="connsiteX0" fmla="*/ 9652017 w 9652017"/>
+              <a:gd name="connsiteY0" fmla="*/ 6858000 h 6858000"/>
+              <a:gd name="connsiteX1" fmla="*/ 112827 w 9652017"/>
+              <a:gd name="connsiteY1" fmla="*/ 6858000 h 6858000"/>
+              <a:gd name="connsiteX2" fmla="*/ 76084 w 9652017"/>
+              <a:gd name="connsiteY2" fmla="*/ 6638337 h 6858000"/>
+              <a:gd name="connsiteX3" fmla="*/ 0 w 9652017"/>
+              <a:gd name="connsiteY3" fmla="*/ 5565888 h 6858000"/>
+              <a:gd name="connsiteX4" fmla="*/ 2157501 w 9652017"/>
+              <a:gd name="connsiteY4" fmla="*/ 301488 h 6858000"/>
+              <a:gd name="connsiteX5" fmla="*/ 2472310 w 9652017"/>
+              <a:gd name="connsiteY5" fmla="*/ 0 h 6858000"/>
+              <a:gd name="connsiteX6" fmla="*/ 9652017 w 9652017"/>
+              <a:gd name="connsiteY6" fmla="*/ 0 h 6858000"/>
+            </a:gdLst>
+            <a:ahLst/>
+            <a:cxnLst>
+              <a:cxn ang="0">
+                <a:pos x="connsiteX0" y="connsiteY0"/>
+              </a:cxn>
+              <a:cxn ang="0">
+                <a:pos x="connsiteX1" y="connsiteY1"/>
+              </a:cxn>
+              <a:cxn ang="0">
+                <a:pos x="connsiteX2" y="connsiteY2"/>
+              </a:cxn>
+              <a:cxn ang="0">
+                <a:pos x="connsiteX3" y="connsiteY3"/>
+              </a:cxn>
+              <a:cxn ang="0">
+                <a:pos x="connsiteX4" y="connsiteY4"/>
+              </a:cxn>
+              <a:cxn ang="0">
+                <a:pos x="connsiteX5" y="connsiteY5"/>
+              </a:cxn>
+              <a:cxn ang="0">
+                <a:pos x="connsiteX6" y="connsiteY6"/>
+              </a:cxn>
+            </a:cxnLst>
+            <a:rect l="l" t="t" r="r" b="b"/>
+            <a:pathLst>
+              <a:path w="9652017" h="6858000">
+                <a:moveTo>
+                  <a:pt x="9652017" y="6858000"/>
+                </a:moveTo>
+                <a:lnTo>
+                  <a:pt x="112827" y="6858000"/>
+                </a:lnTo>
+                <a:lnTo>
+                  <a:pt x="76084" y="6638337"/>
+                </a:lnTo>
+                <a:cubicBezTo>
+                  <a:pt x="25944" y="6288079"/>
+                  <a:pt x="0" y="5930014"/>
+                  <a:pt x="0" y="5565888"/>
+                </a:cubicBezTo>
+                <a:cubicBezTo>
+                  <a:pt x="0" y="3514654"/>
+                  <a:pt x="823309" y="1655711"/>
+                  <a:pt x="2157501" y="301488"/>
+                </a:cubicBezTo>
+                <a:lnTo>
+                  <a:pt x="2472310" y="0"/>
+                </a:lnTo>
+                <a:lnTo>
+                  <a:pt x="9652017" y="0"/>
+                </a:lnTo>
+                <a:close/>
+              </a:path>
+            </a:pathLst>
+          </a:custGeom>
+          <a:solidFill>
+            <a:schemeClr val="bg1">
+              <a:lumMod val="65000"/>
+              <a:lumOff val="35000"/>
+            </a:schemeClr>
+          </a:solidFill>
+          <a:ln>
+            <a:noFill/>
+          </a:ln>
+        </p:spPr>
+        <p:style>
+          <a:lnRef idx="2">
+            <a:schemeClr val="accent1">
+              <a:shade val="50000"/>
+            </a:schemeClr>
+          </a:lnRef>
+          <a:fillRef idx="1">
+            <a:schemeClr val="accent1"/>
+          </a:fillRef>
+          <a:effectRef idx="0">
+            <a:schemeClr val="accent1"/>
+          </a:effectRef>
+          <a:fontRef idx="minor">
+            <a:schemeClr val="lt1"/>
+          </a:fontRef>
+        </p:style>
+        <p:txBody>
+          <a:bodyPr wrap="square" rtlCol="0" anchor="ctr">
+            <a:noAutofit/>
+          </a:bodyPr>
+          <a:lstStyle/>
+          <a:p>
+            <a:pPr algn="ctr"/>
+            <a:endParaRPr lang="en-US"/>
+          </a:p>
+        </p:txBody>
+      </p:sp>
+      <p:sp>
+        <p:nvSpPr>
+          <p:cNvPr id="2" name="Title 1">
+            <a:extLst>
+              <a:ext uri="{FF2B5EF4-FFF2-40B4-BE49-F238E27FC236}">
+                <a16:creationId xmlns:a16="http://schemas.microsoft.com/office/drawing/2014/main" id="{203309F1-E7AE-47BD-B432-F6083A6C454E}"/>
+              </a:ext>
+            </a:extLst>
+          </p:cNvPr>
+          <p:cNvSpPr>
+            <a:spLocks noGrp="1"/>
+          </p:cNvSpPr>
+          <p:nvPr>
+            <p:ph type="title"/>
+          </p:nvPr>
+        </p:nvSpPr>
+        <p:spPr>
+          <a:xfrm>
+            <a:off x="838200" y="365126"/>
+            <a:ext cx="7757694" cy="1288238"/>
+          </a:xfrm>
+        </p:spPr>
+        <p:txBody>
+          <a:bodyPr vert="horz" lIns="91440" tIns="45720" rIns="91440" bIns="45720" rtlCol="0" anchor="b">
+            <a:normAutofit/>
+          </a:bodyPr>
+          <a:lstStyle/>
+          <a:p>
+            <a:r>
+              <a:rPr lang="en-US" kern="1200" dirty="0" err="1">
+                <a:solidFill>
+                  <a:schemeClr val="tx1"/>
+                </a:solidFill>
+                <a:latin typeface="+mj-lt"/>
+                <a:ea typeface="+mj-ea"/>
+                <a:cs typeface="+mj-cs"/>
+              </a:rPr>
+              <a:t>Datenbasis</a:t>
+            </a:r>
+            <a:endParaRPr lang="en-US" kern="1200" dirty="0">
+              <a:solidFill>
+                <a:schemeClr val="tx1"/>
+              </a:solidFill>
+              <a:latin typeface="+mj-lt"/>
+              <a:ea typeface="+mj-ea"/>
+              <a:cs typeface="+mj-cs"/>
+            </a:endParaRPr>
+          </a:p>
+        </p:txBody>
+      </p:sp>
+      <p:sp>
+        <p:nvSpPr>
+          <p:cNvPr id="4" name="TextBox 3">
+            <a:extLst>
+              <a:ext uri="{FF2B5EF4-FFF2-40B4-BE49-F238E27FC236}">
+                <a16:creationId xmlns:a16="http://schemas.microsoft.com/office/drawing/2014/main" id="{2BDAC8C1-B0FC-419F-9C02-E930EFE5FDE6}"/>
+              </a:ext>
+            </a:extLst>
+          </p:cNvPr>
+          <p:cNvSpPr txBox="1"/>
+          <p:nvPr/>
+        </p:nvSpPr>
+        <p:spPr>
+          <a:xfrm>
+            <a:off x="838200" y="1875453"/>
+            <a:ext cx="8133080" cy="4535507"/>
+          </a:xfrm>
+          <a:prstGeom prst="rect">
+            <a:avLst/>
+          </a:prstGeom>
+        </p:spPr>
+        <p:txBody>
+          <a:bodyPr vert="horz" lIns="91440" tIns="45720" rIns="91440" bIns="45720" rtlCol="0" anchor="t">
+            <a:noAutofit/>
+          </a:bodyPr>
+          <a:lstStyle/>
+          <a:p>
+            <a:pPr indent="-228600" defTabSz="914400">
+              <a:lnSpc>
+                <a:spcPct val="90000"/>
+              </a:lnSpc>
+              <a:spcAft>
+                <a:spcPts val="600"/>
+              </a:spcAft>
+              <a:buFont typeface="Arial" panose="020B0604020202020204" pitchFamily="34" charset="0"/>
+              <a:buChar char="•"/>
+            </a:pPr>
+            <a:r>
+              <a:rPr lang="en-US" dirty="0" err="1"/>
+              <a:t>Verschiedene</a:t>
+            </a:r>
+            <a:r>
+              <a:rPr lang="en-US" dirty="0"/>
+              <a:t> </a:t>
+            </a:r>
+            <a:r>
+              <a:rPr lang="en-US" dirty="0" err="1"/>
+              <a:t>Bildsammlungen</a:t>
+            </a:r>
+            <a:r>
+              <a:rPr lang="en-US" dirty="0"/>
+              <a:t> </a:t>
+            </a:r>
+            <a:r>
+              <a:rPr lang="en-US" dirty="0" err="1"/>
+              <a:t>erhältlich</a:t>
+            </a:r>
+            <a:endParaRPr lang="en-US" dirty="0"/>
+          </a:p>
+          <a:p>
+            <a:pPr marL="228600" indent="-228600" defTabSz="914400">
+              <a:lnSpc>
+                <a:spcPct val="90000"/>
+              </a:lnSpc>
+              <a:spcAft>
+                <a:spcPts val="600"/>
+              </a:spcAft>
+              <a:buFont typeface="Arial" panose="020B0604020202020204" pitchFamily="34" charset="0"/>
+              <a:buChar char="•"/>
+            </a:pPr>
+            <a:r>
+              <a:rPr lang="en-US" dirty="0" err="1"/>
+              <a:t>Klassisch</a:t>
+            </a:r>
+            <a:r>
+              <a:rPr lang="en-US" dirty="0"/>
+              <a:t>: </a:t>
+            </a:r>
+            <a:r>
+              <a:rPr lang="en-US" dirty="0" err="1"/>
+              <a:t>Datensatz</a:t>
+            </a:r>
+            <a:r>
+              <a:rPr lang="en-US" dirty="0"/>
+              <a:t> der Stanford University von Jonathan Krause (https://ai.stanford.edu/~jkrause/cars/car_dataset.html). </a:t>
+            </a:r>
+          </a:p>
+          <a:p>
+            <a:pPr marL="685800" lvl="1" indent="-228600" defTabSz="914400">
+              <a:lnSpc>
+                <a:spcPct val="90000"/>
+              </a:lnSpc>
+              <a:spcAft>
+                <a:spcPts val="600"/>
+              </a:spcAft>
+              <a:buFont typeface="Arial" panose="020B0604020202020204" pitchFamily="34" charset="0"/>
+              <a:buChar char="•"/>
+            </a:pPr>
+            <a:r>
+              <a:rPr lang="en-US" sz="1500" dirty="0" err="1"/>
+              <a:t>nicht</a:t>
+            </a:r>
+            <a:r>
+              <a:rPr lang="en-US" sz="1500" dirty="0"/>
+              <a:t> </a:t>
+            </a:r>
+            <a:r>
+              <a:rPr lang="en-US" sz="1500" dirty="0" err="1"/>
+              <a:t>besonders</a:t>
+            </a:r>
+            <a:r>
+              <a:rPr lang="en-US" sz="1500" dirty="0"/>
+              <a:t> gross (16k)</a:t>
+            </a:r>
+          </a:p>
+          <a:p>
+            <a:pPr marL="685800" lvl="1" indent="-228600" defTabSz="914400">
+              <a:lnSpc>
+                <a:spcPct val="90000"/>
+              </a:lnSpc>
+              <a:spcAft>
+                <a:spcPts val="600"/>
+              </a:spcAft>
+              <a:buFont typeface="Arial" panose="020B0604020202020204" pitchFamily="34" charset="0"/>
+              <a:buChar char="•"/>
+            </a:pPr>
+            <a:r>
+              <a:rPr lang="en-US" sz="1500" dirty="0" err="1"/>
+              <a:t>sehr</a:t>
+            </a:r>
+            <a:r>
+              <a:rPr lang="en-US" sz="1500" dirty="0"/>
+              <a:t> USA </a:t>
+            </a:r>
+            <a:r>
+              <a:rPr lang="en-US" sz="1500" dirty="0" err="1"/>
+              <a:t>lastig</a:t>
+            </a:r>
+            <a:endParaRPr lang="en-US" sz="1500" dirty="0"/>
+          </a:p>
+          <a:p>
+            <a:pPr marL="685800" lvl="1" indent="-228600" defTabSz="914400">
+              <a:lnSpc>
+                <a:spcPct val="90000"/>
+              </a:lnSpc>
+              <a:spcAft>
+                <a:spcPts val="600"/>
+              </a:spcAft>
+              <a:buFont typeface="Arial" panose="020B0604020202020204" pitchFamily="34" charset="0"/>
+              <a:buChar char="•"/>
+            </a:pPr>
+            <a:r>
+              <a:rPr lang="en-US" sz="1500" dirty="0" err="1"/>
+              <a:t>schon</a:t>
+            </a:r>
+            <a:r>
+              <a:rPr lang="en-US" sz="1500" dirty="0"/>
+              <a:t> </a:t>
+            </a:r>
+            <a:r>
+              <a:rPr lang="en-US" sz="1500" dirty="0" err="1"/>
+              <a:t>etwas</a:t>
+            </a:r>
+            <a:r>
+              <a:rPr lang="en-US" sz="1500" dirty="0"/>
+              <a:t> in die Jahre </a:t>
+            </a:r>
+            <a:r>
+              <a:rPr lang="en-US" sz="1500" dirty="0" err="1"/>
+              <a:t>gekommen</a:t>
+            </a:r>
+            <a:r>
+              <a:rPr lang="en-US" sz="1500" dirty="0"/>
+              <a:t> (2013)</a:t>
+            </a:r>
+          </a:p>
+          <a:p>
+            <a:pPr marL="685800" lvl="1" indent="-228600" defTabSz="914400">
+              <a:lnSpc>
+                <a:spcPct val="90000"/>
+              </a:lnSpc>
+              <a:spcAft>
+                <a:spcPts val="600"/>
+              </a:spcAft>
+              <a:buFont typeface="Arial" panose="020B0604020202020204" pitchFamily="34" charset="0"/>
+              <a:buChar char="•"/>
+            </a:pPr>
+            <a:endParaRPr lang="en-US" dirty="0"/>
+          </a:p>
+          <a:p>
+            <a:pPr marL="228600" indent="-228600" defTabSz="914400">
+              <a:lnSpc>
+                <a:spcPct val="90000"/>
+              </a:lnSpc>
+              <a:spcAft>
+                <a:spcPts val="600"/>
+              </a:spcAft>
+              <a:buFont typeface="Arial" panose="020B0604020202020204" pitchFamily="34" charset="0"/>
+              <a:buChar char="•"/>
+            </a:pPr>
+            <a:r>
+              <a:rPr lang="en-US" dirty="0" err="1"/>
+              <a:t>Wir</a:t>
+            </a:r>
+            <a:r>
+              <a:rPr lang="en-US" dirty="0"/>
+              <a:t> </a:t>
+            </a:r>
+            <a:r>
+              <a:rPr lang="en-US" dirty="0" err="1"/>
+              <a:t>verwenden</a:t>
+            </a:r>
+            <a:r>
+              <a:rPr lang="en-US" dirty="0"/>
+              <a:t> </a:t>
+            </a:r>
+            <a:r>
+              <a:rPr lang="en-US" dirty="0" err="1"/>
+              <a:t>eine</a:t>
+            </a:r>
+            <a:r>
+              <a:rPr lang="en-US" dirty="0"/>
+              <a:t> </a:t>
+            </a:r>
+            <a:r>
+              <a:rPr lang="en-US" dirty="0" err="1"/>
+              <a:t>neue</a:t>
+            </a:r>
+            <a:r>
+              <a:rPr lang="en-US" dirty="0"/>
+              <a:t> Library von Nicolas Gervais (https://github.com/nicolas-gervais/predicting-car-price-from-scraped-data/tree/master/picture-scraper) </a:t>
+            </a:r>
+          </a:p>
+          <a:p>
+            <a:pPr marL="228600" indent="-228600" defTabSz="914400">
+              <a:lnSpc>
+                <a:spcPct val="90000"/>
+              </a:lnSpc>
+              <a:spcAft>
+                <a:spcPts val="600"/>
+              </a:spcAft>
+              <a:buFont typeface="Arial" panose="020B0604020202020204" pitchFamily="34" charset="0"/>
+              <a:buChar char="•"/>
+            </a:pPr>
+            <a:r>
+              <a:rPr lang="en-US" b="1" dirty="0"/>
+              <a:t>64'467 </a:t>
+            </a:r>
+            <a:r>
+              <a:rPr lang="en-US" b="1" dirty="0" err="1"/>
+              <a:t>Bilder</a:t>
+            </a:r>
+            <a:r>
+              <a:rPr lang="en-US" b="1" dirty="0"/>
+              <a:t> </a:t>
+            </a:r>
+            <a:r>
+              <a:rPr lang="en-US" dirty="0" err="1"/>
+              <a:t>aus</a:t>
+            </a:r>
+            <a:r>
+              <a:rPr lang="en-US" dirty="0"/>
+              <a:t> dem </a:t>
+            </a:r>
+            <a:r>
+              <a:rPr lang="en-US" dirty="0" err="1"/>
+              <a:t>Jahr</a:t>
+            </a:r>
+            <a:r>
+              <a:rPr lang="en-US" dirty="0"/>
+              <a:t> 2020. Quelle: 'The Car Connection’ </a:t>
+            </a:r>
+          </a:p>
+          <a:p>
+            <a:pPr marL="228600" indent="-228600" defTabSz="914400">
+              <a:lnSpc>
+                <a:spcPct val="90000"/>
+              </a:lnSpc>
+              <a:spcAft>
+                <a:spcPts val="600"/>
+              </a:spcAft>
+              <a:buFont typeface="Arial" panose="020B0604020202020204" pitchFamily="34" charset="0"/>
+              <a:buChar char="•"/>
+            </a:pPr>
+            <a:r>
+              <a:rPr lang="en-US" dirty="0"/>
+              <a:t>Labels</a:t>
+            </a:r>
+          </a:p>
+          <a:p>
+            <a:pPr marL="685800" lvl="1" indent="-228600" defTabSz="914400">
+              <a:lnSpc>
+                <a:spcPct val="90000"/>
+              </a:lnSpc>
+              <a:spcAft>
+                <a:spcPts val="600"/>
+              </a:spcAft>
+              <a:buFont typeface="Arial" panose="020B0604020202020204" pitchFamily="34" charset="0"/>
+              <a:buChar char="•"/>
+            </a:pPr>
+            <a:r>
+              <a:rPr lang="en-US" sz="1500" dirty="0" err="1"/>
+              <a:t>Marke</a:t>
+            </a:r>
+            <a:r>
+              <a:rPr lang="en-US" sz="1500" dirty="0"/>
+              <a:t> (</a:t>
+            </a:r>
+            <a:r>
+              <a:rPr lang="en-US" sz="1500" dirty="0" err="1"/>
+              <a:t>z.B.</a:t>
+            </a:r>
+            <a:r>
+              <a:rPr lang="en-US" sz="1500" dirty="0"/>
+              <a:t> Audi)</a:t>
+            </a:r>
+          </a:p>
+          <a:p>
+            <a:pPr marL="685800" lvl="1" indent="-228600" defTabSz="914400">
+              <a:lnSpc>
+                <a:spcPct val="90000"/>
+              </a:lnSpc>
+              <a:spcAft>
+                <a:spcPts val="600"/>
+              </a:spcAft>
+              <a:buFont typeface="Arial" panose="020B0604020202020204" pitchFamily="34" charset="0"/>
+              <a:buChar char="•"/>
+            </a:pPr>
+            <a:r>
+              <a:rPr lang="en-US" sz="1500" dirty="0"/>
+              <a:t>Modell (</a:t>
+            </a:r>
+            <a:r>
+              <a:rPr lang="en-US" sz="1500" dirty="0" err="1"/>
+              <a:t>z.B.</a:t>
+            </a:r>
+            <a:r>
+              <a:rPr lang="en-US" sz="1500" dirty="0"/>
+              <a:t> A5)</a:t>
+            </a:r>
+          </a:p>
+          <a:p>
+            <a:pPr marL="685800" lvl="1" indent="-228600" defTabSz="914400">
+              <a:lnSpc>
+                <a:spcPct val="90000"/>
+              </a:lnSpc>
+              <a:spcAft>
+                <a:spcPts val="600"/>
+              </a:spcAft>
+              <a:buFont typeface="Arial" panose="020B0604020202020204" pitchFamily="34" charset="0"/>
+              <a:buChar char="•"/>
+            </a:pPr>
+            <a:r>
+              <a:rPr lang="en-US" sz="1500" dirty="0" err="1"/>
+              <a:t>Baujahr</a:t>
+            </a:r>
+            <a:r>
+              <a:rPr lang="en-US" sz="1500" dirty="0"/>
+              <a:t> (</a:t>
+            </a:r>
+            <a:r>
+              <a:rPr lang="en-US" sz="1500" dirty="0" err="1"/>
+              <a:t>z.B.</a:t>
+            </a:r>
+            <a:r>
+              <a:rPr lang="en-US" sz="1500" dirty="0"/>
+              <a:t> 2013)</a:t>
+            </a:r>
+          </a:p>
+          <a:p>
+            <a:pPr marL="685800" lvl="1" indent="-228600" defTabSz="914400">
+              <a:lnSpc>
+                <a:spcPct val="90000"/>
+              </a:lnSpc>
+              <a:spcAft>
+                <a:spcPts val="600"/>
+              </a:spcAft>
+              <a:buFont typeface="Arial" panose="020B0604020202020204" pitchFamily="34" charset="0"/>
+              <a:buChar char="•"/>
+            </a:pPr>
+            <a:r>
+              <a:rPr lang="en-US" sz="1500" dirty="0" err="1"/>
+              <a:t>Preis</a:t>
+            </a:r>
+            <a:r>
+              <a:rPr lang="en-US" sz="1500" dirty="0"/>
+              <a:t> in '000 USD (</a:t>
+            </a:r>
+            <a:r>
+              <a:rPr lang="en-US" sz="1500" dirty="0" err="1"/>
+              <a:t>z.B.</a:t>
+            </a:r>
+            <a:r>
+              <a:rPr lang="en-US" sz="1500" dirty="0"/>
+              <a:t> 44)</a:t>
+            </a:r>
+          </a:p>
+          <a:p>
+            <a:pPr indent="-228600" defTabSz="914400">
+              <a:lnSpc>
+                <a:spcPct val="90000"/>
+              </a:lnSpc>
+              <a:spcAft>
+                <a:spcPts val="600"/>
+              </a:spcAft>
+              <a:buFont typeface="Arial" panose="020B0604020202020204" pitchFamily="34" charset="0"/>
+              <a:buChar char="•"/>
+            </a:pPr>
+            <a:endParaRPr lang="en-US" dirty="0"/>
+          </a:p>
+        </p:txBody>
+      </p:sp>
+    </p:spTree>
+    <p:extLst>
+      <p:ext uri="{BB962C8B-B14F-4D97-AF65-F5344CB8AC3E}">
+        <p14:creationId xmlns:p14="http://schemas.microsoft.com/office/powerpoint/2010/main" val="2395267053"/>
+      </p:ext>
+    </p:extLst>
+  </p:cSld>
+  <p:clrMapOvr>
+    <a:overrideClrMapping bg1="dk1" tx1="lt1" bg2="dk2" tx2="lt2" accent1="accent1" accent2="accent2" accent3="accent3" accent4="accent4" accent5="accent5" accent6="accent6" hlink="hlink" folHlink="folHlink"/>
+  </p:clrMapOvr>
+</p:sld>
+</file>
+
+<file path=ppt/slides/slide4.xml><?xml version="1.0" encoding="utf-8"?>
+<p:sld xmlns:a="http://schemas.openxmlformats.org/drawingml/2006/main" xmlns:r="http://schemas.openxmlformats.org/officeDocument/2006/relationships" xmlns:p="http://schemas.openxmlformats.org/presentationml/2006/main">
+  <p:cSld>
+    <p:bg>
+      <p:bgPr>
+        <a:solidFill>
+          <a:schemeClr val="bg1">
+            <a:tint val="95000"/>
+            <a:satMod val="170000"/>
+          </a:schemeClr>
+        </a:solidFill>
+        <a:effectLst/>
+      </p:bgPr>
+    </p:bg>
+    <p:spTree>
+      <p:nvGrpSpPr>
+        <p:cNvPr id="1" name=""/>
+        <p:cNvGrpSpPr/>
+        <p:nvPr/>
+      </p:nvGrpSpPr>
+      <p:grpSpPr>
+        <a:xfrm>
+          <a:off x="0" y="0"/>
+          <a:ext cx="0" cy="0"/>
+          <a:chOff x="0" y="0"/>
+          <a:chExt cx="0" cy="0"/>
+        </a:xfrm>
+      </p:grpSpPr>
+      <p:sp>
+        <p:nvSpPr>
+          <p:cNvPr id="8" name="Freeform: Shape 7">
+            <a:extLst>
+              <a:ext uri="{FF2B5EF4-FFF2-40B4-BE49-F238E27FC236}">
+                <a16:creationId xmlns:a16="http://schemas.microsoft.com/office/drawing/2014/main" id="{025E2AA9-10C9-4A14-BEA3-064CD0131100}"/>
+              </a:ext>
+              <a:ext uri="{C183D7F6-B498-43B3-948B-1728B52AA6E4}">
+                <adec:decorative xmlns:adec="http://schemas.microsoft.com/office/drawing/2017/decorative" val="1"/>
+              </a:ext>
+            </a:extLst>
+          </p:cNvPr>
+          <p:cNvSpPr>
+            <a:spLocks noGrp="1" noRot="1" noChangeAspect="1" noMove="1" noResize="1" noEditPoints="1" noAdjustHandles="1" noChangeArrowheads="1" noChangeShapeType="1" noTextEdit="1"/>
+          </p:cNvSpPr>
+          <p:nvPr>
+            <p:extLst>
+              <p:ext uri="{386F3935-93C4-4BCD-93E2-E3B085C9AB24}">
+                <p16:designElem xmlns:p16="http://schemas.microsoft.com/office/powerpoint/2015/main" val="1"/>
+              </p:ext>
+            </p:extLst>
+          </p:nvPr>
+        </p:nvSpPr>
+        <p:spPr>
+          <a:xfrm>
+            <a:off x="0" y="0"/>
+            <a:ext cx="6136816" cy="5254922"/>
+          </a:xfrm>
+          <a:custGeom>
+            <a:avLst/>
+            <a:gdLst>
+              <a:gd name="connsiteX0" fmla="*/ 0 w 6136816"/>
+              <a:gd name="connsiteY0" fmla="*/ 0 h 5254922"/>
+              <a:gd name="connsiteX1" fmla="*/ 6136816 w 6136816"/>
+              <a:gd name="connsiteY1" fmla="*/ 0 h 5254922"/>
+              <a:gd name="connsiteX2" fmla="*/ 6134892 w 6136816"/>
+              <a:gd name="connsiteY2" fmla="*/ 111520 h 5254922"/>
+              <a:gd name="connsiteX3" fmla="*/ 6066513 w 6136816"/>
+              <a:gd name="connsiteY3" fmla="*/ 752995 h 5254922"/>
+              <a:gd name="connsiteX4" fmla="*/ 140712 w 6136816"/>
+              <a:gd name="connsiteY4" fmla="*/ 5219363 h 5254922"/>
+              <a:gd name="connsiteX5" fmla="*/ 0 w 6136816"/>
+              <a:gd name="connsiteY5" fmla="*/ 5199534 h 5254922"/>
+            </a:gdLst>
+            <a:ahLst/>
+            <a:cxnLst>
+              <a:cxn ang="0">
+                <a:pos x="connsiteX0" y="connsiteY0"/>
+              </a:cxn>
+              <a:cxn ang="0">
+                <a:pos x="connsiteX1" y="connsiteY1"/>
+              </a:cxn>
+              <a:cxn ang="0">
+                <a:pos x="connsiteX2" y="connsiteY2"/>
+              </a:cxn>
+              <a:cxn ang="0">
+                <a:pos x="connsiteX3" y="connsiteY3"/>
+              </a:cxn>
+              <a:cxn ang="0">
+                <a:pos x="connsiteX4" y="connsiteY4"/>
+              </a:cxn>
+              <a:cxn ang="0">
+                <a:pos x="connsiteX5" y="connsiteY5"/>
+              </a:cxn>
+            </a:cxnLst>
+            <a:rect l="l" t="t" r="r" b="b"/>
+            <a:pathLst>
+              <a:path w="6136816" h="5254922">
+                <a:moveTo>
+                  <a:pt x="0" y="0"/>
+                </a:moveTo>
+                <a:lnTo>
+                  <a:pt x="6136816" y="0"/>
+                </a:lnTo>
+                <a:lnTo>
+                  <a:pt x="6134892" y="111520"/>
+                </a:lnTo>
+                <a:cubicBezTo>
+                  <a:pt x="6124961" y="323936"/>
+                  <a:pt x="6102367" y="538040"/>
+                  <a:pt x="6066513" y="752995"/>
+                </a:cubicBezTo>
+                <a:cubicBezTo>
+                  <a:pt x="5592281" y="3596146"/>
+                  <a:pt x="2972232" y="5545369"/>
+                  <a:pt x="140712" y="5219363"/>
+                </a:cubicBezTo>
+                <a:lnTo>
+                  <a:pt x="0" y="5199534"/>
+                </a:lnTo>
+                <a:close/>
+              </a:path>
+            </a:pathLst>
+          </a:custGeom>
+          <a:solidFill>
+            <a:schemeClr val="tx1">
+              <a:alpha val="80000"/>
+            </a:schemeClr>
+          </a:solidFill>
+          <a:ln>
+            <a:noFill/>
+          </a:ln>
+        </p:spPr>
+        <p:style>
+          <a:lnRef idx="2">
+            <a:schemeClr val="accent1">
+              <a:shade val="50000"/>
+            </a:schemeClr>
+          </a:lnRef>
+          <a:fillRef idx="1">
+            <a:schemeClr val="accent1"/>
+          </a:fillRef>
+          <a:effectRef idx="0">
+            <a:schemeClr val="accent1"/>
+          </a:effectRef>
+          <a:fontRef idx="minor">
+            <a:schemeClr val="lt1"/>
+          </a:fontRef>
+        </p:style>
+        <p:txBody>
+          <a:bodyPr wrap="square" rtlCol="0" anchor="ctr">
+            <a:noAutofit/>
+          </a:bodyPr>
+          <a:lstStyle/>
+          <a:p>
+            <a:pPr algn="ctr"/>
+            <a:endParaRPr lang="en-US" dirty="0"/>
+          </a:p>
+        </p:txBody>
+      </p:sp>
+      <p:sp>
+        <p:nvSpPr>
+          <p:cNvPr id="10" name="Freeform: Shape 9">
+            <a:extLst>
+              <a:ext uri="{FF2B5EF4-FFF2-40B4-BE49-F238E27FC236}">
+                <a16:creationId xmlns:a16="http://schemas.microsoft.com/office/drawing/2014/main" id="{F076F371-EE61-49EA-AA2A-3582C3AC9BCD}"/>
+              </a:ext>
+              <a:ext uri="{C183D7F6-B498-43B3-948B-1728B52AA6E4}">
+                <adec:decorative xmlns:adec="http://schemas.microsoft.com/office/drawing/2017/decorative" val="1"/>
+              </a:ext>
+            </a:extLst>
+          </p:cNvPr>
+          <p:cNvSpPr>
+            <a:spLocks noGrp="1" noRot="1" noChangeAspect="1" noMove="1" noResize="1" noEditPoints="1" noAdjustHandles="1" noChangeArrowheads="1" noChangeShapeType="1" noTextEdit="1"/>
+          </p:cNvSpPr>
+          <p:nvPr>
+            <p:extLst>
+              <p:ext uri="{386F3935-93C4-4BCD-93E2-E3B085C9AB24}">
+                <p16:designElem xmlns:p16="http://schemas.microsoft.com/office/powerpoint/2015/main" val="1"/>
+              </p:ext>
+            </p:extLst>
+          </p:nvPr>
+        </p:nvSpPr>
+        <p:spPr>
+          <a:xfrm>
+            <a:off x="1" y="1"/>
+            <a:ext cx="5863721" cy="4984915"/>
+          </a:xfrm>
+          <a:custGeom>
+            <a:avLst/>
+            <a:gdLst>
+              <a:gd name="connsiteX0" fmla="*/ 0 w 5863721"/>
+              <a:gd name="connsiteY0" fmla="*/ 0 h 4984915"/>
+              <a:gd name="connsiteX1" fmla="*/ 5863721 w 5863721"/>
+              <a:gd name="connsiteY1" fmla="*/ 0 h 4984915"/>
+              <a:gd name="connsiteX2" fmla="*/ 5844576 w 5863721"/>
+              <a:gd name="connsiteY2" fmla="*/ 326138 h 4984915"/>
+              <a:gd name="connsiteX3" fmla="*/ 5796589 w 5863721"/>
+              <a:gd name="connsiteY3" fmla="*/ 693884 h 4984915"/>
+              <a:gd name="connsiteX4" fmla="*/ 148386 w 5863721"/>
+              <a:gd name="connsiteY4" fmla="*/ 4951022 h 4984915"/>
+              <a:gd name="connsiteX5" fmla="*/ 0 w 5863721"/>
+              <a:gd name="connsiteY5" fmla="*/ 4930112 h 4984915"/>
+            </a:gdLst>
+            <a:ahLst/>
+            <a:cxnLst>
+              <a:cxn ang="0">
+                <a:pos x="connsiteX0" y="connsiteY0"/>
+              </a:cxn>
+              <a:cxn ang="0">
+                <a:pos x="connsiteX1" y="connsiteY1"/>
+              </a:cxn>
+              <a:cxn ang="0">
+                <a:pos x="connsiteX2" y="connsiteY2"/>
+              </a:cxn>
+              <a:cxn ang="0">
+                <a:pos x="connsiteX3" y="connsiteY3"/>
+              </a:cxn>
+              <a:cxn ang="0">
+                <a:pos x="connsiteX4" y="connsiteY4"/>
+              </a:cxn>
+              <a:cxn ang="0">
+                <a:pos x="connsiteX5" y="connsiteY5"/>
+              </a:cxn>
+            </a:cxnLst>
+            <a:rect l="l" t="t" r="r" b="b"/>
+            <a:pathLst>
+              <a:path w="5863721" h="4984915">
+                <a:moveTo>
+                  <a:pt x="0" y="0"/>
+                </a:moveTo>
+                <a:lnTo>
+                  <a:pt x="5863721" y="0"/>
+                </a:lnTo>
+                <a:lnTo>
+                  <a:pt x="5844576" y="326138"/>
+                </a:lnTo>
+                <a:cubicBezTo>
+                  <a:pt x="5833049" y="448313"/>
+                  <a:pt x="5817094" y="570952"/>
+                  <a:pt x="5796589" y="693884"/>
+                </a:cubicBezTo>
+                <a:cubicBezTo>
+                  <a:pt x="5344573" y="3403845"/>
+                  <a:pt x="2847261" y="5261756"/>
+                  <a:pt x="148386" y="4951022"/>
+                </a:cubicBezTo>
+                <a:lnTo>
+                  <a:pt x="0" y="4930112"/>
+                </a:lnTo>
+                <a:close/>
+              </a:path>
+            </a:pathLst>
+          </a:custGeom>
+          <a:solidFill>
+            <a:schemeClr val="bg1">
+              <a:lumMod val="65000"/>
+              <a:lumOff val="35000"/>
+            </a:schemeClr>
+          </a:solidFill>
+          <a:ln>
+            <a:noFill/>
+          </a:ln>
+        </p:spPr>
+        <p:style>
+          <a:lnRef idx="2">
+            <a:schemeClr val="accent1">
+              <a:shade val="50000"/>
+            </a:schemeClr>
+          </a:lnRef>
+          <a:fillRef idx="1">
+            <a:schemeClr val="accent1"/>
+          </a:fillRef>
+          <a:effectRef idx="0">
+            <a:schemeClr val="accent1"/>
+          </a:effectRef>
+          <a:fontRef idx="minor">
+            <a:schemeClr val="lt1"/>
+          </a:fontRef>
+        </p:style>
+        <p:txBody>
+          <a:bodyPr wrap="square" rtlCol="0" anchor="ctr">
+            <a:noAutofit/>
+          </a:bodyPr>
+          <a:lstStyle/>
+          <a:p>
+            <a:pPr algn="ctr"/>
+            <a:endParaRPr lang="en-US"/>
+          </a:p>
+        </p:txBody>
+      </p:sp>
+      <p:sp>
+        <p:nvSpPr>
+          <p:cNvPr id="2" name="Title 1">
+            <a:extLst>
+              <a:ext uri="{FF2B5EF4-FFF2-40B4-BE49-F238E27FC236}">
+                <a16:creationId xmlns:a16="http://schemas.microsoft.com/office/drawing/2014/main" id="{460188B4-7A99-4BC8-8F31-479B8DB7D4D0}"/>
+              </a:ext>
+            </a:extLst>
+          </p:cNvPr>
+          <p:cNvSpPr>
+            <a:spLocks noGrp="1"/>
+          </p:cNvSpPr>
+          <p:nvPr>
+            <p:ph type="title"/>
+          </p:nvPr>
+        </p:nvSpPr>
+        <p:spPr>
+          <a:xfrm>
+            <a:off x="804671" y="365125"/>
+            <a:ext cx="3405821" cy="3117038"/>
+          </a:xfrm>
+        </p:spPr>
+        <p:txBody>
+          <a:bodyPr vert="horz" lIns="91440" tIns="45720" rIns="91440" bIns="45720" rtlCol="0" anchor="ctr">
+            <a:normAutofit/>
+          </a:bodyPr>
+          <a:lstStyle/>
+          <a:p>
+            <a:r>
+              <a:rPr lang="en-US" sz="4400" kern="1200" dirty="0" err="1">
+                <a:solidFill>
+                  <a:schemeClr val="tx1"/>
+                </a:solidFill>
+                <a:latin typeface="+mj-lt"/>
+                <a:ea typeface="+mj-ea"/>
+                <a:cs typeface="+mj-cs"/>
+              </a:rPr>
+              <a:t>Daten</a:t>
+            </a:r>
+            <a:r>
+              <a:rPr lang="en-US" sz="4400" kern="1200" dirty="0">
+                <a:solidFill>
+                  <a:schemeClr val="tx1"/>
+                </a:solidFill>
+                <a:latin typeface="+mj-lt"/>
+                <a:ea typeface="+mj-ea"/>
+                <a:cs typeface="+mj-cs"/>
+              </a:rPr>
+              <a:t> </a:t>
+            </a:r>
+            <a:r>
+              <a:rPr lang="en-US" sz="4400" kern="1200" dirty="0" err="1">
+                <a:solidFill>
+                  <a:schemeClr val="tx1"/>
+                </a:solidFill>
+                <a:latin typeface="+mj-lt"/>
+                <a:ea typeface="+mj-ea"/>
+                <a:cs typeface="+mj-cs"/>
+              </a:rPr>
+              <a:t>Preparieren</a:t>
+            </a:r>
+            <a:endParaRPr lang="en-US" sz="4400" kern="1200" dirty="0">
+              <a:solidFill>
+                <a:schemeClr val="tx1"/>
+              </a:solidFill>
+              <a:latin typeface="+mj-lt"/>
+              <a:ea typeface="+mj-ea"/>
+              <a:cs typeface="+mj-cs"/>
+            </a:endParaRPr>
+          </a:p>
+        </p:txBody>
+      </p:sp>
+      <p:sp>
+        <p:nvSpPr>
+          <p:cNvPr id="3" name="TextBox 2">
+            <a:extLst>
+              <a:ext uri="{FF2B5EF4-FFF2-40B4-BE49-F238E27FC236}">
+                <a16:creationId xmlns:a16="http://schemas.microsoft.com/office/drawing/2014/main" id="{1F987AD7-E3CE-4757-9CC4-4D912D1D1792}"/>
+              </a:ext>
+            </a:extLst>
+          </p:cNvPr>
+          <p:cNvSpPr txBox="1"/>
+          <p:nvPr/>
+        </p:nvSpPr>
+        <p:spPr>
+          <a:xfrm>
+            <a:off x="6668392" y="627663"/>
+            <a:ext cx="5156364" cy="2250597"/>
+          </a:xfrm>
+          <a:prstGeom prst="rect">
+            <a:avLst/>
+          </a:prstGeom>
+        </p:spPr>
+        <p:txBody>
+          <a:bodyPr vert="horz" lIns="91440" tIns="45720" rIns="91440" bIns="45720" rtlCol="0" anchor="t">
+            <a:noAutofit/>
+          </a:bodyPr>
+          <a:lstStyle>
+            <a:defPPr>
+              <a:defRPr lang="en-US"/>
+            </a:defPPr>
+            <a:lvl1pPr defTabSz="914400">
+              <a:lnSpc>
+                <a:spcPct val="90000"/>
+              </a:lnSpc>
+              <a:spcAft>
+                <a:spcPts val="600"/>
+              </a:spcAft>
+              <a:defRPr sz="1600"/>
+            </a:lvl1pPr>
+          </a:lstStyle>
+          <a:p>
+            <a:r>
+              <a:rPr lang="en-US" sz="2000" b="1" dirty="0" err="1"/>
+              <a:t>Ausgangslage</a:t>
+            </a:r>
+            <a:endParaRPr lang="en-US" b="1" dirty="0"/>
+          </a:p>
+          <a:p>
+            <a:endParaRPr lang="en-US" dirty="0"/>
+          </a:p>
+          <a:p>
+            <a:pPr marL="285750" indent="-285750">
+              <a:buFont typeface="Arial" panose="020B0604020202020204" pitchFamily="34" charset="0"/>
+              <a:buChar char="•"/>
+            </a:pPr>
+            <a:r>
+              <a:rPr lang="en-US" dirty="0"/>
+              <a:t>Auf den </a:t>
+            </a:r>
+            <a:r>
+              <a:rPr lang="en-US" dirty="0" err="1"/>
+              <a:t>Bildern</a:t>
+            </a:r>
+            <a:r>
+              <a:rPr lang="en-US" dirty="0"/>
+              <a:t> </a:t>
+            </a:r>
+            <a:r>
+              <a:rPr lang="en-US" dirty="0" err="1"/>
+              <a:t>sind</a:t>
+            </a:r>
+            <a:r>
+              <a:rPr lang="en-US" dirty="0"/>
+              <a:t> </a:t>
+            </a:r>
+            <a:r>
+              <a:rPr lang="en-US" dirty="0" err="1"/>
+              <a:t>zum</a:t>
+            </a:r>
+            <a:r>
+              <a:rPr lang="en-US" dirty="0"/>
+              <a:t> Teil </a:t>
+            </a:r>
+            <a:r>
+              <a:rPr lang="en-US" dirty="0" err="1"/>
+              <a:t>auch</a:t>
+            </a:r>
+            <a:r>
+              <a:rPr lang="en-US" dirty="0"/>
+              <a:t> </a:t>
+            </a:r>
+            <a:r>
+              <a:rPr lang="en-US" dirty="0" err="1"/>
+              <a:t>Detailaufnahmen</a:t>
+            </a:r>
+            <a:r>
+              <a:rPr lang="en-US" dirty="0"/>
+              <a:t> </a:t>
+            </a:r>
+            <a:r>
+              <a:rPr lang="en-US" dirty="0" err="1"/>
+              <a:t>einzelner</a:t>
+            </a:r>
+            <a:r>
+              <a:rPr lang="en-US" dirty="0"/>
+              <a:t> </a:t>
+            </a:r>
+            <a:r>
+              <a:rPr lang="en-US" dirty="0" err="1"/>
+              <a:t>Autoteile</a:t>
+            </a:r>
+            <a:r>
+              <a:rPr lang="en-US" dirty="0"/>
+              <a:t> </a:t>
+            </a:r>
+            <a:r>
+              <a:rPr lang="en-US" dirty="0" err="1"/>
+              <a:t>zu</a:t>
+            </a:r>
+            <a:r>
+              <a:rPr lang="en-US" dirty="0"/>
+              <a:t> </a:t>
+            </a:r>
+            <a:r>
+              <a:rPr lang="en-US" dirty="0" err="1"/>
+              <a:t>sehen</a:t>
+            </a:r>
+            <a:r>
+              <a:rPr lang="en-US" dirty="0"/>
+              <a:t> und </a:t>
+            </a:r>
+            <a:r>
+              <a:rPr lang="en-US" dirty="0" err="1"/>
+              <a:t>vereinzelt</a:t>
+            </a:r>
+            <a:r>
+              <a:rPr lang="en-US" dirty="0"/>
+              <a:t> </a:t>
+            </a:r>
+            <a:r>
+              <a:rPr lang="en-US" dirty="0" err="1"/>
+              <a:t>sind</a:t>
+            </a:r>
+            <a:r>
+              <a:rPr lang="en-US" dirty="0"/>
+              <a:t> </a:t>
+            </a:r>
+            <a:r>
+              <a:rPr lang="en-US" dirty="0" err="1"/>
+              <a:t>auch</a:t>
+            </a:r>
+            <a:r>
+              <a:rPr lang="en-US" dirty="0"/>
+              <a:t> </a:t>
+            </a:r>
+            <a:r>
+              <a:rPr lang="en-US" dirty="0" err="1"/>
+              <a:t>Innenaufnahmen</a:t>
+            </a:r>
+            <a:r>
+              <a:rPr lang="en-US" dirty="0"/>
+              <a:t> </a:t>
+            </a:r>
+            <a:r>
+              <a:rPr lang="en-US" dirty="0" err="1"/>
+              <a:t>vorhanden</a:t>
+            </a:r>
+            <a:r>
+              <a:rPr lang="en-US" dirty="0"/>
+              <a:t>. </a:t>
+            </a:r>
+          </a:p>
+          <a:p>
+            <a:pPr marL="285750" indent="-285750">
+              <a:buFont typeface="Arial" panose="020B0604020202020204" pitchFamily="34" charset="0"/>
+              <a:buChar char="•"/>
+            </a:pPr>
+            <a:r>
+              <a:rPr lang="en-US" dirty="0"/>
+              <a:t>Die </a:t>
+            </a:r>
+            <a:r>
+              <a:rPr lang="en-US" dirty="0" err="1"/>
+              <a:t>Bilder</a:t>
+            </a:r>
+            <a:r>
+              <a:rPr lang="en-US" dirty="0"/>
+              <a:t> </a:t>
+            </a:r>
+            <a:r>
+              <a:rPr lang="en-US" dirty="0" err="1"/>
+              <a:t>haben</a:t>
+            </a:r>
+            <a:r>
+              <a:rPr lang="en-US" dirty="0"/>
+              <a:t> </a:t>
+            </a:r>
+            <a:r>
+              <a:rPr lang="en-US" dirty="0" err="1"/>
+              <a:t>unterschiedliche</a:t>
+            </a:r>
+            <a:r>
+              <a:rPr lang="en-US" dirty="0"/>
+              <a:t> </a:t>
+            </a:r>
+            <a:r>
+              <a:rPr lang="en-US" dirty="0" err="1"/>
+              <a:t>Formate</a:t>
+            </a:r>
+            <a:r>
+              <a:rPr lang="en-US" dirty="0"/>
+              <a:t> und </a:t>
+            </a:r>
+            <a:r>
+              <a:rPr lang="en-US" dirty="0" err="1"/>
+              <a:t>Grössen</a:t>
+            </a:r>
+            <a:r>
+              <a:rPr lang="en-US" dirty="0"/>
+              <a:t>.</a:t>
+            </a:r>
+          </a:p>
+          <a:p>
+            <a:pPr marL="285750" indent="-285750">
+              <a:buFont typeface="Arial" panose="020B0604020202020204" pitchFamily="34" charset="0"/>
+              <a:buChar char="•"/>
+            </a:pPr>
+            <a:r>
+              <a:rPr lang="en-US" dirty="0"/>
+              <a:t>Label </a:t>
+            </a:r>
+            <a:r>
+              <a:rPr lang="en-US" dirty="0" err="1"/>
+              <a:t>sind</a:t>
+            </a:r>
+            <a:r>
+              <a:rPr lang="en-US" dirty="0"/>
+              <a:t> </a:t>
+            </a:r>
+            <a:r>
+              <a:rPr lang="en-US" dirty="0" err="1"/>
+              <a:t>im</a:t>
+            </a:r>
+            <a:r>
+              <a:rPr lang="en-US" dirty="0"/>
+              <a:t> </a:t>
+            </a:r>
+            <a:r>
+              <a:rPr lang="en-US" dirty="0" err="1"/>
+              <a:t>Filenamen</a:t>
+            </a:r>
+            <a:endParaRPr lang="en-US" dirty="0"/>
+          </a:p>
+        </p:txBody>
+      </p:sp>
+      <p:sp>
+        <p:nvSpPr>
+          <p:cNvPr id="6" name="TextBox 5">
+            <a:extLst>
+              <a:ext uri="{FF2B5EF4-FFF2-40B4-BE49-F238E27FC236}">
+                <a16:creationId xmlns:a16="http://schemas.microsoft.com/office/drawing/2014/main" id="{34C807F2-4DE9-496D-BC40-5E874CE18949}"/>
+              </a:ext>
+            </a:extLst>
+          </p:cNvPr>
+          <p:cNvSpPr txBox="1"/>
+          <p:nvPr/>
+        </p:nvSpPr>
+        <p:spPr>
+          <a:xfrm>
+            <a:off x="5695381" y="3225969"/>
+            <a:ext cx="5527040" cy="1892128"/>
+          </a:xfrm>
+          <a:prstGeom prst="rect">
+            <a:avLst/>
+          </a:prstGeom>
+        </p:spPr>
+        <p:txBody>
+          <a:bodyPr vert="horz" lIns="91440" tIns="45720" rIns="91440" bIns="45720" rtlCol="0" anchor="t">
+            <a:noAutofit/>
+          </a:bodyPr>
+          <a:lstStyle/>
+          <a:p>
+            <a:pPr defTabSz="914400">
+              <a:lnSpc>
+                <a:spcPct val="90000"/>
+              </a:lnSpc>
+              <a:spcAft>
+                <a:spcPts val="600"/>
+              </a:spcAft>
+            </a:pPr>
+            <a:r>
+              <a:rPr lang="en-US" sz="2000" b="1" dirty="0" err="1"/>
+              <a:t>Filestruktur</a:t>
+            </a:r>
+            <a:r>
+              <a:rPr lang="en-US" sz="2000" b="1" dirty="0"/>
+              <a:t> </a:t>
+            </a:r>
+            <a:r>
+              <a:rPr lang="en-US" sz="2000" b="1" dirty="0" err="1"/>
+              <a:t>anlegen</a:t>
+            </a:r>
+            <a:endParaRPr lang="en-US" sz="2000" b="1" dirty="0"/>
+          </a:p>
+          <a:p>
+            <a:pPr indent="-228600" defTabSz="914400">
+              <a:lnSpc>
+                <a:spcPct val="90000"/>
+              </a:lnSpc>
+              <a:spcAft>
+                <a:spcPts val="600"/>
+              </a:spcAft>
+              <a:buFont typeface="Arial" panose="020B0604020202020204" pitchFamily="34" charset="0"/>
+              <a:buChar char="•"/>
+            </a:pPr>
+            <a:endParaRPr lang="en-US" sz="1600" dirty="0"/>
+          </a:p>
+          <a:p>
+            <a:pPr indent="-228600" defTabSz="914400">
+              <a:lnSpc>
+                <a:spcPct val="90000"/>
+              </a:lnSpc>
+              <a:spcAft>
+                <a:spcPts val="600"/>
+              </a:spcAft>
+              <a:buFont typeface="Arial" panose="020B0604020202020204" pitchFamily="34" charset="0"/>
+              <a:buChar char="•"/>
+            </a:pPr>
+            <a:r>
+              <a:rPr lang="en-US" sz="1600" dirty="0" err="1"/>
+              <a:t>Organisieren</a:t>
+            </a:r>
+            <a:r>
+              <a:rPr lang="en-US" sz="1600" dirty="0"/>
+              <a:t> der </a:t>
+            </a:r>
+            <a:r>
+              <a:rPr lang="en-US" sz="1600" dirty="0" err="1"/>
+              <a:t>Daten</a:t>
+            </a:r>
+            <a:r>
+              <a:rPr lang="en-US" sz="1600" dirty="0"/>
+              <a:t> in </a:t>
+            </a:r>
+            <a:r>
+              <a:rPr lang="en-US" sz="1600" dirty="0" err="1"/>
+              <a:t>Verzeichnisse</a:t>
+            </a:r>
+            <a:r>
+              <a:rPr lang="en-US" sz="1600" dirty="0"/>
+              <a:t> </a:t>
+            </a:r>
+            <a:r>
+              <a:rPr lang="en-US" sz="1600" dirty="0" err="1"/>
+              <a:t>lokal</a:t>
+            </a:r>
+            <a:r>
+              <a:rPr lang="en-US" sz="1600" dirty="0"/>
+              <a:t> </a:t>
+            </a:r>
+            <a:r>
+              <a:rPr lang="en-US" sz="1600" dirty="0" err="1"/>
+              <a:t>vorgenommen</a:t>
+            </a:r>
+            <a:endParaRPr lang="en-US" sz="1600" dirty="0"/>
+          </a:p>
+          <a:p>
+            <a:pPr indent="-228600" defTabSz="914400">
+              <a:lnSpc>
+                <a:spcPct val="90000"/>
+              </a:lnSpc>
+              <a:spcAft>
+                <a:spcPts val="600"/>
+              </a:spcAft>
+              <a:buFont typeface="Arial" panose="020B0604020202020204" pitchFamily="34" charset="0"/>
+              <a:buChar char="•"/>
+            </a:pPr>
+            <a:r>
+              <a:rPr lang="en-US" sz="1600" dirty="0" err="1"/>
+              <a:t>Aufsplittung</a:t>
+            </a:r>
+            <a:r>
+              <a:rPr lang="en-US" sz="1600" dirty="0"/>
+              <a:t> in train, valid, test </a:t>
+            </a:r>
+            <a:r>
+              <a:rPr lang="en-US" sz="1600" dirty="0" err="1"/>
+              <a:t>ebenfalls</a:t>
+            </a:r>
+            <a:endParaRPr lang="en-US" sz="1600" dirty="0"/>
+          </a:p>
+          <a:p>
+            <a:pPr indent="-228600" defTabSz="914400">
+              <a:lnSpc>
+                <a:spcPct val="90000"/>
+              </a:lnSpc>
+              <a:spcAft>
+                <a:spcPts val="600"/>
+              </a:spcAft>
+              <a:buFont typeface="Arial" panose="020B0604020202020204" pitchFamily="34" charset="0"/>
+              <a:buChar char="•"/>
+            </a:pPr>
+            <a:r>
+              <a:rPr lang="en-US" sz="1600" dirty="0" err="1"/>
+              <a:t>Abgespeichert</a:t>
+            </a:r>
+            <a:r>
+              <a:rPr lang="en-US" sz="1600" dirty="0"/>
+              <a:t> in Google Drive</a:t>
+            </a:r>
+          </a:p>
+          <a:p>
+            <a:pPr indent="-228600" defTabSz="914400">
+              <a:lnSpc>
+                <a:spcPct val="90000"/>
+              </a:lnSpc>
+              <a:spcAft>
+                <a:spcPts val="600"/>
+              </a:spcAft>
+              <a:buFont typeface="Arial" panose="020B0604020202020204" pitchFamily="34" charset="0"/>
+              <a:buChar char="•"/>
+            </a:pPr>
+            <a:r>
+              <a:rPr lang="en-US" sz="1600" dirty="0" err="1"/>
+              <a:t>Gemounted</a:t>
+            </a:r>
+            <a:r>
+              <a:rPr lang="en-US" sz="1600" dirty="0"/>
+              <a:t> und </a:t>
+            </a:r>
+            <a:r>
+              <a:rPr lang="en-US" sz="1600" dirty="0" err="1"/>
+              <a:t>dann</a:t>
+            </a:r>
+            <a:r>
+              <a:rPr lang="en-US" sz="1600" dirty="0"/>
+              <a:t> </a:t>
+            </a:r>
+            <a:r>
+              <a:rPr lang="en-US" sz="1600" dirty="0" err="1"/>
+              <a:t>kopiert</a:t>
+            </a:r>
+            <a:r>
+              <a:rPr lang="en-US" sz="1600" dirty="0"/>
+              <a:t> ins Google </a:t>
+            </a:r>
+            <a:r>
+              <a:rPr lang="en-US" sz="1600" dirty="0" err="1"/>
+              <a:t>Colab</a:t>
+            </a:r>
+            <a:endParaRPr lang="en-US" sz="1600" dirty="0"/>
+          </a:p>
+        </p:txBody>
+      </p:sp>
+      <p:sp>
+        <p:nvSpPr>
+          <p:cNvPr id="7" name="TextBox 6">
+            <a:extLst>
+              <a:ext uri="{FF2B5EF4-FFF2-40B4-BE49-F238E27FC236}">
+                <a16:creationId xmlns:a16="http://schemas.microsoft.com/office/drawing/2014/main" id="{8602EACE-EF98-4A0A-AED0-FD997142D755}"/>
+              </a:ext>
+            </a:extLst>
+          </p:cNvPr>
+          <p:cNvSpPr txBox="1"/>
+          <p:nvPr/>
+        </p:nvSpPr>
+        <p:spPr>
+          <a:xfrm>
+            <a:off x="2931861" y="5251278"/>
+            <a:ext cx="5527040" cy="1407594"/>
+          </a:xfrm>
+          <a:prstGeom prst="rect">
+            <a:avLst/>
+          </a:prstGeom>
+        </p:spPr>
+        <p:txBody>
+          <a:bodyPr vert="horz" lIns="91440" tIns="45720" rIns="91440" bIns="45720" rtlCol="0" anchor="t">
+            <a:noAutofit/>
+          </a:bodyPr>
+          <a:lstStyle>
+            <a:defPPr>
+              <a:defRPr lang="en-US"/>
+            </a:defPPr>
+            <a:lvl1pPr defTabSz="914400">
+              <a:lnSpc>
+                <a:spcPct val="90000"/>
+              </a:lnSpc>
+              <a:spcAft>
+                <a:spcPts val="600"/>
+              </a:spcAft>
+              <a:defRPr sz="1600"/>
+            </a:lvl1pPr>
+          </a:lstStyle>
+          <a:p>
+            <a:r>
+              <a:rPr lang="en-US" sz="2000" b="1" dirty="0"/>
+              <a:t>Preprocessing</a:t>
+            </a:r>
+          </a:p>
+          <a:p>
+            <a:endParaRPr lang="en-US" dirty="0"/>
+          </a:p>
+          <a:p>
+            <a:pPr marL="285750" indent="-285750">
+              <a:buFont typeface="Arial" panose="020B0604020202020204" pitchFamily="34" charset="0"/>
+              <a:buChar char="•"/>
+            </a:pPr>
+            <a:r>
+              <a:rPr lang="en-US" dirty="0" err="1"/>
+              <a:t>Skalierung</a:t>
+            </a:r>
+            <a:r>
+              <a:rPr lang="en-US" dirty="0"/>
+              <a:t> und </a:t>
+            </a:r>
+            <a:r>
+              <a:rPr lang="en-US" dirty="0" err="1"/>
+              <a:t>Bildbearbeitung</a:t>
+            </a:r>
+            <a:r>
+              <a:rPr lang="en-US" dirty="0"/>
+              <a:t> in </a:t>
+            </a:r>
+            <a:r>
+              <a:rPr lang="en-US" dirty="0" err="1"/>
+              <a:t>Tesorflow</a:t>
+            </a:r>
+            <a:r>
+              <a:rPr lang="en-US" dirty="0"/>
+              <a:t> auf </a:t>
+            </a:r>
+            <a:r>
+              <a:rPr lang="en-US" dirty="0" err="1"/>
+              <a:t>Colab</a:t>
+            </a:r>
+            <a:endParaRPr lang="en-US" dirty="0"/>
+          </a:p>
+        </p:txBody>
+      </p:sp>
+    </p:spTree>
+    <p:extLst>
+      <p:ext uri="{BB962C8B-B14F-4D97-AF65-F5344CB8AC3E}">
+        <p14:creationId xmlns:p14="http://schemas.microsoft.com/office/powerpoint/2010/main" val="978932776"/>
+      </p:ext>
+    </p:extLst>
+  </p:cSld>
+  <p:clrMapOvr>
+    <a:overrideClrMapping bg1="dk1" tx1="lt1" bg2="dk2" tx2="lt2" accent1="accent1" accent2="accent2" accent3="accent3" accent4="accent4" accent5="accent5" accent6="accent6" hlink="hlink" folHlink="folHlink"/>
+  </p:clrMapOvr>
+</p:sld>
+</file>
+
+<file path=ppt/slides/slide5.xml><?xml version="1.0" encoding="utf-8"?>
+<p:sld xmlns:a="http://schemas.openxmlformats.org/drawingml/2006/main" xmlns:r="http://schemas.openxmlformats.org/officeDocument/2006/relationships" xmlns:p="http://schemas.openxmlformats.org/presentationml/2006/main">
+  <p:cSld>
+    <p:bg>
+      <p:bgPr>
+        <a:solidFill>
+          <a:schemeClr val="bg1">
+            <a:tint val="95000"/>
+            <a:satMod val="170000"/>
+          </a:schemeClr>
+        </a:solidFill>
+        <a:effectLst/>
+      </p:bgPr>
+    </p:bg>
+    <p:spTree>
+      <p:nvGrpSpPr>
+        <p:cNvPr id="1" name=""/>
+        <p:cNvGrpSpPr/>
+        <p:nvPr/>
+      </p:nvGrpSpPr>
+      <p:grpSpPr>
+        <a:xfrm>
+          <a:off x="0" y="0"/>
+          <a:ext cx="0" cy="0"/>
+          <a:chOff x="0" y="0"/>
+          <a:chExt cx="0" cy="0"/>
+        </a:xfrm>
+      </p:grpSpPr>
+      <p:sp>
+        <p:nvSpPr>
+          <p:cNvPr id="14" name="Freeform: Shape 13">
+            <a:extLst>
+              <a:ext uri="{FF2B5EF4-FFF2-40B4-BE49-F238E27FC236}">
+                <a16:creationId xmlns:a16="http://schemas.microsoft.com/office/drawing/2014/main" id="{4F9857ED-1DEF-4481-AEB4-E7759342AC1A}"/>
+              </a:ext>
+              <a:ext uri="{C183D7F6-B498-43B3-948B-1728B52AA6E4}">
+                <adec:decorative xmlns:adec="http://schemas.microsoft.com/office/drawing/2017/decorative" val="1"/>
+              </a:ext>
+            </a:extLst>
+          </p:cNvPr>
+          <p:cNvSpPr>
+            <a:spLocks noGrp="1" noRot="1" noChangeAspect="1" noMove="1" noResize="1" noEditPoints="1" noAdjustHandles="1" noChangeArrowheads="1" noChangeShapeType="1" noTextEdit="1"/>
+          </p:cNvSpPr>
+          <p:nvPr>
+            <p:extLst>
+              <p:ext uri="{386F3935-93C4-4BCD-93E2-E3B085C9AB24}">
+                <p16:designElem xmlns:p16="http://schemas.microsoft.com/office/powerpoint/2015/main" val="1"/>
+              </p:ext>
+            </p:extLst>
+          </p:nvPr>
+        </p:nvSpPr>
+        <p:spPr>
+          <a:xfrm flipH="1">
+            <a:off x="1" y="0"/>
+            <a:ext cx="5457275" cy="6858000"/>
+          </a:xfrm>
+          <a:custGeom>
+            <a:avLst/>
+            <a:gdLst>
+              <a:gd name="connsiteX0" fmla="*/ 5457275 w 5457275"/>
+              <a:gd name="connsiteY0" fmla="*/ 0 h 6858000"/>
+              <a:gd name="connsiteX1" fmla="*/ 361354 w 5457275"/>
+              <a:gd name="connsiteY1" fmla="*/ 0 h 6858000"/>
+              <a:gd name="connsiteX2" fmla="*/ 335637 w 5457275"/>
+              <a:gd name="connsiteY2" fmla="*/ 94722 h 6858000"/>
+              <a:gd name="connsiteX3" fmla="*/ 690849 w 5457275"/>
+              <a:gd name="connsiteY3" fmla="*/ 6842426 h 6858000"/>
+              <a:gd name="connsiteX4" fmla="*/ 696735 w 5457275"/>
+              <a:gd name="connsiteY4" fmla="*/ 6858000 h 6858000"/>
+              <a:gd name="connsiteX5" fmla="*/ 5457275 w 5457275"/>
+              <a:gd name="connsiteY5" fmla="*/ 6858000 h 6858000"/>
+            </a:gdLst>
+            <a:ahLst/>
+            <a:cxnLst>
+              <a:cxn ang="0">
+                <a:pos x="connsiteX0" y="connsiteY0"/>
+              </a:cxn>
+              <a:cxn ang="0">
+                <a:pos x="connsiteX1" y="connsiteY1"/>
+              </a:cxn>
+              <a:cxn ang="0">
+                <a:pos x="connsiteX2" y="connsiteY2"/>
+              </a:cxn>
+              <a:cxn ang="0">
+                <a:pos x="connsiteX3" y="connsiteY3"/>
+              </a:cxn>
+              <a:cxn ang="0">
+                <a:pos x="connsiteX4" y="connsiteY4"/>
+              </a:cxn>
+              <a:cxn ang="0">
+                <a:pos x="connsiteX5" y="connsiteY5"/>
+              </a:cxn>
+            </a:cxnLst>
+            <a:rect l="l" t="t" r="r" b="b"/>
+            <a:pathLst>
+              <a:path w="5457275" h="6858000">
+                <a:moveTo>
+                  <a:pt x="5457275" y="0"/>
+                </a:moveTo>
+                <a:lnTo>
+                  <a:pt x="361354" y="0"/>
+                </a:lnTo>
+                <a:lnTo>
+                  <a:pt x="335637" y="94722"/>
+                </a:lnTo>
+                <a:cubicBezTo>
+                  <a:pt x="-226206" y="2374054"/>
+                  <a:pt x="-65870" y="4704140"/>
+                  <a:pt x="690849" y="6842426"/>
+                </a:cubicBezTo>
+                <a:lnTo>
+                  <a:pt x="696735" y="6858000"/>
+                </a:lnTo>
+                <a:lnTo>
+                  <a:pt x="5457275" y="6858000"/>
+                </a:lnTo>
+                <a:close/>
+              </a:path>
+            </a:pathLst>
+          </a:custGeom>
+          <a:solidFill>
+            <a:schemeClr val="tx1">
+              <a:alpha val="80000"/>
+            </a:schemeClr>
+          </a:solidFill>
+          <a:ln>
+            <a:noFill/>
+          </a:ln>
+        </p:spPr>
+        <p:style>
+          <a:lnRef idx="2">
+            <a:schemeClr val="accent1">
+              <a:shade val="50000"/>
+            </a:schemeClr>
+          </a:lnRef>
+          <a:fillRef idx="1">
+            <a:schemeClr val="accent1"/>
+          </a:fillRef>
+          <a:effectRef idx="0">
+            <a:schemeClr val="accent1"/>
+          </a:effectRef>
+          <a:fontRef idx="minor">
+            <a:schemeClr val="lt1"/>
+          </a:fontRef>
+        </p:style>
+        <p:txBody>
+          <a:bodyPr wrap="square" rtlCol="0" anchor="ctr">
+            <a:noAutofit/>
+          </a:bodyPr>
+          <a:lstStyle/>
+          <a:p>
+            <a:pPr algn="ctr"/>
+            <a:endParaRPr lang="en-US"/>
+          </a:p>
+        </p:txBody>
+      </p:sp>
+      <p:sp>
+        <p:nvSpPr>
+          <p:cNvPr id="16" name="Freeform: Shape 15">
+            <a:extLst>
+              <a:ext uri="{FF2B5EF4-FFF2-40B4-BE49-F238E27FC236}">
+                <a16:creationId xmlns:a16="http://schemas.microsoft.com/office/drawing/2014/main" id="{D6E4FBE1-8E8A-42A6-B693-88C8979D80EA}"/>
+              </a:ext>
+              <a:ext uri="{C183D7F6-B498-43B3-948B-1728B52AA6E4}">
+                <adec:decorative xmlns:adec="http://schemas.microsoft.com/office/drawing/2017/decorative" val="1"/>
+              </a:ext>
+            </a:extLst>
+          </p:cNvPr>
+          <p:cNvSpPr>
+            <a:spLocks noGrp="1" noRot="1" noChangeAspect="1" noMove="1" noResize="1" noEditPoints="1" noAdjustHandles="1" noChangeArrowheads="1" noChangeShapeType="1" noTextEdit="1"/>
+          </p:cNvSpPr>
+          <p:nvPr>
+            <p:extLst>
+              <p:ext uri="{386F3935-93C4-4BCD-93E2-E3B085C9AB24}">
+                <p16:designElem xmlns:p16="http://schemas.microsoft.com/office/powerpoint/2015/main" val="1"/>
+              </p:ext>
+            </p:extLst>
+          </p:nvPr>
+        </p:nvSpPr>
+        <p:spPr>
+          <a:xfrm flipH="1">
+            <a:off x="1" y="0"/>
+            <a:ext cx="5228693" cy="6858000"/>
+          </a:xfrm>
+          <a:custGeom>
+            <a:avLst/>
+            <a:gdLst>
+              <a:gd name="connsiteX0" fmla="*/ 5228693 w 5228693"/>
+              <a:gd name="connsiteY0" fmla="*/ 0 h 6858000"/>
+              <a:gd name="connsiteX1" fmla="*/ 371685 w 5228693"/>
+              <a:gd name="connsiteY1" fmla="*/ 1 h 6858000"/>
+              <a:gd name="connsiteX2" fmla="*/ 319533 w 5228693"/>
+              <a:gd name="connsiteY2" fmla="*/ 193787 h 6858000"/>
+              <a:gd name="connsiteX3" fmla="*/ 623642 w 5228693"/>
+              <a:gd name="connsiteY3" fmla="*/ 6599363 h 6858000"/>
+              <a:gd name="connsiteX4" fmla="*/ 717029 w 5228693"/>
+              <a:gd name="connsiteY4" fmla="*/ 6858000 h 6858000"/>
+              <a:gd name="connsiteX5" fmla="*/ 5228693 w 5228693"/>
+              <a:gd name="connsiteY5" fmla="*/ 6858000 h 6858000"/>
+            </a:gdLst>
+            <a:ahLst/>
+            <a:cxnLst>
+              <a:cxn ang="0">
+                <a:pos x="connsiteX0" y="connsiteY0"/>
+              </a:cxn>
+              <a:cxn ang="0">
+                <a:pos x="connsiteX1" y="connsiteY1"/>
+              </a:cxn>
+              <a:cxn ang="0">
+                <a:pos x="connsiteX2" y="connsiteY2"/>
+              </a:cxn>
+              <a:cxn ang="0">
+                <a:pos x="connsiteX3" y="connsiteY3"/>
+              </a:cxn>
+              <a:cxn ang="0">
+                <a:pos x="connsiteX4" y="connsiteY4"/>
+              </a:cxn>
+              <a:cxn ang="0">
+                <a:pos x="connsiteX5" y="connsiteY5"/>
+              </a:cxn>
+            </a:cxnLst>
+            <a:rect l="l" t="t" r="r" b="b"/>
+            <a:pathLst>
+              <a:path w="5228693" h="6858000">
+                <a:moveTo>
+                  <a:pt x="5228693" y="0"/>
+                </a:moveTo>
+                <a:lnTo>
+                  <a:pt x="371685" y="1"/>
+                </a:lnTo>
+                <a:lnTo>
+                  <a:pt x="319533" y="193787"/>
+                </a:lnTo>
+                <a:cubicBezTo>
+                  <a:pt x="-206622" y="2355719"/>
+                  <a:pt x="-67685" y="4563346"/>
+                  <a:pt x="623642" y="6599363"/>
+                </a:cubicBezTo>
+                <a:lnTo>
+                  <a:pt x="717029" y="6858000"/>
+                </a:lnTo>
+                <a:lnTo>
+                  <a:pt x="5228693" y="6858000"/>
+                </a:lnTo>
+                <a:close/>
+              </a:path>
+            </a:pathLst>
+          </a:custGeom>
+          <a:solidFill>
+            <a:schemeClr val="bg1">
+              <a:lumMod val="65000"/>
+              <a:lumOff val="35000"/>
+            </a:schemeClr>
+          </a:solidFill>
+          <a:ln>
+            <a:noFill/>
+          </a:ln>
+        </p:spPr>
+        <p:style>
+          <a:lnRef idx="2">
+            <a:schemeClr val="accent1">
+              <a:shade val="50000"/>
+            </a:schemeClr>
+          </a:lnRef>
+          <a:fillRef idx="1">
+            <a:schemeClr val="accent1"/>
+          </a:fillRef>
+          <a:effectRef idx="0">
+            <a:schemeClr val="accent1"/>
+          </a:effectRef>
+          <a:fontRef idx="minor">
+            <a:schemeClr val="lt1"/>
+          </a:fontRef>
+        </p:style>
+        <p:txBody>
+          <a:bodyPr wrap="square" rtlCol="0" anchor="ctr">
+            <a:noAutofit/>
+          </a:bodyPr>
+          <a:lstStyle/>
+          <a:p>
+            <a:pPr algn="ctr"/>
+            <a:endParaRPr lang="en-US"/>
+          </a:p>
+        </p:txBody>
+      </p:sp>
+      <p:sp>
+        <p:nvSpPr>
+          <p:cNvPr id="2" name="Title 1">
+            <a:extLst>
+              <a:ext uri="{FF2B5EF4-FFF2-40B4-BE49-F238E27FC236}">
+                <a16:creationId xmlns:a16="http://schemas.microsoft.com/office/drawing/2014/main" id="{2FE2B068-D513-4746-A216-2D4652C813C1}"/>
+              </a:ext>
+            </a:extLst>
+          </p:cNvPr>
+          <p:cNvSpPr>
+            <a:spLocks noGrp="1"/>
+          </p:cNvSpPr>
+          <p:nvPr>
+            <p:ph type="title"/>
+          </p:nvPr>
+        </p:nvSpPr>
+        <p:spPr>
+          <a:xfrm>
+            <a:off x="538276" y="639502"/>
+            <a:ext cx="3820669" cy="1585538"/>
+          </a:xfrm>
+        </p:spPr>
+        <p:txBody>
+          <a:bodyPr vert="horz" lIns="91440" tIns="45720" rIns="91440" bIns="45720" rtlCol="0" anchor="t">
+            <a:noAutofit/>
+          </a:bodyPr>
+          <a:lstStyle/>
+          <a:p>
+            <a:r>
+              <a:rPr lang="en-US" kern="1200" dirty="0" err="1">
+                <a:solidFill>
+                  <a:schemeClr val="tx1"/>
+                </a:solidFill>
+                <a:latin typeface="+mj-lt"/>
+                <a:ea typeface="+mj-ea"/>
+                <a:cs typeface="+mj-cs"/>
+              </a:rPr>
+              <a:t>Eigenes</a:t>
+            </a:r>
+            <a:r>
+              <a:rPr lang="en-US" kern="1200" dirty="0">
+                <a:solidFill>
+                  <a:schemeClr val="tx1"/>
+                </a:solidFill>
+                <a:latin typeface="+mj-lt"/>
+                <a:ea typeface="+mj-ea"/>
+                <a:cs typeface="+mj-cs"/>
+              </a:rPr>
+              <a:t> Modell </a:t>
+            </a:r>
+            <a:r>
+              <a:rPr lang="en-US" kern="1200" dirty="0" err="1">
+                <a:solidFill>
+                  <a:schemeClr val="tx1"/>
+                </a:solidFill>
+                <a:latin typeface="+mj-lt"/>
+                <a:ea typeface="+mj-ea"/>
+                <a:cs typeface="+mj-cs"/>
+              </a:rPr>
+              <a:t>aufstellen</a:t>
+            </a:r>
+            <a:endParaRPr lang="en-US" kern="1200" dirty="0">
+              <a:solidFill>
+                <a:schemeClr val="tx1"/>
+              </a:solidFill>
+              <a:latin typeface="+mj-lt"/>
+              <a:ea typeface="+mj-ea"/>
+              <a:cs typeface="+mj-cs"/>
+            </a:endParaRPr>
+          </a:p>
+        </p:txBody>
+      </p:sp>
+      <p:sp>
+        <p:nvSpPr>
+          <p:cNvPr id="4" name="TextBox 3">
+            <a:extLst>
+              <a:ext uri="{FF2B5EF4-FFF2-40B4-BE49-F238E27FC236}">
+                <a16:creationId xmlns:a16="http://schemas.microsoft.com/office/drawing/2014/main" id="{FEB12D3A-6E7C-45B7-94AD-F83E5DBB7CFE}"/>
+              </a:ext>
+            </a:extLst>
+          </p:cNvPr>
+          <p:cNvSpPr txBox="1"/>
+          <p:nvPr/>
+        </p:nvSpPr>
+        <p:spPr>
+          <a:xfrm>
+            <a:off x="5995551" y="386080"/>
+            <a:ext cx="5770350" cy="6065520"/>
+          </a:xfrm>
+          <a:prstGeom prst="rect">
+            <a:avLst/>
+          </a:prstGeom>
+        </p:spPr>
+        <p:txBody>
+          <a:bodyPr vert="horz" lIns="91440" tIns="45720" rIns="91440" bIns="45720" rtlCol="0" anchor="ctr">
+            <a:noAutofit/>
+          </a:bodyPr>
+          <a:lstStyle/>
+          <a:p>
+            <a:pPr indent="-228600" defTabSz="914400">
+              <a:lnSpc>
+                <a:spcPct val="90000"/>
+              </a:lnSpc>
+              <a:spcAft>
+                <a:spcPts val="600"/>
+              </a:spcAft>
+              <a:buFont typeface="Arial" panose="020B0604020202020204" pitchFamily="34" charset="0"/>
+              <a:buChar char="•"/>
+            </a:pPr>
+            <a:r>
+              <a:rPr lang="en-US" sz="1100" b="0" i="0" dirty="0">
+                <a:solidFill>
+                  <a:srgbClr val="D5D5D5"/>
+                </a:solidFill>
+                <a:effectLst/>
+                <a:latin typeface="Courier New" panose="02070309020205020404" pitchFamily="49" charset="0"/>
+              </a:rPr>
+              <a:t>Model: "sequential_1" _________________________________________________________________ Layer (type) Output Shape Param # ================================================================= conv2d_2 (Conv2D) (None, 224, 224, 8) 224 _________________________________________________________________ activation_4 (Activation) (None, 224, 224, 8) 0 _________________________________________________________________ conv2d_3 (Conv2D) (None, 224, 224, 8) 584 _________________________________________________________________ activation_5 (Activation) (None, 224, 224, 8) 0 _________________________________________________________________ max_pooling2d_1 (MaxPooling2 (None, 112, 112, 8) 0 _________________________________________________________________ flatten_1 (Flatten) (None, 100352) 0 _________________________________________________________________ dropout_1 (Dropout) (None, 100352) 0 _________________________________________________________________ dense_2 (Dense) (None, 40) 4014120 _________________________________________________________________ activation_6 (Activation) (None, 40) 0 _________________________________________________________________ dense_3 (Dense) (None, 42) 1722 _________________________________________________________________ activation_7 (Activation) (None, 42) 0 ================================================================= Total params: 4,016,650 Trainable params: 4,016,650 Non-trainable params: 0 _________________________________________________________________</a:t>
+            </a:r>
+            <a:endParaRPr lang="en-US" sz="1100" dirty="0"/>
+          </a:p>
+        </p:txBody>
+      </p:sp>
+      <p:sp>
+        <p:nvSpPr>
+          <p:cNvPr id="6" name="TextBox 5">
+            <a:extLst>
+              <a:ext uri="{FF2B5EF4-FFF2-40B4-BE49-F238E27FC236}">
+                <a16:creationId xmlns:a16="http://schemas.microsoft.com/office/drawing/2014/main" id="{9FF69E0E-7490-49C2-BA30-AF16EDEAA113}"/>
+              </a:ext>
+            </a:extLst>
+          </p:cNvPr>
+          <p:cNvSpPr txBox="1"/>
+          <p:nvPr/>
+        </p:nvSpPr>
+        <p:spPr>
+          <a:xfrm>
+            <a:off x="585574" y="2536448"/>
+            <a:ext cx="4643120" cy="1785104"/>
+          </a:xfrm>
+          <a:prstGeom prst="rect">
+            <a:avLst/>
+          </a:prstGeom>
+          <a:noFill/>
+        </p:spPr>
+        <p:txBody>
+          <a:bodyPr wrap="square">
+            <a:noAutofit/>
+          </a:bodyPr>
+          <a:lstStyle/>
+          <a:p>
+            <a:pPr>
+              <a:spcAft>
+                <a:spcPts val="600"/>
+              </a:spcAft>
+            </a:pPr>
+            <a:r>
+              <a:rPr lang="en-US" b="0" dirty="0">
+                <a:effectLst/>
+                <a:latin typeface="Courier New" panose="02070309020205020404" pitchFamily="49" charset="0"/>
+              </a:rPr>
+              <a:t>CNN </a:t>
+            </a:r>
+            <a:r>
+              <a:rPr lang="en-US" b="0" dirty="0" err="1">
+                <a:effectLst/>
+                <a:latin typeface="Courier New" panose="02070309020205020404" pitchFamily="49" charset="0"/>
+              </a:rPr>
+              <a:t>mit</a:t>
+            </a:r>
+            <a:r>
+              <a:rPr lang="en-US" b="0" dirty="0">
+                <a:effectLst/>
+                <a:latin typeface="Courier New" panose="02070309020205020404" pitchFamily="49" charset="0"/>
+              </a:rPr>
+              <a:t> </a:t>
+            </a:r>
+          </a:p>
+          <a:p>
+            <a:pPr>
+              <a:spcAft>
+                <a:spcPts val="600"/>
+              </a:spcAft>
+            </a:pPr>
+            <a:r>
+              <a:rPr lang="en-US" b="0" dirty="0">
+                <a:effectLst/>
+                <a:latin typeface="Courier New" panose="02070309020205020404" pitchFamily="49" charset="0"/>
+              </a:rPr>
+              <a:t>2 convolution blocks </a:t>
+            </a:r>
+          </a:p>
+          <a:p>
+            <a:pPr>
+              <a:spcAft>
+                <a:spcPts val="600"/>
+              </a:spcAft>
+            </a:pPr>
+            <a:r>
+              <a:rPr lang="en-US" b="0" dirty="0">
+                <a:effectLst/>
+                <a:latin typeface="Courier New" panose="02070309020205020404" pitchFamily="49" charset="0"/>
+              </a:rPr>
+              <a:t>2 fully connected layers</a:t>
+            </a:r>
+          </a:p>
+          <a:p>
+            <a:pPr>
+              <a:spcAft>
+                <a:spcPts val="600"/>
+              </a:spcAft>
+            </a:pPr>
+            <a:r>
+              <a:rPr lang="en-US" b="0" dirty="0">
+                <a:effectLst/>
+                <a:latin typeface="Courier New" panose="02070309020205020404" pitchFamily="49" charset="0"/>
+              </a:rPr>
+              <a:t>1 </a:t>
+            </a:r>
+            <a:r>
+              <a:rPr lang="en-US" b="0" dirty="0" err="1">
+                <a:effectLst/>
+                <a:latin typeface="Courier New" panose="02070309020205020404" pitchFamily="49" charset="0"/>
+              </a:rPr>
+              <a:t>MaxPooling</a:t>
+            </a:r>
+            <a:r>
+              <a:rPr lang="en-US" b="0" dirty="0">
+                <a:effectLst/>
+                <a:latin typeface="Courier New" panose="02070309020205020404" pitchFamily="49" charset="0"/>
+              </a:rPr>
+              <a:t> layers</a:t>
+            </a:r>
+          </a:p>
+          <a:p>
+            <a:pPr>
+              <a:spcAft>
+                <a:spcPts val="600"/>
+              </a:spcAft>
+            </a:pPr>
+            <a:r>
+              <a:rPr lang="en-US" dirty="0">
+                <a:latin typeface="Courier New" panose="02070309020205020404" pitchFamily="49" charset="0"/>
+              </a:rPr>
+              <a:t>1</a:t>
+            </a:r>
+            <a:r>
+              <a:rPr lang="en-US" b="0" dirty="0">
+                <a:effectLst/>
+                <a:latin typeface="Courier New" panose="02070309020205020404" pitchFamily="49" charset="0"/>
+              </a:rPr>
+              <a:t> Dropout layer</a:t>
+            </a:r>
+          </a:p>
+        </p:txBody>
+      </p:sp>
+      <p:sp>
+        <p:nvSpPr>
+          <p:cNvPr id="9" name="TextBox 8">
+            <a:extLst>
+              <a:ext uri="{FF2B5EF4-FFF2-40B4-BE49-F238E27FC236}">
+                <a16:creationId xmlns:a16="http://schemas.microsoft.com/office/drawing/2014/main" id="{798F77ED-A8DC-4B86-B3AE-74EDCAF5BA9E}"/>
+              </a:ext>
+            </a:extLst>
+          </p:cNvPr>
+          <p:cNvSpPr txBox="1"/>
+          <p:nvPr/>
+        </p:nvSpPr>
+        <p:spPr>
+          <a:xfrm>
+            <a:off x="585574" y="4575592"/>
+            <a:ext cx="4145046" cy="2139047"/>
+          </a:xfrm>
+          <a:prstGeom prst="rect">
+            <a:avLst/>
+          </a:prstGeom>
+          <a:noFill/>
+        </p:spPr>
+        <p:txBody>
+          <a:bodyPr wrap="square">
+            <a:noAutofit/>
+          </a:bodyPr>
+          <a:lstStyle/>
+          <a:p>
+            <a:pPr>
+              <a:spcAft>
+                <a:spcPts val="600"/>
+              </a:spcAft>
+            </a:pPr>
+            <a:r>
+              <a:rPr lang="en-US" dirty="0" err="1">
+                <a:latin typeface="Courier New" panose="02070309020205020404" pitchFamily="49" charset="0"/>
+              </a:rPr>
+              <a:t>input_shape</a:t>
+            </a:r>
+            <a:r>
+              <a:rPr lang="en-US" dirty="0">
+                <a:latin typeface="Courier New" panose="02070309020205020404" pitchFamily="49" charset="0"/>
+              </a:rPr>
+              <a:t> = (112, 112, 3)</a:t>
+            </a:r>
+          </a:p>
+          <a:p>
+            <a:pPr>
+              <a:spcAft>
+                <a:spcPts val="600"/>
+              </a:spcAft>
+            </a:pPr>
+            <a:r>
+              <a:rPr lang="en-US" b="0" dirty="0" err="1">
+                <a:effectLst/>
+                <a:latin typeface="Courier New" panose="02070309020205020404" pitchFamily="49" charset="0"/>
+              </a:rPr>
+              <a:t>batch_size</a:t>
+            </a:r>
+            <a:r>
+              <a:rPr lang="en-US" b="0" dirty="0">
+                <a:effectLst/>
+                <a:latin typeface="Courier New" panose="02070309020205020404" pitchFamily="49" charset="0"/>
+              </a:rPr>
+              <a:t> = </a:t>
+            </a:r>
+            <a:r>
+              <a:rPr lang="en-US" dirty="0">
+                <a:latin typeface="Courier New" panose="02070309020205020404" pitchFamily="49" charset="0"/>
+              </a:rPr>
+              <a:t>32</a:t>
+            </a:r>
+            <a:endParaRPr lang="en-US" b="0" dirty="0">
+              <a:effectLst/>
+              <a:latin typeface="Courier New" panose="02070309020205020404" pitchFamily="49" charset="0"/>
+            </a:endParaRPr>
+          </a:p>
+          <a:p>
+            <a:pPr>
+              <a:spcAft>
+                <a:spcPts val="600"/>
+              </a:spcAft>
+            </a:pPr>
+            <a:r>
+              <a:rPr lang="en-US" b="0" dirty="0" err="1">
+                <a:effectLst/>
+                <a:latin typeface="Courier New" panose="02070309020205020404" pitchFamily="49" charset="0"/>
+              </a:rPr>
+              <a:t>nb_classes</a:t>
+            </a:r>
+            <a:r>
+              <a:rPr lang="en-US" b="0" dirty="0">
+                <a:effectLst/>
+                <a:latin typeface="Courier New" panose="02070309020205020404" pitchFamily="49" charset="0"/>
+              </a:rPr>
+              <a:t> = 42</a:t>
+            </a:r>
+          </a:p>
+          <a:p>
+            <a:pPr>
+              <a:spcAft>
+                <a:spcPts val="600"/>
+              </a:spcAft>
+            </a:pPr>
+            <a:r>
+              <a:rPr lang="en-US" b="0" dirty="0" err="1">
+                <a:effectLst/>
+                <a:latin typeface="Courier New" panose="02070309020205020404" pitchFamily="49" charset="0"/>
+              </a:rPr>
+              <a:t>kernel_size</a:t>
+            </a:r>
+            <a:r>
+              <a:rPr lang="en-US" b="0" dirty="0">
+                <a:effectLst/>
+                <a:latin typeface="Courier New" panose="02070309020205020404" pitchFamily="49" charset="0"/>
+              </a:rPr>
+              <a:t> = (3, 3)</a:t>
+            </a:r>
+          </a:p>
+          <a:p>
+            <a:pPr>
+              <a:spcAft>
+                <a:spcPts val="600"/>
+              </a:spcAft>
+            </a:pPr>
+            <a:r>
+              <a:rPr lang="en-US" b="0" dirty="0" err="1">
+                <a:effectLst/>
+                <a:latin typeface="Courier New" panose="02070309020205020404" pitchFamily="49" charset="0"/>
+              </a:rPr>
+              <a:t>pool_size</a:t>
+            </a:r>
+            <a:r>
+              <a:rPr lang="en-US" b="0" dirty="0">
+                <a:effectLst/>
+                <a:latin typeface="Courier New" panose="02070309020205020404" pitchFamily="49" charset="0"/>
+              </a:rPr>
+              <a:t> = (2, 2</a:t>
+            </a:r>
+            <a:r>
+              <a:rPr lang="en-US" dirty="0">
+                <a:latin typeface="Courier New" panose="02070309020205020404" pitchFamily="49" charset="0"/>
+              </a:rPr>
+              <a:t>)</a:t>
+            </a:r>
+          </a:p>
+          <a:p>
+            <a:pPr>
+              <a:spcAft>
+                <a:spcPts val="600"/>
+              </a:spcAft>
+            </a:pPr>
+            <a:endParaRPr lang="en-US" b="0" dirty="0">
+              <a:effectLst/>
+              <a:latin typeface="Courier New" panose="02070309020205020404" pitchFamily="49" charset="0"/>
+            </a:endParaRPr>
+          </a:p>
+        </p:txBody>
+      </p:sp>
+    </p:spTree>
+    <p:extLst>
+      <p:ext uri="{BB962C8B-B14F-4D97-AF65-F5344CB8AC3E}">
+        <p14:creationId xmlns:p14="http://schemas.microsoft.com/office/powerpoint/2010/main" val="385341544"/>
+      </p:ext>
+    </p:extLst>
+  </p:cSld>
+  <p:clrMapOvr>
+    <a:overrideClrMapping bg1="dk1" tx1="lt1" bg2="dk2" tx2="lt2" accent1="accent1" accent2="accent2" accent3="accent3" accent4="accent4" accent5="accent5" accent6="accent6" hlink="hlink" folHlink="folHlink"/>
+  </p:clrMapOvr>
+</p:sld>
+</file>
+
+<file path=ppt/slides/slide6.xml><?xml version="1.0" encoding="utf-8"?>
+<p:sld xmlns:a="http://schemas.openxmlformats.org/drawingml/2006/main" xmlns:r="http://schemas.openxmlformats.org/officeDocument/2006/relationships" xmlns:p="http://schemas.openxmlformats.org/presentationml/2006/main">
+  <p:cSld>
+    <p:bg>
+      <p:bgPr>
+        <a:solidFill>
+          <a:schemeClr val="bg1">
+            <a:tint val="95000"/>
+            <a:satMod val="170000"/>
+          </a:schemeClr>
+        </a:solidFill>
+        <a:effectLst/>
+      </p:bgPr>
+    </p:bg>
+    <p:spTree>
+      <p:nvGrpSpPr>
+        <p:cNvPr id="1" name=""/>
+        <p:cNvGrpSpPr/>
+        <p:nvPr/>
+      </p:nvGrpSpPr>
+      <p:grpSpPr>
+        <a:xfrm>
+          <a:off x="0" y="0"/>
+          <a:ext cx="0" cy="0"/>
+          <a:chOff x="0" y="0"/>
+          <a:chExt cx="0" cy="0"/>
+        </a:xfrm>
+      </p:grpSpPr>
+      <p:sp>
+        <p:nvSpPr>
+          <p:cNvPr id="2" name="Title 1">
+            <a:extLst>
+              <a:ext uri="{FF2B5EF4-FFF2-40B4-BE49-F238E27FC236}">
+                <a16:creationId xmlns:a16="http://schemas.microsoft.com/office/drawing/2014/main" id="{E8CDB10C-6AD6-4598-9824-6579D2F63146}"/>
+              </a:ext>
+            </a:extLst>
+          </p:cNvPr>
+          <p:cNvSpPr>
+            <a:spLocks noGrp="1"/>
+          </p:cNvSpPr>
+          <p:nvPr>
+            <p:ph type="title"/>
+          </p:nvPr>
+        </p:nvSpPr>
+        <p:spPr>
+          <a:xfrm>
+            <a:off x="762001" y="803325"/>
+            <a:ext cx="5314536" cy="1325563"/>
+          </a:xfrm>
+        </p:spPr>
+        <p:txBody>
+          <a:bodyPr vert="horz" lIns="91440" tIns="45720" rIns="91440" bIns="45720" rtlCol="0" anchor="ctr">
+            <a:noAutofit/>
+          </a:bodyPr>
+          <a:lstStyle/>
+          <a:p>
+            <a:r>
+              <a:rPr lang="en-US" kern="1200" dirty="0" err="1">
+                <a:solidFill>
+                  <a:schemeClr val="tx1"/>
+                </a:solidFill>
+                <a:latin typeface="+mj-lt"/>
+                <a:ea typeface="+mj-ea"/>
+                <a:cs typeface="+mj-cs"/>
+              </a:rPr>
+              <a:t>Resultat</a:t>
+            </a:r>
+            <a:r>
+              <a:rPr lang="en-US" kern="1200" dirty="0">
+                <a:solidFill>
+                  <a:schemeClr val="tx1"/>
+                </a:solidFill>
+                <a:latin typeface="+mj-lt"/>
+                <a:ea typeface="+mj-ea"/>
+                <a:cs typeface="+mj-cs"/>
+              </a:rPr>
+              <a:t> und </a:t>
+            </a:r>
+            <a:r>
+              <a:rPr lang="en-US" kern="1200" dirty="0" err="1">
+                <a:solidFill>
+                  <a:schemeClr val="tx1"/>
+                </a:solidFill>
+                <a:latin typeface="+mj-lt"/>
+                <a:ea typeface="+mj-ea"/>
+                <a:cs typeface="+mj-cs"/>
+              </a:rPr>
+              <a:t>Einschätzung</a:t>
+            </a:r>
+            <a:endParaRPr lang="en-US" kern="1200" dirty="0">
+              <a:solidFill>
+                <a:schemeClr val="tx1"/>
+              </a:solidFill>
+              <a:latin typeface="+mj-lt"/>
+              <a:ea typeface="+mj-ea"/>
+              <a:cs typeface="+mj-cs"/>
+            </a:endParaRPr>
+          </a:p>
+        </p:txBody>
+      </p:sp>
+      <p:sp>
+        <p:nvSpPr>
+          <p:cNvPr id="4" name="TextBox 3">
+            <a:extLst>
+              <a:ext uri="{FF2B5EF4-FFF2-40B4-BE49-F238E27FC236}">
+                <a16:creationId xmlns:a16="http://schemas.microsoft.com/office/drawing/2014/main" id="{DDD259F1-643B-466F-8804-6BAFABA68208}"/>
+              </a:ext>
+            </a:extLst>
+          </p:cNvPr>
+          <p:cNvSpPr txBox="1"/>
+          <p:nvPr/>
+        </p:nvSpPr>
+        <p:spPr>
+          <a:xfrm>
+            <a:off x="762000" y="2279017"/>
+            <a:ext cx="5314543" cy="2450095"/>
+          </a:xfrm>
+          <a:prstGeom prst="rect">
+            <a:avLst/>
+          </a:prstGeom>
+        </p:spPr>
+        <p:txBody>
+          <a:bodyPr vert="horz" lIns="91440" tIns="45720" rIns="91440" bIns="45720" rtlCol="0" anchor="t">
+            <a:noAutofit/>
+          </a:bodyPr>
+          <a:lstStyle>
+            <a:defPPr>
+              <a:defRPr lang="en-US"/>
+            </a:defPPr>
+            <a:lvl1pPr defTabSz="914400">
+              <a:lnSpc>
+                <a:spcPct val="90000"/>
+              </a:lnSpc>
+              <a:spcAft>
+                <a:spcPts val="600"/>
+              </a:spcAft>
+              <a:defRPr sz="1600"/>
+            </a:lvl1pPr>
+          </a:lstStyle>
+          <a:p>
+            <a:pPr marL="228600" indent="-228600">
+              <a:buFont typeface="Arial" panose="020B0604020202020204" pitchFamily="34" charset="0"/>
+              <a:buChar char="•"/>
+            </a:pPr>
+            <a:r>
+              <a:rPr lang="en-US" sz="1200" dirty="0"/>
+              <a:t>Auf </a:t>
+            </a:r>
+            <a:r>
+              <a:rPr lang="en-US" sz="1200" dirty="0" err="1"/>
+              <a:t>kleinem</a:t>
+            </a:r>
+            <a:r>
+              <a:rPr lang="en-US" sz="1200" dirty="0"/>
+              <a:t> </a:t>
+            </a:r>
+            <a:r>
+              <a:rPr lang="en-US" sz="1200" dirty="0" err="1"/>
+              <a:t>Testdatensatz</a:t>
+            </a:r>
+            <a:r>
+              <a:rPr lang="en-US" sz="1200" dirty="0"/>
+              <a:t> </a:t>
+            </a:r>
+            <a:r>
+              <a:rPr lang="en-US" sz="1200" dirty="0" err="1"/>
+              <a:t>gutes</a:t>
+            </a:r>
+            <a:r>
+              <a:rPr lang="en-US" sz="1200" dirty="0"/>
+              <a:t> </a:t>
+            </a:r>
+            <a:r>
+              <a:rPr lang="en-US" sz="1200" dirty="0" err="1"/>
+              <a:t>Resultat</a:t>
+            </a:r>
+            <a:r>
+              <a:rPr lang="en-US" sz="1200" dirty="0"/>
+              <a:t> </a:t>
+            </a:r>
+            <a:r>
+              <a:rPr lang="en-US" sz="1200" dirty="0" err="1"/>
+              <a:t>erzielt</a:t>
+            </a:r>
+            <a:r>
+              <a:rPr lang="en-US" sz="1200" dirty="0"/>
+              <a:t> </a:t>
+            </a:r>
+            <a:r>
+              <a:rPr lang="en-US" sz="1200" dirty="0" err="1"/>
+              <a:t>mit</a:t>
+            </a:r>
+            <a:r>
+              <a:rPr lang="en-US" sz="1200" dirty="0"/>
+              <a:t> 89% precision und recall – </a:t>
+            </a:r>
+            <a:r>
+              <a:rPr lang="en-US" sz="1200" dirty="0" err="1"/>
+              <a:t>aber</a:t>
+            </a:r>
+            <a:r>
+              <a:rPr lang="en-US" sz="1200" dirty="0"/>
+              <a:t> </a:t>
+            </a:r>
+            <a:r>
+              <a:rPr lang="en-US" sz="1200" dirty="0" err="1"/>
+              <a:t>leichtem</a:t>
+            </a:r>
+            <a:r>
+              <a:rPr lang="en-US" sz="1200" dirty="0"/>
+              <a:t> Overfitting</a:t>
+            </a:r>
+          </a:p>
+          <a:p>
+            <a:pPr marL="228600" indent="-228600">
+              <a:buFont typeface="Arial" panose="020B0604020202020204" pitchFamily="34" charset="0"/>
+              <a:buChar char="•"/>
+            </a:pPr>
+            <a:endParaRPr lang="en-US" sz="1200" dirty="0"/>
+          </a:p>
+          <a:p>
+            <a:pPr marL="228600" indent="-228600">
+              <a:buFont typeface="Arial" panose="020B0604020202020204" pitchFamily="34" charset="0"/>
+              <a:buChar char="•"/>
+            </a:pPr>
+            <a:r>
+              <a:rPr lang="en-US" sz="1200" dirty="0"/>
+              <a:t>Auf </a:t>
+            </a:r>
+            <a:r>
+              <a:rPr lang="en-US" sz="1200" dirty="0" err="1"/>
+              <a:t>grossem</a:t>
+            </a:r>
+            <a:r>
+              <a:rPr lang="en-US" sz="1200" dirty="0"/>
+              <a:t> </a:t>
+            </a:r>
+            <a:r>
+              <a:rPr lang="en-US" sz="1200" dirty="0" err="1"/>
+              <a:t>Datensatz</a:t>
+            </a:r>
+            <a:r>
+              <a:rPr lang="en-US" sz="1200" dirty="0"/>
+              <a:t> </a:t>
+            </a:r>
+            <a:r>
+              <a:rPr lang="en-US" sz="1200" dirty="0" err="1"/>
+              <a:t>viele</a:t>
+            </a:r>
+            <a:r>
+              <a:rPr lang="en-US" sz="1200" dirty="0"/>
+              <a:t> </a:t>
+            </a:r>
+            <a:r>
+              <a:rPr lang="en-US" sz="1200" dirty="0" err="1"/>
+              <a:t>Probleme</a:t>
+            </a:r>
+            <a:r>
+              <a:rPr lang="en-US" sz="1200" dirty="0"/>
+              <a:t> </a:t>
+            </a:r>
+            <a:r>
+              <a:rPr lang="en-US" sz="1200" dirty="0" err="1"/>
+              <a:t>gehabt</a:t>
+            </a:r>
+            <a:r>
+              <a:rPr lang="en-US" sz="1200" dirty="0"/>
+              <a:t>:</a:t>
+            </a:r>
+          </a:p>
+          <a:p>
+            <a:pPr marL="685800" lvl="1" indent="-228600">
+              <a:buFont typeface="Arial" panose="020B0604020202020204" pitchFamily="34" charset="0"/>
+              <a:buChar char="•"/>
+            </a:pPr>
+            <a:r>
+              <a:rPr lang="en-US" sz="1050" dirty="0" err="1"/>
+              <a:t>Rechenzeit</a:t>
+            </a:r>
+            <a:r>
+              <a:rPr lang="en-US" sz="1050" dirty="0"/>
+              <a:t> auf </a:t>
+            </a:r>
+            <a:r>
+              <a:rPr lang="en-US" sz="1050" dirty="0" err="1"/>
+              <a:t>Colab</a:t>
+            </a:r>
+            <a:r>
+              <a:rPr lang="en-US" sz="1050" dirty="0"/>
+              <a:t> </a:t>
+            </a:r>
+            <a:r>
+              <a:rPr lang="en-US" sz="1050" dirty="0" err="1"/>
+              <a:t>bei</a:t>
+            </a:r>
+            <a:r>
+              <a:rPr lang="en-US" sz="1050" dirty="0"/>
+              <a:t> 7h – local </a:t>
+            </a:r>
+            <a:r>
+              <a:rPr lang="en-US" sz="1050" dirty="0" err="1"/>
+              <a:t>bei</a:t>
+            </a:r>
+            <a:r>
+              <a:rPr lang="en-US" sz="1050" dirty="0"/>
+              <a:t> 1.5h !?</a:t>
+            </a:r>
+            <a:endParaRPr lang="en-US" sz="1200" dirty="0"/>
+          </a:p>
+          <a:p>
+            <a:pPr marL="685800" lvl="1" indent="-228600">
+              <a:buFont typeface="Arial" panose="020B0604020202020204" pitchFamily="34" charset="0"/>
+              <a:buChar char="•"/>
+            </a:pPr>
+            <a:r>
+              <a:rPr lang="en-US" sz="1200" dirty="0"/>
+              <a:t>Accuracy </a:t>
+            </a:r>
+            <a:r>
+              <a:rPr lang="en-US" sz="1200" dirty="0" err="1"/>
+              <a:t>bei</a:t>
+            </a:r>
+            <a:r>
+              <a:rPr lang="en-US" sz="1200" dirty="0"/>
+              <a:t> </a:t>
+            </a:r>
+            <a:r>
+              <a:rPr lang="en-US" sz="1200" dirty="0" err="1"/>
+              <a:t>grossem</a:t>
+            </a:r>
+            <a:r>
+              <a:rPr lang="en-US" sz="1200" dirty="0"/>
+              <a:t> </a:t>
+            </a:r>
+            <a:r>
+              <a:rPr lang="en-US" sz="1200" dirty="0" err="1"/>
+              <a:t>Datensatz</a:t>
+            </a:r>
+            <a:r>
+              <a:rPr lang="en-US" sz="1200" dirty="0"/>
+              <a:t> </a:t>
+            </a:r>
+            <a:r>
+              <a:rPr lang="en-US" sz="1200" dirty="0" err="1"/>
+              <a:t>ganz</a:t>
+            </a:r>
+            <a:r>
+              <a:rPr lang="en-US" sz="1200" dirty="0"/>
+              <a:t> </a:t>
+            </a:r>
+            <a:r>
+              <a:rPr lang="en-US" sz="1200" dirty="0" err="1"/>
+              <a:t>mies</a:t>
+            </a:r>
+            <a:r>
+              <a:rPr lang="en-US" sz="1200" dirty="0"/>
+              <a:t>… </a:t>
+            </a:r>
+          </a:p>
+          <a:p>
+            <a:pPr marL="685800" lvl="1" indent="-228600">
+              <a:buFont typeface="Arial" panose="020B0604020202020204" pitchFamily="34" charset="0"/>
+              <a:buChar char="•"/>
+            </a:pPr>
+            <a:r>
+              <a:rPr lang="en-US" sz="1200" dirty="0"/>
+              <a:t>Overfitting</a:t>
+            </a:r>
+          </a:p>
+          <a:p>
+            <a:pPr marL="685800" lvl="1" indent="-228600">
+              <a:buFont typeface="Arial" panose="020B0604020202020204" pitchFamily="34" charset="0"/>
+              <a:buChar char="•"/>
+            </a:pPr>
+            <a:endParaRPr lang="en-US" sz="1200" dirty="0"/>
+          </a:p>
+          <a:p>
+            <a:pPr marL="228600" indent="-228600">
+              <a:buFont typeface="Arial" panose="020B0604020202020204" pitchFamily="34" charset="0"/>
+              <a:buChar char="•"/>
+            </a:pPr>
+            <a:r>
+              <a:rPr lang="en-US" sz="1200" dirty="0" err="1"/>
+              <a:t>Mögliche</a:t>
+            </a:r>
+            <a:r>
+              <a:rPr lang="en-US" sz="1200" dirty="0"/>
+              <a:t> </a:t>
+            </a:r>
+            <a:r>
+              <a:rPr lang="en-US" sz="1200" dirty="0" err="1"/>
+              <a:t>Ursache</a:t>
+            </a:r>
+            <a:r>
+              <a:rPr lang="en-US" sz="1200" dirty="0"/>
+              <a:t>?</a:t>
+            </a:r>
+          </a:p>
+          <a:p>
+            <a:pPr marL="685800" lvl="1" indent="-228600">
+              <a:buFont typeface="Arial" panose="020B0604020202020204" pitchFamily="34" charset="0"/>
+              <a:buChar char="•"/>
+            </a:pPr>
+            <a:r>
+              <a:rPr lang="en-US" sz="1050" dirty="0"/>
+              <a:t>Problem </a:t>
+            </a:r>
+            <a:r>
+              <a:rPr lang="en-US" sz="1050" dirty="0" err="1"/>
+              <a:t>mit</a:t>
+            </a:r>
+            <a:r>
+              <a:rPr lang="en-US" sz="1050" dirty="0"/>
+              <a:t> Detail- und </a:t>
+            </a:r>
+            <a:r>
+              <a:rPr lang="en-US" sz="1050" dirty="0" err="1"/>
+              <a:t>Innenaufnahmen</a:t>
+            </a:r>
+            <a:r>
+              <a:rPr lang="en-US" sz="1050" dirty="0"/>
+              <a:t>?</a:t>
+            </a:r>
+          </a:p>
+          <a:p>
+            <a:pPr marL="685800" lvl="1" indent="-228600">
+              <a:buFont typeface="Arial" panose="020B0604020202020204" pitchFamily="34" charset="0"/>
+              <a:buChar char="•"/>
+            </a:pPr>
+            <a:r>
+              <a:rPr lang="en-US" sz="1050" dirty="0" err="1"/>
+              <a:t>Besseres</a:t>
+            </a:r>
+            <a:r>
+              <a:rPr lang="en-US" sz="1050" dirty="0"/>
+              <a:t> Preprocessing </a:t>
+            </a:r>
+            <a:r>
+              <a:rPr lang="en-US" sz="1050" dirty="0" err="1"/>
+              <a:t>machen</a:t>
+            </a:r>
+            <a:r>
+              <a:rPr lang="en-US" sz="1050" dirty="0"/>
+              <a:t>?</a:t>
+            </a:r>
+          </a:p>
+          <a:p>
+            <a:pPr marL="685800" lvl="1" indent="-228600">
+              <a:buFont typeface="Arial" panose="020B0604020202020204" pitchFamily="34" charset="0"/>
+              <a:buChar char="•"/>
+            </a:pPr>
+            <a:r>
+              <a:rPr lang="en-US" sz="1050" dirty="0" err="1"/>
+              <a:t>Vortrainiertes</a:t>
+            </a:r>
+            <a:r>
+              <a:rPr lang="en-US" sz="1050" dirty="0"/>
+              <a:t> </a:t>
+            </a:r>
+            <a:r>
+              <a:rPr lang="en-US" sz="1050" dirty="0" err="1"/>
+              <a:t>Netz</a:t>
+            </a:r>
+            <a:r>
+              <a:rPr lang="en-US" sz="1050" dirty="0"/>
+              <a:t> </a:t>
+            </a:r>
+            <a:r>
+              <a:rPr lang="en-US" sz="1050" dirty="0" err="1"/>
+              <a:t>nehmen</a:t>
+            </a:r>
+            <a:r>
+              <a:rPr lang="en-US" sz="1050" dirty="0"/>
+              <a:t> (RESNET)?</a:t>
+            </a:r>
+          </a:p>
+        </p:txBody>
+      </p:sp>
+      <p:sp>
+        <p:nvSpPr>
+          <p:cNvPr id="9" name="Freeform: Shape 8">
+            <a:extLst>
+              <a:ext uri="{FF2B5EF4-FFF2-40B4-BE49-F238E27FC236}">
+                <a16:creationId xmlns:a16="http://schemas.microsoft.com/office/drawing/2014/main" id="{CF62D2A7-8207-488C-9F46-316BA81A16C8}"/>
+              </a:ext>
+              <a:ext uri="{C183D7F6-B498-43B3-948B-1728B52AA6E4}">
+                <adec:decorative xmlns:adec="http://schemas.microsoft.com/office/drawing/2017/decorative" val="1"/>
+              </a:ext>
+            </a:extLst>
+          </p:cNvPr>
+          <p:cNvSpPr>
+            <a:spLocks noGrp="1" noRot="1" noChangeAspect="1" noMove="1" noResize="1" noEditPoints="1" noAdjustHandles="1" noChangeArrowheads="1" noChangeShapeType="1" noTextEdit="1"/>
+          </p:cNvSpPr>
+          <p:nvPr>
+            <p:extLst>
+              <p:ext uri="{386F3935-93C4-4BCD-93E2-E3B085C9AB24}">
+                <p16:designElem xmlns:p16="http://schemas.microsoft.com/office/powerpoint/2015/main" val="1"/>
+              </p:ext>
+            </p:extLst>
+          </p:nvPr>
+        </p:nvSpPr>
+        <p:spPr>
+          <a:xfrm flipH="1">
+            <a:off x="6582780" y="-2008"/>
+            <a:ext cx="5609220" cy="5840278"/>
+          </a:xfrm>
+          <a:custGeom>
+            <a:avLst/>
+            <a:gdLst>
+              <a:gd name="connsiteX0" fmla="*/ 0 w 5609220"/>
+              <a:gd name="connsiteY0" fmla="*/ 0 h 5840278"/>
+              <a:gd name="connsiteX1" fmla="*/ 4637091 w 5609220"/>
+              <a:gd name="connsiteY1" fmla="*/ 0 h 5840278"/>
+              <a:gd name="connsiteX2" fmla="*/ 4822569 w 5609220"/>
+              <a:gd name="connsiteY2" fmla="*/ 204077 h 5840278"/>
+              <a:gd name="connsiteX3" fmla="*/ 5609220 w 5609220"/>
+              <a:gd name="connsiteY3" fmla="*/ 2395363 h 5840278"/>
+              <a:gd name="connsiteX4" fmla="*/ 2164305 w 5609220"/>
+              <a:gd name="connsiteY4" fmla="*/ 5840278 h 5840278"/>
+              <a:gd name="connsiteX5" fmla="*/ 238220 w 5609220"/>
+              <a:gd name="connsiteY5" fmla="*/ 5251941 h 5840278"/>
+              <a:gd name="connsiteX6" fmla="*/ 0 w 5609220"/>
+              <a:gd name="connsiteY6" fmla="*/ 5073803 h 5840278"/>
+            </a:gdLst>
+            <a:ahLst/>
+            <a:cxnLst>
+              <a:cxn ang="0">
+                <a:pos x="connsiteX0" y="connsiteY0"/>
+              </a:cxn>
+              <a:cxn ang="0">
+                <a:pos x="connsiteX1" y="connsiteY1"/>
+              </a:cxn>
+              <a:cxn ang="0">
+                <a:pos x="connsiteX2" y="connsiteY2"/>
+              </a:cxn>
+              <a:cxn ang="0">
+                <a:pos x="connsiteX3" y="connsiteY3"/>
+              </a:cxn>
+              <a:cxn ang="0">
+                <a:pos x="connsiteX4" y="connsiteY4"/>
+              </a:cxn>
+              <a:cxn ang="0">
+                <a:pos x="connsiteX5" y="connsiteY5"/>
+              </a:cxn>
+              <a:cxn ang="0">
+                <a:pos x="connsiteX6" y="connsiteY6"/>
+              </a:cxn>
+            </a:cxnLst>
+            <a:rect l="l" t="t" r="r" b="b"/>
+            <a:pathLst>
+              <a:path w="5609220" h="5840278">
+                <a:moveTo>
+                  <a:pt x="0" y="0"/>
+                </a:moveTo>
+                <a:lnTo>
+                  <a:pt x="4637091" y="0"/>
+                </a:lnTo>
+                <a:lnTo>
+                  <a:pt x="4822569" y="204077"/>
+                </a:lnTo>
+                <a:cubicBezTo>
+                  <a:pt x="5314007" y="799562"/>
+                  <a:pt x="5609220" y="1562987"/>
+                  <a:pt x="5609220" y="2395363"/>
+                </a:cubicBezTo>
+                <a:cubicBezTo>
+                  <a:pt x="5609220" y="4297937"/>
+                  <a:pt x="4066879" y="5840278"/>
+                  <a:pt x="2164305" y="5840278"/>
+                </a:cubicBezTo>
+                <a:cubicBezTo>
+                  <a:pt x="1450840" y="5840278"/>
+                  <a:pt x="788032" y="5623387"/>
+                  <a:pt x="238220" y="5251941"/>
+                </a:cubicBezTo>
+                <a:lnTo>
+                  <a:pt x="0" y="5073803"/>
+                </a:lnTo>
+                <a:close/>
+              </a:path>
+            </a:pathLst>
+          </a:custGeom>
+          <a:solidFill>
+            <a:srgbClr val="FFFFFF">
+              <a:alpha val="80000"/>
+            </a:srgbClr>
+          </a:solidFill>
+          <a:ln>
+            <a:noFill/>
+          </a:ln>
+        </p:spPr>
+        <p:style>
+          <a:lnRef idx="2">
+            <a:schemeClr val="accent1">
+              <a:shade val="50000"/>
+            </a:schemeClr>
+          </a:lnRef>
+          <a:fillRef idx="1">
+            <a:schemeClr val="accent1"/>
+          </a:fillRef>
+          <a:effectRef idx="0">
+            <a:schemeClr val="accent1"/>
+          </a:effectRef>
+          <a:fontRef idx="minor">
+            <a:schemeClr val="lt1"/>
+          </a:fontRef>
+        </p:style>
+        <p:txBody>
+          <a:bodyPr rtlCol="0" anchor="ctr"/>
+          <a:lstStyle/>
+          <a:p>
+            <a:pPr marL="0" marR="0" lvl="0" indent="0" algn="ctr" defTabSz="914400" rtl="0" eaLnBrk="1" fontAlgn="auto" latinLnBrk="0" hangingPunct="1">
+              <a:lnSpc>
+                <a:spcPct val="100000"/>
+              </a:lnSpc>
+              <a:spcBef>
+                <a:spcPts val="0"/>
+              </a:spcBef>
+              <a:spcAft>
+                <a:spcPts val="0"/>
+              </a:spcAft>
+              <a:buClrTx/>
+              <a:buSzTx/>
+              <a:buFontTx/>
+              <a:buNone/>
+              <a:tabLst/>
+              <a:defRPr/>
+            </a:pPr>
+            <a:endParaRPr kumimoji="0" lang="en-US" sz="1800" b="0" i="0" u="none" strike="noStrike" kern="1200" cap="none" spc="0" normalizeH="0" baseline="0" noProof="0">
+              <a:ln>
+                <a:noFill/>
+              </a:ln>
+              <a:solidFill>
+                <a:prstClr val="white"/>
+              </a:solidFill>
+              <a:effectLst/>
+              <a:uLnTx/>
+              <a:uFillTx/>
+              <a:latin typeface="Calibri" panose="020F0502020204030204"/>
+              <a:ea typeface="+mn-ea"/>
+              <a:cs typeface="+mn-cs"/>
+            </a:endParaRPr>
+          </a:p>
+        </p:txBody>
+      </p:sp>
       <p:sp>
         <p:nvSpPr>
           <p:cNvPr id="11" name="Freeform: Shape 10">
@@ -6873,20 +7133,112 @@
         </p:blipFill>
         <p:spPr>
           <a:xfrm>
-            <a:off x="7710637" y="382916"/>
-            <a:ext cx="2997354" cy="2362321"/>
+            <a:off x="4530691" y="4804910"/>
+            <a:ext cx="2157060" cy="1700055"/>
           </a:xfrm>
           <a:prstGeom prst="rect">
             <a:avLst/>
           </a:prstGeom>
         </p:spPr>
       </p:pic>
+      <p:sp>
+        <p:nvSpPr>
+          <p:cNvPr id="13" name="TextBox 12">
+            <a:extLst>
+              <a:ext uri="{FF2B5EF4-FFF2-40B4-BE49-F238E27FC236}">
+                <a16:creationId xmlns:a16="http://schemas.microsoft.com/office/drawing/2014/main" id="{6BAC279B-C9CB-4C2C-AFE9-AAFC288B6E54}"/>
+              </a:ext>
+            </a:extLst>
+          </p:cNvPr>
+          <p:cNvSpPr txBox="1"/>
+          <p:nvPr/>
+        </p:nvSpPr>
+        <p:spPr>
+          <a:xfrm>
+            <a:off x="7399176" y="464398"/>
+            <a:ext cx="4706568" cy="1477328"/>
+          </a:xfrm>
+          <a:prstGeom prst="rect">
+            <a:avLst/>
+          </a:prstGeom>
+          <a:noFill/>
+          <a:ln w="28575">
+            <a:solidFill>
+              <a:schemeClr val="tx1"/>
+            </a:solidFill>
+          </a:ln>
+        </p:spPr>
+        <p:txBody>
+          <a:bodyPr wrap="square">
+            <a:noAutofit/>
+          </a:bodyPr>
+          <a:lstStyle/>
+          <a:p>
+            <a:pPr marL="285750" indent="-228600">
+              <a:buFont typeface="Arial" panose="020B0604020202020204" pitchFamily="34" charset="0"/>
+              <a:buChar char="•"/>
+            </a:pPr>
+            <a:r>
+              <a:rPr lang="en-US" sz="1800" dirty="0">
+                <a:solidFill>
+                  <a:schemeClr val="bg1"/>
+                </a:solidFill>
+              </a:rPr>
+              <a:t>Convolution Matrix:</a:t>
+            </a:r>
+          </a:p>
+          <a:p>
+            <a:pPr marL="57150"/>
+            <a:r>
+              <a:rPr lang="en-US" sz="1800" dirty="0">
+                <a:solidFill>
+                  <a:schemeClr val="bg1"/>
+                </a:solidFill>
+              </a:rPr>
+              <a:t>['Ferrari', 'Lamborghini', 'McLaren']</a:t>
+            </a:r>
+          </a:p>
+          <a:p>
+            <a:pPr marL="57150"/>
+            <a:r>
+              <a:rPr lang="en-US" sz="1800" dirty="0">
+                <a:solidFill>
+                  <a:schemeClr val="bg1"/>
+                </a:solidFill>
+              </a:rPr>
+              <a:t>[[16  2  0]</a:t>
+            </a:r>
+          </a:p>
+          <a:p>
+            <a:pPr marL="57150"/>
+            <a:r>
+              <a:rPr lang="en-US" sz="1800" dirty="0">
+                <a:solidFill>
+                  <a:schemeClr val="bg1"/>
+                </a:solidFill>
+              </a:rPr>
+              <a:t> [ 5 45  0]</a:t>
+            </a:r>
+          </a:p>
+          <a:p>
+            <a:pPr marL="57150"/>
+            <a:r>
+              <a:rPr lang="en-US" sz="1800" dirty="0">
+                <a:solidFill>
+                  <a:schemeClr val="bg1"/>
+                </a:solidFill>
+              </a:rPr>
+              <a:t> [ 2  3  9]]</a:t>
+            </a:r>
+          </a:p>
+        </p:txBody>
+      </p:sp>
       <p:pic>
         <p:nvPicPr>
-          <p:cNvPr id="8" name="Picture 7">
+          <p:cNvPr id="5" name="Picture 4">
             <a:extLst>
               <a:ext uri="{FF2B5EF4-FFF2-40B4-BE49-F238E27FC236}">
-                <a16:creationId xmlns:a16="http://schemas.microsoft.com/office/drawing/2014/main" id="{DBA6A76B-B6D7-40D1-89DB-43FEB308A195}"/>
+                <a16:creationId xmlns:a16="http://schemas.microsoft.com/office/drawing/2014/main" id="{759E3D17-54A2-4A14-A835-EBCFCDA0A652}"/>
               </a:ext>
             </a:extLst>
           </p:cNvPr>
@@ -6903,81 +7255,14 @@
         </p:blipFill>
         <p:spPr>
           <a:xfrm>
-            <a:off x="9654031" y="2745237"/>
-            <a:ext cx="1968601" cy="2311519"/>
+            <a:off x="9752460" y="2857482"/>
+            <a:ext cx="2157060" cy="2246081"/>
           </a:xfrm>
           <a:prstGeom prst="rect">
             <a:avLst/>
           </a:prstGeom>
         </p:spPr>
       </p:pic>
-      <p:sp>
-        <p:nvSpPr>
-          <p:cNvPr id="13" name="TextBox 12">
-            <a:extLst>
-              <a:ext uri="{FF2B5EF4-FFF2-40B4-BE49-F238E27FC236}">
-                <a16:creationId xmlns:a16="http://schemas.microsoft.com/office/drawing/2014/main" id="{6BAC279B-C9CB-4C2C-AFE9-AAFC288B6E54}"/>
-              </a:ext>
-            </a:extLst>
-          </p:cNvPr>
-          <p:cNvSpPr txBox="1"/>
-          <p:nvPr/>
-        </p:nvSpPr>
-        <p:spPr>
-          <a:xfrm>
-            <a:off x="1952343" y="4269276"/>
-            <a:ext cx="4915817" cy="1477328"/>
-          </a:xfrm>
-          <a:prstGeom prst="rect">
-            <a:avLst/>
-          </a:prstGeom>
-          <a:noFill/>
-        </p:spPr>
-        <p:txBody>
-          <a:bodyPr wrap="square">
-            <a:spAutoFit/>
-          </a:bodyPr>
-          <a:lstStyle/>
-          <a:p>
-            <a:pPr marL="285750" indent="-228600">
-              <a:buFont typeface="Arial" panose="020B0604020202020204" pitchFamily="34" charset="0"/>
-              <a:buChar char="•"/>
-            </a:pPr>
-            <a:r>
-              <a:rPr lang="en-US" sz="1800" dirty="0"/>
-              <a:t>Convolution Matrix:</a:t>
-            </a:r>
-          </a:p>
-          <a:p>
-            <a:pPr marL="57150"/>
-            <a:r>
-              <a:rPr lang="en-US" sz="1800" dirty="0"/>
-              <a:t>['Ferrari', 'Lamborghini', 'McLaren']</a:t>
-            </a:r>
-          </a:p>
-          <a:p>
-            <a:pPr marL="57150"/>
-            <a:r>
-              <a:rPr lang="en-US" sz="1800" dirty="0"/>
-              <a:t>[[16  2  0]</a:t>
-            </a:r>
-          </a:p>
-          <a:p>
-            <a:pPr marL="57150"/>
-            <a:r>
-              <a:rPr lang="en-US" sz="1800" dirty="0"/>
-              <a:t> [ 5 45  0]</a:t>
-            </a:r>
-          </a:p>
-          <a:p>
-            <a:pPr marL="57150"/>
-            <a:r>
-              <a:rPr lang="en-US" sz="1800" dirty="0"/>
-              <a:t> [ 2  3  9]]</a:t>
-            </a:r>
-          </a:p>
-        </p:txBody>
-      </p:sp>
     </p:spTree>
     <p:extLst>
       <p:ext uri="{BB962C8B-B14F-4D97-AF65-F5344CB8AC3E}">

--- a/Automarken_CuponeFurrer.pptx
+++ b/Automarken_CuponeFurrer.pptx
@@ -10,7 +10,8 @@
     <p:sldId id="258" r:id="rId4"/>
     <p:sldId id="259" r:id="rId5"/>
     <p:sldId id="260" r:id="rId6"/>
-    <p:sldId id="261" r:id="rId7"/>
+    <p:sldId id="262" r:id="rId7"/>
+    <p:sldId id="261" r:id="rId8"/>
   </p:sldIdLst>
   <p:sldSz cx="12192000" cy="6858000"/>
   <p:notesSz cx="6858000" cy="9144000"/>
@@ -248,7 +249,7 @@
           <a:p>
             <a:fld id="{83B0D51C-E739-43A1-BE53-913419D1B037}" type="datetimeFigureOut">
               <a:rPr lang="en-US" smtClean="0"/>
-              <a:t>06-Apr-21</a:t>
+              <a:t>07-Apr-21</a:t>
             </a:fld>
             <a:endParaRPr lang="en-US"/>
           </a:p>
@@ -418,7 +419,7 @@
           <a:p>
             <a:fld id="{83B0D51C-E739-43A1-BE53-913419D1B037}" type="datetimeFigureOut">
               <a:rPr lang="en-US" smtClean="0"/>
-              <a:t>06-Apr-21</a:t>
+              <a:t>07-Apr-21</a:t>
             </a:fld>
             <a:endParaRPr lang="en-US"/>
           </a:p>
@@ -598,7 +599,7 @@
           <a:p>
             <a:fld id="{83B0D51C-E739-43A1-BE53-913419D1B037}" type="datetimeFigureOut">
               <a:rPr lang="en-US" smtClean="0"/>
-              <a:t>06-Apr-21</a:t>
+              <a:t>07-Apr-21</a:t>
             </a:fld>
             <a:endParaRPr lang="en-US"/>
           </a:p>
@@ -768,7 +769,7 @@
           <a:p>
             <a:fld id="{83B0D51C-E739-43A1-BE53-913419D1B037}" type="datetimeFigureOut">
               <a:rPr lang="en-US" smtClean="0"/>
-              <a:t>06-Apr-21</a:t>
+              <a:t>07-Apr-21</a:t>
             </a:fld>
             <a:endParaRPr lang="en-US"/>
           </a:p>
@@ -1014,7 +1015,7 @@
           <a:p>
             <a:fld id="{83B0D51C-E739-43A1-BE53-913419D1B037}" type="datetimeFigureOut">
               <a:rPr lang="en-US" smtClean="0"/>
-              <a:t>06-Apr-21</a:t>
+              <a:t>07-Apr-21</a:t>
             </a:fld>
             <a:endParaRPr lang="en-US"/>
           </a:p>
@@ -1246,7 +1247,7 @@
           <a:p>
             <a:fld id="{83B0D51C-E739-43A1-BE53-913419D1B037}" type="datetimeFigureOut">
               <a:rPr lang="en-US" smtClean="0"/>
-              <a:t>06-Apr-21</a:t>
+              <a:t>07-Apr-21</a:t>
             </a:fld>
             <a:endParaRPr lang="en-US"/>
           </a:p>
@@ -1613,7 +1614,7 @@
           <a:p>
             <a:fld id="{83B0D51C-E739-43A1-BE53-913419D1B037}" type="datetimeFigureOut">
               <a:rPr lang="en-US" smtClean="0"/>
-              <a:t>06-Apr-21</a:t>
+              <a:t>07-Apr-21</a:t>
             </a:fld>
             <a:endParaRPr lang="en-US"/>
           </a:p>
@@ -1731,7 +1732,7 @@
           <a:p>
             <a:fld id="{83B0D51C-E739-43A1-BE53-913419D1B037}" type="datetimeFigureOut">
               <a:rPr lang="en-US" smtClean="0"/>
-              <a:t>06-Apr-21</a:t>
+              <a:t>07-Apr-21</a:t>
             </a:fld>
             <a:endParaRPr lang="en-US"/>
           </a:p>
@@ -1826,7 +1827,7 @@
           <a:p>
             <a:fld id="{83B0D51C-E739-43A1-BE53-913419D1B037}" type="datetimeFigureOut">
               <a:rPr lang="en-US" smtClean="0"/>
-              <a:t>06-Apr-21</a:t>
+              <a:t>07-Apr-21</a:t>
             </a:fld>
             <a:endParaRPr lang="en-US"/>
           </a:p>
@@ -2103,7 +2104,7 @@
           <a:p>
             <a:fld id="{83B0D51C-E739-43A1-BE53-913419D1B037}" type="datetimeFigureOut">
               <a:rPr lang="en-US" smtClean="0"/>
-              <a:t>06-Apr-21</a:t>
+              <a:t>07-Apr-21</a:t>
             </a:fld>
             <a:endParaRPr lang="en-US"/>
           </a:p>
@@ -2360,7 +2361,7 @@
           <a:p>
             <a:fld id="{83B0D51C-E739-43A1-BE53-913419D1B037}" type="datetimeFigureOut">
               <a:rPr lang="en-US" smtClean="0"/>
-              <a:t>06-Apr-21</a:t>
+              <a:t>07-Apr-21</a:t>
             </a:fld>
             <a:endParaRPr lang="en-US"/>
           </a:p>
@@ -2573,7 +2574,7 @@
           <a:p>
             <a:fld id="{83B0D51C-E739-43A1-BE53-913419D1B037}" type="datetimeFigureOut">
               <a:rPr lang="en-US" smtClean="0"/>
-              <a:t>06-Apr-21</a:t>
+              <a:t>07-Apr-21</a:t>
             </a:fld>
             <a:endParaRPr lang="en-US"/>
           </a:p>
@@ -3883,6 +3884,41 @@
           </a:extLst>
         </p:spPr>
       </p:pic>
+      <p:sp>
+        <p:nvSpPr>
+          <p:cNvPr id="7" name="TextBox 6">
+            <a:extLst>
+              <a:ext uri="{FF2B5EF4-FFF2-40B4-BE49-F238E27FC236}">
+                <a16:creationId xmlns:a16="http://schemas.microsoft.com/office/drawing/2014/main" id="{9E6EF238-30C5-4349-A125-EC2062673345}"/>
+              </a:ext>
+            </a:extLst>
+          </p:cNvPr>
+          <p:cNvSpPr txBox="1"/>
+          <p:nvPr/>
+        </p:nvSpPr>
+        <p:spPr>
+          <a:xfrm>
+            <a:off x="762000" y="5803734"/>
+            <a:ext cx="6097554" cy="369332"/>
+          </a:xfrm>
+          <a:prstGeom prst="rect">
+            <a:avLst/>
+          </a:prstGeom>
+          <a:noFill/>
+        </p:spPr>
+        <p:txBody>
+          <a:bodyPr wrap="square">
+            <a:spAutoFit/>
+          </a:bodyPr>
+          <a:lstStyle/>
+          <a:p>
+            <a:r>
+              <a:rPr lang="en-US" dirty="0"/>
+              <a:t>https://github.com/alexweltgeist/automarken_cnn</a:t>
+            </a:r>
+          </a:p>
+        </p:txBody>
+      </p:sp>
     </p:spTree>
     <p:extLst>
       <p:ext uri="{BB962C8B-B14F-4D97-AF65-F5344CB8AC3E}">
@@ -4230,7 +4266,7 @@
           <a:lstStyle/>
           <a:p>
             <a:r>
-              <a:rPr lang="en-US" kern="1200" dirty="0" err="1">
+              <a:rPr lang="de-CH" kern="1200">
                 <a:solidFill>
                   <a:schemeClr val="tx1"/>
                 </a:solidFill>
@@ -4240,14 +4276,6 @@
               </a:rPr>
               <a:t>Datenbasis</a:t>
             </a:r>
-            <a:endParaRPr lang="en-US" kern="1200" dirty="0">
-              <a:solidFill>
-                <a:schemeClr val="tx1"/>
-              </a:solidFill>
-              <a:latin typeface="+mj-lt"/>
-              <a:ea typeface="+mj-ea"/>
-              <a:cs typeface="+mj-cs"/>
-            </a:endParaRPr>
           </a:p>
         </p:txBody>
       </p:sp>
@@ -4289,26 +4317,9 @@
               <a:buChar char="•"/>
             </a:pPr>
             <a:r>
-              <a:rPr lang="en-US" dirty="0" err="1"/>
-              <a:t>Verschiedene</a:t>
-            </a:r>
-            <a:r>
-              <a:rPr lang="en-US" dirty="0"/>
-              <a:t> </a:t>
-            </a:r>
-            <a:r>
-              <a:rPr lang="en-US" dirty="0" err="1"/>
-              <a:t>Bildsammlungen</a:t>
-            </a:r>
-            <a:r>
-              <a:rPr lang="en-US" dirty="0"/>
-              <a:t> </a:t>
-            </a:r>
-            <a:r>
-              <a:rPr lang="en-US" dirty="0" err="1"/>
-              <a:t>erhältlich</a:t>
-            </a:r>
-            <a:endParaRPr lang="en-US" dirty="0"/>
+              <a:rPr lang="de-CH" dirty="0"/>
+              <a:t>Verschiedene Bildsammlungen erhältlich</a:t>
+            </a:r>
           </a:p>
           <a:p>
             <a:pPr marL="228600" indent="-228600" defTabSz="914400">
@@ -4322,20 +4333,8 @@
               <a:buChar char="•"/>
             </a:pPr>
             <a:r>
-              <a:rPr lang="en-US" dirty="0" err="1"/>
-              <a:t>Klassisch</a:t>
-            </a:r>
-            <a:r>
-              <a:rPr lang="en-US" dirty="0"/>
-              <a:t>: </a:t>
-            </a:r>
-            <a:r>
-              <a:rPr lang="en-US" dirty="0" err="1"/>
-              <a:t>Datensatz</a:t>
-            </a:r>
-            <a:r>
-              <a:rPr lang="en-US" dirty="0"/>
-              <a:t> der Stanford University von Jonathan Krause (https://ai.stanford.edu/~jkrause/cars/car_dataset.html). </a:t>
+              <a:rPr lang="de-CH" dirty="0"/>
+              <a:t>Klassisch: Datensatz der Stanford University von Jonathan Krause (https://ai.stanford.edu/~jkrause/cars/car_dataset.html). </a:t>
             </a:r>
           </a:p>
           <a:p>
@@ -4350,20 +4349,8 @@
               <a:buChar char="•"/>
             </a:pPr>
             <a:r>
-              <a:rPr lang="en-US" sz="1500" dirty="0" err="1"/>
-              <a:t>nicht</a:t>
-            </a:r>
-            <a:r>
-              <a:rPr lang="en-US" sz="1500" dirty="0"/>
-              <a:t> </a:t>
-            </a:r>
-            <a:r>
-              <a:rPr lang="en-US" sz="1500" dirty="0" err="1"/>
-              <a:t>besonders</a:t>
-            </a:r>
-            <a:r>
-              <a:rPr lang="en-US" sz="1500" dirty="0"/>
-              <a:t> gross (16k)</a:t>
+              <a:rPr lang="de-CH" sz="1500" dirty="0"/>
+              <a:t>nicht besonders gross (16k)</a:t>
             </a:r>
           </a:p>
           <a:p>
@@ -4378,18 +4365,9 @@
               <a:buChar char="•"/>
             </a:pPr>
             <a:r>
-              <a:rPr lang="en-US" sz="1500" dirty="0" err="1"/>
-              <a:t>sehr</a:t>
-            </a:r>
-            <a:r>
-              <a:rPr lang="en-US" sz="1500" dirty="0"/>
-              <a:t> USA </a:t>
-            </a:r>
-            <a:r>
-              <a:rPr lang="en-US" sz="1500" dirty="0" err="1"/>
-              <a:t>lastig</a:t>
-            </a:r>
-            <a:endParaRPr lang="en-US" sz="1500" dirty="0"/>
+              <a:rPr lang="de-CH" sz="1500" dirty="0"/>
+              <a:t>sehr USA lastig</a:t>
+            </a:r>
           </a:p>
           <a:p>
             <a:pPr marL="685800" lvl="1" indent="-228600" defTabSz="914400">
@@ -4403,28 +4381,8 @@
               <a:buChar char="•"/>
             </a:pPr>
             <a:r>
-              <a:rPr lang="en-US" sz="1500" dirty="0" err="1"/>
-              <a:t>schon</a:t>
-            </a:r>
-            <a:r>
-              <a:rPr lang="en-US" sz="1500" dirty="0"/>
-              <a:t> </a:t>
-            </a:r>
-            <a:r>
-              <a:rPr lang="en-US" sz="1500" dirty="0" err="1"/>
-              <a:t>etwas</a:t>
-            </a:r>
-            <a:r>
-              <a:rPr lang="en-US" sz="1500" dirty="0"/>
-              <a:t> in die Jahre </a:t>
-            </a:r>
-            <a:r>
-              <a:rPr lang="en-US" sz="1500" dirty="0" err="1"/>
-              <a:t>gekommen</a:t>
-            </a:r>
-            <a:r>
-              <a:rPr lang="en-US" sz="1500" dirty="0"/>
-              <a:t> (2013)</a:t>
+              <a:rPr lang="de-CH" sz="1500" dirty="0"/>
+              <a:t>schon etwas in die Jahre gekommen (2013)</a:t>
             </a:r>
           </a:p>
           <a:p>
@@ -4438,7 +4396,7 @@
               <a:buFont typeface="Arial" panose="020B0604020202020204" pitchFamily="34" charset="0"/>
               <a:buChar char="•"/>
             </a:pPr>
-            <a:endParaRPr lang="en-US" dirty="0"/>
+            <a:endParaRPr lang="de-CH" dirty="0"/>
           </a:p>
           <a:p>
             <a:pPr marL="228600" indent="-228600" defTabSz="914400">
@@ -4452,36 +4410,8 @@
               <a:buChar char="•"/>
             </a:pPr>
             <a:r>
-              <a:rPr lang="en-US" dirty="0" err="1"/>
-              <a:t>Wir</a:t>
-            </a:r>
-            <a:r>
-              <a:rPr lang="en-US" dirty="0"/>
-              <a:t> </a:t>
-            </a:r>
-            <a:r>
-              <a:rPr lang="en-US" dirty="0" err="1"/>
-              <a:t>verwenden</a:t>
-            </a:r>
-            <a:r>
-              <a:rPr lang="en-US" dirty="0"/>
-              <a:t> </a:t>
-            </a:r>
-            <a:r>
-              <a:rPr lang="en-US" dirty="0" err="1"/>
-              <a:t>eine</a:t>
-            </a:r>
-            <a:r>
-              <a:rPr lang="en-US" dirty="0"/>
-              <a:t> </a:t>
-            </a:r>
-            <a:r>
-              <a:rPr lang="en-US" dirty="0" err="1"/>
-              <a:t>neue</a:t>
-            </a:r>
-            <a:r>
-              <a:rPr lang="en-US" dirty="0"/>
-              <a:t> Library von Nicolas Gervais (https://github.com/nicolas-gervais/predicting-car-price-from-scraped-data/tree/master/picture-scraper) </a:t>
+              <a:rPr lang="de-CH" dirty="0"/>
+              <a:t>Wir verwenden eine neue Library von Nicolas Gervais (https://github.com/nicolas-gervais/predicting-car-price-from-scraped-data/tree/master/picture-scraper) </a:t>
             </a:r>
           </a:p>
           <a:p>
@@ -4496,32 +4426,12 @@
               <a:buChar char="•"/>
             </a:pPr>
             <a:r>
-              <a:rPr lang="en-US" b="1" dirty="0"/>
-              <a:t>64'467 </a:t>
-            </a:r>
-            <a:r>
-              <a:rPr lang="en-US" b="1" dirty="0" err="1"/>
-              <a:t>Bilder</a:t>
-            </a:r>
-            <a:r>
-              <a:rPr lang="en-US" b="1" dirty="0"/>
-              <a:t> </a:t>
-            </a:r>
-            <a:r>
-              <a:rPr lang="en-US" dirty="0" err="1"/>
-              <a:t>aus</a:t>
-            </a:r>
-            <a:r>
-              <a:rPr lang="en-US" dirty="0"/>
-              <a:t> dem </a:t>
-            </a:r>
-            <a:r>
-              <a:rPr lang="en-US" dirty="0" err="1"/>
-              <a:t>Jahr</a:t>
-            </a:r>
-            <a:r>
-              <a:rPr lang="en-US" dirty="0"/>
-              <a:t> 2020. Quelle: 'The Car Connection’ </a:t>
+              <a:rPr lang="de-CH" b="1" dirty="0"/>
+              <a:t>64'467 Bilder </a:t>
+            </a:r>
+            <a:r>
+              <a:rPr lang="de-CH" dirty="0"/>
+              <a:t>aus dem Jahr 2020. Quelle: 'The Car Connection’ </a:t>
             </a:r>
           </a:p>
           <a:p>
@@ -4536,7 +4446,7 @@
               <a:buChar char="•"/>
             </a:pPr>
             <a:r>
-              <a:rPr lang="en-US" dirty="0"/>
+              <a:rPr lang="de-CH" dirty="0"/>
               <a:t>Labels</a:t>
             </a:r>
           </a:p>
@@ -4552,20 +4462,8 @@
               <a:buChar char="•"/>
             </a:pPr>
             <a:r>
-              <a:rPr lang="en-US" sz="1500" dirty="0" err="1"/>
-              <a:t>Marke</a:t>
-            </a:r>
-            <a:r>
-              <a:rPr lang="en-US" sz="1500" dirty="0"/>
-              <a:t> (</a:t>
-            </a:r>
-            <a:r>
-              <a:rPr lang="en-US" sz="1500" dirty="0" err="1"/>
-              <a:t>z.B.</a:t>
-            </a:r>
-            <a:r>
-              <a:rPr lang="en-US" sz="1500" dirty="0"/>
-              <a:t> Audi)</a:t>
+              <a:rPr lang="de-CH" sz="1500" dirty="0"/>
+              <a:t>Marke (z.B. Audi)</a:t>
             </a:r>
           </a:p>
           <a:p>
@@ -4580,16 +4478,8 @@
               <a:buChar char="•"/>
             </a:pPr>
             <a:r>
-              <a:rPr lang="en-US" sz="1500" dirty="0"/>
-              <a:t>Modell (</a:t>
-            </a:r>
-            <a:r>
-              <a:rPr lang="en-US" sz="1500" dirty="0" err="1"/>
-              <a:t>z.B.</a:t>
-            </a:r>
-            <a:r>
-              <a:rPr lang="en-US" sz="1500" dirty="0"/>
-              <a:t> A5)</a:t>
+              <a:rPr lang="de-CH" sz="1500" dirty="0"/>
+              <a:t>Modell (z.B. A5)</a:t>
             </a:r>
           </a:p>
           <a:p>
@@ -4604,20 +4494,8 @@
               <a:buChar char="•"/>
             </a:pPr>
             <a:r>
-              <a:rPr lang="en-US" sz="1500" dirty="0" err="1"/>
-              <a:t>Baujahr</a:t>
-            </a:r>
-            <a:r>
-              <a:rPr lang="en-US" sz="1500" dirty="0"/>
-              <a:t> (</a:t>
-            </a:r>
-            <a:r>
-              <a:rPr lang="en-US" sz="1500" dirty="0" err="1"/>
-              <a:t>z.B.</a:t>
-            </a:r>
-            <a:r>
-              <a:rPr lang="en-US" sz="1500" dirty="0"/>
-              <a:t> 2013)</a:t>
+              <a:rPr lang="de-CH" sz="1500" dirty="0"/>
+              <a:t>Baujahr (z.B. 2013)</a:t>
             </a:r>
           </a:p>
           <a:p>
@@ -4632,20 +4510,8 @@
               <a:buChar char="•"/>
             </a:pPr>
             <a:r>
-              <a:rPr lang="en-US" sz="1500" dirty="0" err="1"/>
-              <a:t>Preis</a:t>
-            </a:r>
-            <a:r>
-              <a:rPr lang="en-US" sz="1500" dirty="0"/>
-              <a:t> in '000 USD (</a:t>
-            </a:r>
-            <a:r>
-              <a:rPr lang="en-US" sz="1500" dirty="0" err="1"/>
-              <a:t>z.B.</a:t>
-            </a:r>
-            <a:r>
-              <a:rPr lang="en-US" sz="1500" dirty="0"/>
-              <a:t> 44)</a:t>
+              <a:rPr lang="de-CH" sz="1500" dirty="0"/>
+              <a:t>Preis in '000 USD (z.B. 44)</a:t>
             </a:r>
           </a:p>
           <a:p>
@@ -4659,7 +4525,7 @@
               <a:buFont typeface="Arial" panose="020B0604020202020204" pitchFamily="34" charset="0"/>
               <a:buChar char="•"/>
             </a:pPr>
-            <a:endParaRPr lang="en-US" dirty="0"/>
+            <a:endParaRPr lang="de-CH" dirty="0"/>
           </a:p>
         </p:txBody>
       </p:sp>
@@ -4994,7 +4860,7 @@
           <a:lstStyle/>
           <a:p>
             <a:r>
-              <a:rPr lang="en-US" sz="4400" kern="1200" dirty="0" err="1">
+              <a:rPr lang="de-CH" sz="4400" kern="1200">
                 <a:solidFill>
                   <a:schemeClr val="tx1"/>
                 </a:solidFill>
@@ -5002,38 +4868,8 @@
                 <a:ea typeface="+mj-ea"/>
                 <a:cs typeface="+mj-cs"/>
               </a:rPr>
-              <a:t>Daten</a:t>
-            </a:r>
-            <a:r>
-              <a:rPr lang="en-US" sz="4400" kern="1200" dirty="0">
-                <a:solidFill>
-                  <a:schemeClr val="tx1"/>
-                </a:solidFill>
-                <a:latin typeface="+mj-lt"/>
-                <a:ea typeface="+mj-ea"/>
-                <a:cs typeface="+mj-cs"/>
-              </a:rPr>
-              <a:t> </a:t>
-            </a:r>
-            <a:r>
-              <a:rPr lang="en-US" sz="4400" kern="1200" dirty="0" err="1">
-                <a:solidFill>
-                  <a:schemeClr val="tx1"/>
-                </a:solidFill>
-                <a:latin typeface="+mj-lt"/>
-                <a:ea typeface="+mj-ea"/>
-                <a:cs typeface="+mj-cs"/>
-              </a:rPr>
-              <a:t>Preparieren</a:t>
-            </a:r>
-            <a:endParaRPr lang="en-US" sz="4400" kern="1200" dirty="0">
-              <a:solidFill>
-                <a:schemeClr val="tx1"/>
-              </a:solidFill>
-              <a:latin typeface="+mj-lt"/>
-              <a:ea typeface="+mj-ea"/>
-              <a:cs typeface="+mj-cs"/>
-            </a:endParaRPr>
+              <a:t>Daten Preparieren</a:t>
+            </a:r>
           </a:p>
         </p:txBody>
       </p:sp>
@@ -5078,13 +4914,13 @@
           </a:lstStyle>
           <a:p>
             <a:r>
-              <a:rPr lang="en-US" sz="2000" b="1" dirty="0" err="1"/>
+              <a:rPr lang="de-CH" sz="2000" b="1"/>
               <a:t>Ausgangslage</a:t>
             </a:r>
-            <a:endParaRPr lang="en-US" b="1" dirty="0"/>
-          </a:p>
-          <a:p>
-            <a:endParaRPr lang="en-US" dirty="0"/>
+            <a:endParaRPr lang="de-CH" b="1"/>
+          </a:p>
+          <a:p>
+            <a:endParaRPr lang="de-CH"/>
           </a:p>
           <a:p>
             <a:pPr marL="285750" indent="-285750">
@@ -5092,120 +4928,8 @@
               <a:buChar char="•"/>
             </a:pPr>
             <a:r>
-              <a:rPr lang="en-US" dirty="0"/>
-              <a:t>Auf den </a:t>
-            </a:r>
-            <a:r>
-              <a:rPr lang="en-US" dirty="0" err="1"/>
-              <a:t>Bildern</a:t>
-            </a:r>
-            <a:r>
-              <a:rPr lang="en-US" dirty="0"/>
-              <a:t> </a:t>
-            </a:r>
-            <a:r>
-              <a:rPr lang="en-US" dirty="0" err="1"/>
-              <a:t>sind</a:t>
-            </a:r>
-            <a:r>
-              <a:rPr lang="en-US" dirty="0"/>
-              <a:t> </a:t>
-            </a:r>
-            <a:r>
-              <a:rPr lang="en-US" dirty="0" err="1"/>
-              <a:t>zum</a:t>
-            </a:r>
-            <a:r>
-              <a:rPr lang="en-US" dirty="0"/>
-              <a:t> Teil </a:t>
-            </a:r>
-            <a:r>
-              <a:rPr lang="en-US" dirty="0" err="1"/>
-              <a:t>auch</a:t>
-            </a:r>
-            <a:r>
-              <a:rPr lang="en-US" dirty="0"/>
-              <a:t> </a:t>
-            </a:r>
-            <a:r>
-              <a:rPr lang="en-US" dirty="0" err="1"/>
-              <a:t>Detailaufnahmen</a:t>
-            </a:r>
-            <a:r>
-              <a:rPr lang="en-US" dirty="0"/>
-              <a:t> </a:t>
-            </a:r>
-            <a:r>
-              <a:rPr lang="en-US" dirty="0" err="1"/>
-              <a:t>einzelner</a:t>
-            </a:r>
-            <a:r>
-              <a:rPr lang="en-US" dirty="0"/>
-              <a:t> </a:t>
-            </a:r>
-            <a:r>
-              <a:rPr lang="en-US" dirty="0" err="1"/>
-              <a:t>Autoteile</a:t>
-            </a:r>
-            <a:r>
-              <a:rPr lang="en-US" dirty="0"/>
-              <a:t> </a:t>
-            </a:r>
-            <a:r>
-              <a:rPr lang="en-US" dirty="0" err="1"/>
-              <a:t>zu</a:t>
-            </a:r>
-            <a:r>
-              <a:rPr lang="en-US" dirty="0"/>
-              <a:t> </a:t>
-            </a:r>
-            <a:r>
-              <a:rPr lang="en-US" dirty="0" err="1"/>
-              <a:t>sehen</a:t>
-            </a:r>
-            <a:r>
-              <a:rPr lang="en-US" dirty="0"/>
-              <a:t> und </a:t>
-            </a:r>
-            <a:r>
-              <a:rPr lang="en-US" dirty="0" err="1"/>
-              <a:t>vereinzelt</a:t>
-            </a:r>
-            <a:r>
-              <a:rPr lang="en-US" dirty="0"/>
-              <a:t> </a:t>
-            </a:r>
-            <a:r>
-              <a:rPr lang="en-US" dirty="0" err="1"/>
-              <a:t>sind</a:t>
-            </a:r>
-            <a:r>
-              <a:rPr lang="en-US" dirty="0"/>
-              <a:t> </a:t>
-            </a:r>
-            <a:r>
-              <a:rPr lang="en-US" dirty="0" err="1"/>
-              <a:t>auch</a:t>
-            </a:r>
-            <a:r>
-              <a:rPr lang="en-US" dirty="0"/>
-              <a:t> </a:t>
-            </a:r>
-            <a:r>
-              <a:rPr lang="en-US" dirty="0" err="1"/>
-              <a:t>Innenaufnahmen</a:t>
-            </a:r>
-            <a:r>
-              <a:rPr lang="en-US" dirty="0"/>
-              <a:t> </a:t>
-            </a:r>
-            <a:r>
-              <a:rPr lang="en-US" dirty="0" err="1"/>
-              <a:t>vorhanden</a:t>
-            </a:r>
-            <a:r>
-              <a:rPr lang="en-US" dirty="0"/>
-              <a:t>. </a:t>
+              <a:rPr lang="de-CH"/>
+              <a:t>Auf den Bildern sind zum Teil auch Detailaufnahmen einzelner Autoteile zu sehen und vereinzelt sind auch Innenaufnahmen vorhanden. </a:t>
             </a:r>
           </a:p>
           <a:p>
@@ -5214,48 +4938,8 @@
               <a:buChar char="•"/>
             </a:pPr>
             <a:r>
-              <a:rPr lang="en-US" dirty="0"/>
-              <a:t>Die </a:t>
-            </a:r>
-            <a:r>
-              <a:rPr lang="en-US" dirty="0" err="1"/>
-              <a:t>Bilder</a:t>
-            </a:r>
-            <a:r>
-              <a:rPr lang="en-US" dirty="0"/>
-              <a:t> </a:t>
-            </a:r>
-            <a:r>
-              <a:rPr lang="en-US" dirty="0" err="1"/>
-              <a:t>haben</a:t>
-            </a:r>
-            <a:r>
-              <a:rPr lang="en-US" dirty="0"/>
-              <a:t> </a:t>
-            </a:r>
-            <a:r>
-              <a:rPr lang="en-US" dirty="0" err="1"/>
-              <a:t>unterschiedliche</a:t>
-            </a:r>
-            <a:r>
-              <a:rPr lang="en-US" dirty="0"/>
-              <a:t> </a:t>
-            </a:r>
-            <a:r>
-              <a:rPr lang="en-US" dirty="0" err="1"/>
-              <a:t>Formate</a:t>
-            </a:r>
-            <a:r>
-              <a:rPr lang="en-US" dirty="0"/>
-              <a:t> und </a:t>
-            </a:r>
-            <a:r>
-              <a:rPr lang="en-US" dirty="0" err="1"/>
-              <a:t>Grössen</a:t>
-            </a:r>
-            <a:r>
-              <a:rPr lang="en-US" dirty="0"/>
-              <a:t>.</a:t>
+              <a:rPr lang="de-CH"/>
+              <a:t>Die Bilder haben unterschiedliche Formate und Grössen.</a:t>
             </a:r>
           </a:p>
           <a:p>
@@ -5264,30 +4948,9 @@
               <a:buChar char="•"/>
             </a:pPr>
             <a:r>
-              <a:rPr lang="en-US" dirty="0"/>
-              <a:t>Label </a:t>
-            </a:r>
-            <a:r>
-              <a:rPr lang="en-US" dirty="0" err="1"/>
-              <a:t>sind</a:t>
-            </a:r>
-            <a:r>
-              <a:rPr lang="en-US" dirty="0"/>
-              <a:t> </a:t>
-            </a:r>
-            <a:r>
-              <a:rPr lang="en-US" dirty="0" err="1"/>
-              <a:t>im</a:t>
-            </a:r>
-            <a:r>
-              <a:rPr lang="en-US" dirty="0"/>
-              <a:t> </a:t>
-            </a:r>
-            <a:r>
-              <a:rPr lang="en-US" dirty="0" err="1"/>
-              <a:t>Filenamen</a:t>
-            </a:r>
-            <a:endParaRPr lang="en-US" dirty="0"/>
+              <a:rPr lang="de-CH"/>
+              <a:t>Label sind im Filenamen</a:t>
+            </a:r>
           </a:p>
         </p:txBody>
       </p:sp>
@@ -5327,18 +4990,9 @@
               </a:spcAft>
             </a:pPr>
             <a:r>
-              <a:rPr lang="en-US" sz="2000" b="1" dirty="0" err="1"/>
-              <a:t>Filestruktur</a:t>
-            </a:r>
-            <a:r>
-              <a:rPr lang="en-US" sz="2000" b="1" dirty="0"/>
-              <a:t> </a:t>
-            </a:r>
-            <a:r>
-              <a:rPr lang="en-US" sz="2000" b="1" dirty="0" err="1"/>
-              <a:t>anlegen</a:t>
-            </a:r>
-            <a:endParaRPr lang="en-US" sz="2000" b="1" dirty="0"/>
+              <a:rPr lang="de-CH" sz="2000" b="1"/>
+              <a:t>Filestruktur anlegen</a:t>
+            </a:r>
           </a:p>
           <a:p>
             <a:pPr indent="-228600" defTabSz="914400">
@@ -5351,7 +5005,7 @@
               <a:buFont typeface="Arial" panose="020B0604020202020204" pitchFamily="34" charset="0"/>
               <a:buChar char="•"/>
             </a:pPr>
-            <a:endParaRPr lang="en-US" sz="1600" dirty="0"/>
+            <a:endParaRPr lang="de-CH" sz="1600"/>
           </a:p>
           <a:p>
             <a:pPr indent="-228600" defTabSz="914400">
@@ -5365,42 +5019,9 @@
               <a:buChar char="•"/>
             </a:pPr>
             <a:r>
-              <a:rPr lang="en-US" sz="1600" dirty="0" err="1"/>
-              <a:t>Organisieren</a:t>
-            </a:r>
-            <a:r>
-              <a:rPr lang="en-US" sz="1600" dirty="0"/>
-              <a:t> der </a:t>
-            </a:r>
-            <a:r>
-              <a:rPr lang="en-US" sz="1600" dirty="0" err="1"/>
-              <a:t>Daten</a:t>
-            </a:r>
-            <a:r>
-              <a:rPr lang="en-US" sz="1600" dirty="0"/>
-              <a:t> in </a:t>
-            </a:r>
-            <a:r>
-              <a:rPr lang="en-US" sz="1600" dirty="0" err="1"/>
-              <a:t>Verzeichnisse</a:t>
-            </a:r>
-            <a:r>
-              <a:rPr lang="en-US" sz="1600" dirty="0"/>
-              <a:t> </a:t>
-            </a:r>
-            <a:r>
-              <a:rPr lang="en-US" sz="1600" dirty="0" err="1"/>
-              <a:t>lokal</a:t>
-            </a:r>
-            <a:r>
-              <a:rPr lang="en-US" sz="1600" dirty="0"/>
-              <a:t> </a:t>
-            </a:r>
-            <a:r>
-              <a:rPr lang="en-US" sz="1600" dirty="0" err="1"/>
-              <a:t>vorgenommen</a:t>
-            </a:r>
-            <a:endParaRPr lang="en-US" sz="1600" dirty="0"/>
+              <a:rPr lang="de-CH" sz="1600"/>
+              <a:t>Organisieren der Daten in Verzeichnisse lokal vorgenommen</a:t>
+            </a:r>
           </a:p>
           <a:p>
             <a:pPr indent="-228600" defTabSz="914400">
@@ -5414,18 +5035,9 @@
               <a:buChar char="•"/>
             </a:pPr>
             <a:r>
-              <a:rPr lang="en-US" sz="1600" dirty="0" err="1"/>
-              <a:t>Aufsplittung</a:t>
-            </a:r>
-            <a:r>
-              <a:rPr lang="en-US" sz="1600" dirty="0"/>
-              <a:t> in train, valid, test </a:t>
-            </a:r>
-            <a:r>
-              <a:rPr lang="en-US" sz="1600" dirty="0" err="1"/>
-              <a:t>ebenfalls</a:t>
-            </a:r>
-            <a:endParaRPr lang="en-US" sz="1600" dirty="0"/>
+              <a:rPr lang="de-CH" sz="1600"/>
+              <a:t>Aufsplittung in train, valid, test ebenfalls</a:t>
+            </a:r>
           </a:p>
           <a:p>
             <a:pPr indent="-228600" defTabSz="914400">
@@ -5439,12 +5051,8 @@
               <a:buChar char="•"/>
             </a:pPr>
             <a:r>
-              <a:rPr lang="en-US" sz="1600" dirty="0" err="1"/>
-              <a:t>Abgespeichert</a:t>
-            </a:r>
-            <a:r>
-              <a:rPr lang="en-US" sz="1600" dirty="0"/>
-              <a:t> in Google Drive</a:t>
+              <a:rPr lang="de-CH" sz="1600"/>
+              <a:t>Abgespeichert in Google Drive</a:t>
             </a:r>
           </a:p>
           <a:p>
@@ -5459,34 +5067,9 @@
               <a:buChar char="•"/>
             </a:pPr>
             <a:r>
-              <a:rPr lang="en-US" sz="1600" dirty="0" err="1"/>
-              <a:t>Gemounted</a:t>
-            </a:r>
-            <a:r>
-              <a:rPr lang="en-US" sz="1600" dirty="0"/>
-              <a:t> und </a:t>
-            </a:r>
-            <a:r>
-              <a:rPr lang="en-US" sz="1600" dirty="0" err="1"/>
-              <a:t>dann</a:t>
-            </a:r>
-            <a:r>
-              <a:rPr lang="en-US" sz="1600" dirty="0"/>
-              <a:t> </a:t>
-            </a:r>
-            <a:r>
-              <a:rPr lang="en-US" sz="1600" dirty="0" err="1"/>
-              <a:t>kopiert</a:t>
-            </a:r>
-            <a:r>
-              <a:rPr lang="en-US" sz="1600" dirty="0"/>
-              <a:t> ins Google </a:t>
-            </a:r>
-            <a:r>
-              <a:rPr lang="en-US" sz="1600" dirty="0" err="1"/>
-              <a:t>Colab</a:t>
-            </a:r>
-            <a:endParaRPr lang="en-US" sz="1600" dirty="0"/>
+              <a:rPr lang="de-CH" sz="1600"/>
+              <a:t>Gemounted und dann kopiert ins Google Colab</a:t>
+            </a:r>
           </a:p>
         </p:txBody>
       </p:sp>
@@ -5505,7 +5088,7 @@
         <p:spPr>
           <a:xfrm>
             <a:off x="2931861" y="5251278"/>
-            <a:ext cx="5527040" cy="1407594"/>
+            <a:ext cx="6013356" cy="1407594"/>
           </a:xfrm>
           <a:prstGeom prst="rect">
             <a:avLst/>
@@ -5531,12 +5114,12 @@
           </a:lstStyle>
           <a:p>
             <a:r>
-              <a:rPr lang="en-US" sz="2000" b="1" dirty="0"/>
+              <a:rPr lang="de-CH" sz="2000" b="1"/>
               <a:t>Preprocessing</a:t>
             </a:r>
           </a:p>
           <a:p>
-            <a:endParaRPr lang="en-US" dirty="0"/>
+            <a:endParaRPr lang="de-CH"/>
           </a:p>
           <a:p>
             <a:pPr marL="285750" indent="-285750">
@@ -5544,34 +5127,9 @@
               <a:buChar char="•"/>
             </a:pPr>
             <a:r>
-              <a:rPr lang="en-US" dirty="0" err="1"/>
-              <a:t>Skalierung</a:t>
-            </a:r>
-            <a:r>
-              <a:rPr lang="en-US" dirty="0"/>
-              <a:t> und </a:t>
-            </a:r>
-            <a:r>
-              <a:rPr lang="en-US" dirty="0" err="1"/>
-              <a:t>Bildbearbeitung</a:t>
-            </a:r>
-            <a:r>
-              <a:rPr lang="en-US" dirty="0"/>
-              <a:t> in </a:t>
-            </a:r>
-            <a:r>
-              <a:rPr lang="en-US" dirty="0" err="1"/>
-              <a:t>Tesorflow</a:t>
-            </a:r>
-            <a:r>
-              <a:rPr lang="en-US" dirty="0"/>
-              <a:t> auf </a:t>
-            </a:r>
-            <a:r>
-              <a:rPr lang="en-US" dirty="0" err="1"/>
-              <a:t>Colab</a:t>
-            </a:r>
-            <a:endParaRPr lang="en-US" dirty="0"/>
+              <a:rPr lang="de-CH"/>
+              <a:t>Skalierung und Bildbearbeitung in Tesorflow auf Colab und Lokal</a:t>
+            </a:r>
           </a:p>
         </p:txBody>
       </p:sp>
@@ -5902,7 +5460,7 @@
           <a:lstStyle/>
           <a:p>
             <a:r>
-              <a:rPr lang="en-US" kern="1200" dirty="0" err="1">
+              <a:rPr lang="de-CH" kern="1200">
                 <a:solidFill>
                   <a:schemeClr val="tx1"/>
                 </a:solidFill>
@@ -5910,38 +5468,8 @@
                 <a:ea typeface="+mj-ea"/>
                 <a:cs typeface="+mj-cs"/>
               </a:rPr>
-              <a:t>Eigenes</a:t>
-            </a:r>
-            <a:r>
-              <a:rPr lang="en-US" kern="1200" dirty="0">
-                <a:solidFill>
-                  <a:schemeClr val="tx1"/>
-                </a:solidFill>
-                <a:latin typeface="+mj-lt"/>
-                <a:ea typeface="+mj-ea"/>
-                <a:cs typeface="+mj-cs"/>
-              </a:rPr>
-              <a:t> Modell </a:t>
-            </a:r>
-            <a:r>
-              <a:rPr lang="en-US" kern="1200" dirty="0" err="1">
-                <a:solidFill>
-                  <a:schemeClr val="tx1"/>
-                </a:solidFill>
-                <a:latin typeface="+mj-lt"/>
-                <a:ea typeface="+mj-ea"/>
-                <a:cs typeface="+mj-cs"/>
-              </a:rPr>
-              <a:t>aufstellen</a:t>
-            </a:r>
-            <a:endParaRPr lang="en-US" kern="1200" dirty="0">
-              <a:solidFill>
-                <a:schemeClr val="tx1"/>
-              </a:solidFill>
-              <a:latin typeface="+mj-lt"/>
-              <a:ea typeface="+mj-ea"/>
-              <a:cs typeface="+mj-cs"/>
-            </a:endParaRPr>
+              <a:t>Eigenes Modell aufstellen</a:t>
+            </a:r>
           </a:p>
         </p:txBody>
       </p:sp>
@@ -5959,8 +5487,8 @@
         </p:nvSpPr>
         <p:spPr>
           <a:xfrm>
-            <a:off x="5995551" y="386080"/>
-            <a:ext cx="5770350" cy="6065520"/>
+            <a:off x="6418908" y="386080"/>
+            <a:ext cx="5558828" cy="6065520"/>
           </a:xfrm>
           <a:prstGeom prst="rect">
             <a:avLst/>
@@ -5972,27 +5500,605 @@
           </a:bodyPr>
           <a:lstStyle/>
           <a:p>
-            <a:pPr indent="-228600" defTabSz="914400">
+            <a:pPr defTabSz="914400">
               <a:lnSpc>
                 <a:spcPct val="90000"/>
               </a:lnSpc>
               <a:spcAft>
                 <a:spcPts val="600"/>
               </a:spcAft>
-              <a:buFont typeface="Arial" panose="020B0604020202020204" pitchFamily="34" charset="0"/>
-              <a:buChar char="•"/>
-            </a:pPr>
-            <a:r>
-              <a:rPr lang="en-US" sz="1100" b="0" i="0" dirty="0">
+            </a:pPr>
+            <a:r>
+              <a:rPr lang="en-US" sz="900" b="0" i="0" dirty="0">
                 <a:solidFill>
                   <a:srgbClr val="D5D5D5"/>
                 </a:solidFill>
                 <a:effectLst/>
                 <a:latin typeface="Courier New" panose="02070309020205020404" pitchFamily="49" charset="0"/>
               </a:rPr>
-              <a:t>Model: "sequential_1" _________________________________________________________________ Layer (type) Output Shape Param # ================================================================= conv2d_2 (Conv2D) (None, 224, 224, 8) 224 _________________________________________________________________ activation_4 (Activation) (None, 224, 224, 8) 0 _________________________________________________________________ conv2d_3 (Conv2D) (None, 224, 224, 8) 584 _________________________________________________________________ activation_5 (Activation) (None, 224, 224, 8) 0 _________________________________________________________________ max_pooling2d_1 (MaxPooling2 (None, 112, 112, 8) 0 _________________________________________________________________ flatten_1 (Flatten) (None, 100352) 0 _________________________________________________________________ dropout_1 (Dropout) (None, 100352) 0 _________________________________________________________________ dense_2 (Dense) (None, 40) 4014120 _________________________________________________________________ activation_6 (Activation) (None, 40) 0 _________________________________________________________________ dense_3 (Dense) (None, 42) 1722 _________________________________________________________________ activation_7 (Activation) (None, 42) 0 ================================================================= Total params: 4,016,650 Trainable params: 4,016,650 Non-trainable params: 0 _________________________________________________________________</a:t>
-            </a:r>
-            <a:endParaRPr lang="en-US" sz="1100" dirty="0"/>
+              <a:t>Model: "sequential_2"</a:t>
+            </a:r>
+          </a:p>
+          <a:p>
+            <a:pPr defTabSz="914400">
+              <a:lnSpc>
+                <a:spcPct val="90000"/>
+              </a:lnSpc>
+              <a:spcAft>
+                <a:spcPts val="600"/>
+              </a:spcAft>
+            </a:pPr>
+            <a:r>
+              <a:rPr lang="en-US" sz="900" b="0" i="0" dirty="0">
+                <a:solidFill>
+                  <a:srgbClr val="D5D5D5"/>
+                </a:solidFill>
+                <a:effectLst/>
+                <a:latin typeface="Courier New" panose="02070309020205020404" pitchFamily="49" charset="0"/>
+              </a:rPr>
+              <a:t>_________________________________________________________________</a:t>
+            </a:r>
+          </a:p>
+          <a:p>
+            <a:pPr defTabSz="914400">
+              <a:lnSpc>
+                <a:spcPct val="90000"/>
+              </a:lnSpc>
+              <a:spcAft>
+                <a:spcPts val="600"/>
+              </a:spcAft>
+            </a:pPr>
+            <a:r>
+              <a:rPr lang="en-US" sz="900" b="0" i="0" dirty="0">
+                <a:solidFill>
+                  <a:srgbClr val="D5D5D5"/>
+                </a:solidFill>
+                <a:effectLst/>
+                <a:latin typeface="Courier New" panose="02070309020205020404" pitchFamily="49" charset="0"/>
+              </a:rPr>
+              <a:t>Layer (type)                 Output Shape              Param #   </a:t>
+            </a:r>
+          </a:p>
+          <a:p>
+            <a:pPr defTabSz="914400">
+              <a:lnSpc>
+                <a:spcPct val="90000"/>
+              </a:lnSpc>
+              <a:spcAft>
+                <a:spcPts val="600"/>
+              </a:spcAft>
+            </a:pPr>
+            <a:r>
+              <a:rPr lang="en-US" sz="900" b="0" i="0" dirty="0">
+                <a:solidFill>
+                  <a:srgbClr val="D5D5D5"/>
+                </a:solidFill>
+                <a:effectLst/>
+                <a:latin typeface="Courier New" panose="02070309020205020404" pitchFamily="49" charset="0"/>
+              </a:rPr>
+              <a:t>=================================================================</a:t>
+            </a:r>
+          </a:p>
+          <a:p>
+            <a:pPr defTabSz="914400">
+              <a:lnSpc>
+                <a:spcPct val="90000"/>
+              </a:lnSpc>
+              <a:spcAft>
+                <a:spcPts val="600"/>
+              </a:spcAft>
+            </a:pPr>
+            <a:r>
+              <a:rPr lang="en-US" sz="900" b="0" i="0" dirty="0">
+                <a:solidFill>
+                  <a:srgbClr val="D5D5D5"/>
+                </a:solidFill>
+                <a:effectLst/>
+                <a:latin typeface="Courier New" panose="02070309020205020404" pitchFamily="49" charset="0"/>
+              </a:rPr>
+              <a:t>conv2d_4 (Conv2D)            (None, 112, 112, 8)       224       </a:t>
+            </a:r>
+          </a:p>
+          <a:p>
+            <a:pPr defTabSz="914400">
+              <a:lnSpc>
+                <a:spcPct val="90000"/>
+              </a:lnSpc>
+              <a:spcAft>
+                <a:spcPts val="600"/>
+              </a:spcAft>
+            </a:pPr>
+            <a:r>
+              <a:rPr lang="en-US" sz="900" b="0" i="0" dirty="0">
+                <a:solidFill>
+                  <a:srgbClr val="D5D5D5"/>
+                </a:solidFill>
+                <a:effectLst/>
+                <a:latin typeface="Courier New" panose="02070309020205020404" pitchFamily="49" charset="0"/>
+              </a:rPr>
+              <a:t>_________________________________________________________________</a:t>
+            </a:r>
+          </a:p>
+          <a:p>
+            <a:pPr defTabSz="914400">
+              <a:lnSpc>
+                <a:spcPct val="90000"/>
+              </a:lnSpc>
+              <a:spcAft>
+                <a:spcPts val="600"/>
+              </a:spcAft>
+            </a:pPr>
+            <a:r>
+              <a:rPr lang="en-US" sz="900" b="0" i="0" dirty="0">
+                <a:solidFill>
+                  <a:srgbClr val="D5D5D5"/>
+                </a:solidFill>
+                <a:effectLst/>
+                <a:latin typeface="Courier New" panose="02070309020205020404" pitchFamily="49" charset="0"/>
+              </a:rPr>
+              <a:t>activation_8 (Activation)    (None, 112, 112, 8)       0         </a:t>
+            </a:r>
+          </a:p>
+          <a:p>
+            <a:pPr defTabSz="914400">
+              <a:lnSpc>
+                <a:spcPct val="90000"/>
+              </a:lnSpc>
+              <a:spcAft>
+                <a:spcPts val="600"/>
+              </a:spcAft>
+            </a:pPr>
+            <a:r>
+              <a:rPr lang="en-US" sz="900" b="0" i="0" dirty="0">
+                <a:solidFill>
+                  <a:srgbClr val="D5D5D5"/>
+                </a:solidFill>
+                <a:effectLst/>
+                <a:latin typeface="Courier New" panose="02070309020205020404" pitchFamily="49" charset="0"/>
+              </a:rPr>
+              <a:t>_________________________________________________________________</a:t>
+            </a:r>
+          </a:p>
+          <a:p>
+            <a:pPr defTabSz="914400">
+              <a:lnSpc>
+                <a:spcPct val="90000"/>
+              </a:lnSpc>
+              <a:spcAft>
+                <a:spcPts val="600"/>
+              </a:spcAft>
+            </a:pPr>
+            <a:r>
+              <a:rPr lang="en-US" sz="900" b="0" i="0" dirty="0">
+                <a:solidFill>
+                  <a:srgbClr val="D5D5D5"/>
+                </a:solidFill>
+                <a:effectLst/>
+                <a:latin typeface="Courier New" panose="02070309020205020404" pitchFamily="49" charset="0"/>
+              </a:rPr>
+              <a:t>conv2d_5 (Conv2D)            (None, 112, 112, 8)       584       </a:t>
+            </a:r>
+          </a:p>
+          <a:p>
+            <a:pPr defTabSz="914400">
+              <a:lnSpc>
+                <a:spcPct val="90000"/>
+              </a:lnSpc>
+              <a:spcAft>
+                <a:spcPts val="600"/>
+              </a:spcAft>
+            </a:pPr>
+            <a:r>
+              <a:rPr lang="en-US" sz="900" b="0" i="0" dirty="0">
+                <a:solidFill>
+                  <a:srgbClr val="D5D5D5"/>
+                </a:solidFill>
+                <a:effectLst/>
+                <a:latin typeface="Courier New" panose="02070309020205020404" pitchFamily="49" charset="0"/>
+              </a:rPr>
+              <a:t>_________________________________________________________________</a:t>
+            </a:r>
+          </a:p>
+          <a:p>
+            <a:pPr defTabSz="914400">
+              <a:lnSpc>
+                <a:spcPct val="90000"/>
+              </a:lnSpc>
+              <a:spcAft>
+                <a:spcPts val="600"/>
+              </a:spcAft>
+            </a:pPr>
+            <a:r>
+              <a:rPr lang="en-US" sz="900" b="0" i="0" dirty="0">
+                <a:solidFill>
+                  <a:srgbClr val="D5D5D5"/>
+                </a:solidFill>
+                <a:effectLst/>
+                <a:latin typeface="Courier New" panose="02070309020205020404" pitchFamily="49" charset="0"/>
+              </a:rPr>
+              <a:t>activation_9 (Activation)    (None, 112, 112, 8)       0         </a:t>
+            </a:r>
+          </a:p>
+          <a:p>
+            <a:pPr defTabSz="914400">
+              <a:lnSpc>
+                <a:spcPct val="90000"/>
+              </a:lnSpc>
+              <a:spcAft>
+                <a:spcPts val="600"/>
+              </a:spcAft>
+            </a:pPr>
+            <a:r>
+              <a:rPr lang="en-US" sz="900" b="0" i="0" dirty="0">
+                <a:solidFill>
+                  <a:srgbClr val="D5D5D5"/>
+                </a:solidFill>
+                <a:effectLst/>
+                <a:latin typeface="Courier New" panose="02070309020205020404" pitchFamily="49" charset="0"/>
+              </a:rPr>
+              <a:t>_________________________________________________________________</a:t>
+            </a:r>
+          </a:p>
+          <a:p>
+            <a:pPr defTabSz="914400">
+              <a:lnSpc>
+                <a:spcPct val="90000"/>
+              </a:lnSpc>
+              <a:spcAft>
+                <a:spcPts val="600"/>
+              </a:spcAft>
+            </a:pPr>
+            <a:r>
+              <a:rPr lang="en-US" sz="900" b="0" i="0" dirty="0">
+                <a:solidFill>
+                  <a:srgbClr val="D5D5D5"/>
+                </a:solidFill>
+                <a:effectLst/>
+                <a:latin typeface="Courier New" panose="02070309020205020404" pitchFamily="49" charset="0"/>
+              </a:rPr>
+              <a:t>max_pooling2d_2 (MaxPooling2 (None, 56, 56, 8)         0         </a:t>
+            </a:r>
+          </a:p>
+          <a:p>
+            <a:pPr defTabSz="914400">
+              <a:lnSpc>
+                <a:spcPct val="90000"/>
+              </a:lnSpc>
+              <a:spcAft>
+                <a:spcPts val="600"/>
+              </a:spcAft>
+            </a:pPr>
+            <a:r>
+              <a:rPr lang="en-US" sz="900" b="0" i="0" dirty="0">
+                <a:solidFill>
+                  <a:srgbClr val="D5D5D5"/>
+                </a:solidFill>
+                <a:effectLst/>
+                <a:latin typeface="Courier New" panose="02070309020205020404" pitchFamily="49" charset="0"/>
+              </a:rPr>
+              <a:t>_________________________________________________________________</a:t>
+            </a:r>
+          </a:p>
+          <a:p>
+            <a:pPr defTabSz="914400">
+              <a:lnSpc>
+                <a:spcPct val="90000"/>
+              </a:lnSpc>
+              <a:spcAft>
+                <a:spcPts val="600"/>
+              </a:spcAft>
+            </a:pPr>
+            <a:r>
+              <a:rPr lang="en-US" sz="900" b="0" i="0" dirty="0">
+                <a:solidFill>
+                  <a:srgbClr val="D5D5D5"/>
+                </a:solidFill>
+                <a:effectLst/>
+                <a:latin typeface="Courier New" panose="02070309020205020404" pitchFamily="49" charset="0"/>
+              </a:rPr>
+              <a:t>flatten_2 (Flatten)          (None, 25088)             0         </a:t>
+            </a:r>
+          </a:p>
+          <a:p>
+            <a:pPr defTabSz="914400">
+              <a:lnSpc>
+                <a:spcPct val="90000"/>
+              </a:lnSpc>
+              <a:spcAft>
+                <a:spcPts val="600"/>
+              </a:spcAft>
+            </a:pPr>
+            <a:r>
+              <a:rPr lang="en-US" sz="900" b="0" i="0" dirty="0">
+                <a:solidFill>
+                  <a:srgbClr val="D5D5D5"/>
+                </a:solidFill>
+                <a:effectLst/>
+                <a:latin typeface="Courier New" panose="02070309020205020404" pitchFamily="49" charset="0"/>
+              </a:rPr>
+              <a:t>_________________________________________________________________</a:t>
+            </a:r>
+          </a:p>
+          <a:p>
+            <a:pPr defTabSz="914400">
+              <a:lnSpc>
+                <a:spcPct val="90000"/>
+              </a:lnSpc>
+              <a:spcAft>
+                <a:spcPts val="600"/>
+              </a:spcAft>
+            </a:pPr>
+            <a:r>
+              <a:rPr lang="en-US" sz="900" b="0" i="0" dirty="0">
+                <a:solidFill>
+                  <a:srgbClr val="D5D5D5"/>
+                </a:solidFill>
+                <a:effectLst/>
+                <a:latin typeface="Courier New" panose="02070309020205020404" pitchFamily="49" charset="0"/>
+              </a:rPr>
+              <a:t>dropout_2 (Dropout)          (None, 25088)             0         </a:t>
+            </a:r>
+          </a:p>
+          <a:p>
+            <a:pPr defTabSz="914400">
+              <a:lnSpc>
+                <a:spcPct val="90000"/>
+              </a:lnSpc>
+              <a:spcAft>
+                <a:spcPts val="600"/>
+              </a:spcAft>
+            </a:pPr>
+            <a:r>
+              <a:rPr lang="en-US" sz="900" b="0" i="0" dirty="0">
+                <a:solidFill>
+                  <a:srgbClr val="D5D5D5"/>
+                </a:solidFill>
+                <a:effectLst/>
+                <a:latin typeface="Courier New" panose="02070309020205020404" pitchFamily="49" charset="0"/>
+              </a:rPr>
+              <a:t>_________________________________________________________________</a:t>
+            </a:r>
+          </a:p>
+          <a:p>
+            <a:pPr defTabSz="914400">
+              <a:lnSpc>
+                <a:spcPct val="90000"/>
+              </a:lnSpc>
+              <a:spcAft>
+                <a:spcPts val="600"/>
+              </a:spcAft>
+            </a:pPr>
+            <a:r>
+              <a:rPr lang="en-US" sz="900" b="0" i="0" dirty="0">
+                <a:solidFill>
+                  <a:srgbClr val="D5D5D5"/>
+                </a:solidFill>
+                <a:effectLst/>
+                <a:latin typeface="Courier New" panose="02070309020205020404" pitchFamily="49" charset="0"/>
+              </a:rPr>
+              <a:t>dense_4 (Dense)              (None, 40)                1003560   </a:t>
+            </a:r>
+          </a:p>
+          <a:p>
+            <a:pPr defTabSz="914400">
+              <a:lnSpc>
+                <a:spcPct val="90000"/>
+              </a:lnSpc>
+              <a:spcAft>
+                <a:spcPts val="600"/>
+              </a:spcAft>
+            </a:pPr>
+            <a:r>
+              <a:rPr lang="en-US" sz="900" b="0" i="0" dirty="0">
+                <a:solidFill>
+                  <a:srgbClr val="D5D5D5"/>
+                </a:solidFill>
+                <a:effectLst/>
+                <a:latin typeface="Courier New" panose="02070309020205020404" pitchFamily="49" charset="0"/>
+              </a:rPr>
+              <a:t>_________________________________________________________________</a:t>
+            </a:r>
+          </a:p>
+          <a:p>
+            <a:pPr defTabSz="914400">
+              <a:lnSpc>
+                <a:spcPct val="90000"/>
+              </a:lnSpc>
+              <a:spcAft>
+                <a:spcPts val="600"/>
+              </a:spcAft>
+            </a:pPr>
+            <a:r>
+              <a:rPr lang="en-US" sz="900" b="0" i="0" dirty="0">
+                <a:solidFill>
+                  <a:srgbClr val="D5D5D5"/>
+                </a:solidFill>
+                <a:effectLst/>
+                <a:latin typeface="Courier New" panose="02070309020205020404" pitchFamily="49" charset="0"/>
+              </a:rPr>
+              <a:t>activation_10 (Activation)   (None, 40)                0         </a:t>
+            </a:r>
+          </a:p>
+          <a:p>
+            <a:pPr defTabSz="914400">
+              <a:lnSpc>
+                <a:spcPct val="90000"/>
+              </a:lnSpc>
+              <a:spcAft>
+                <a:spcPts val="600"/>
+              </a:spcAft>
+            </a:pPr>
+            <a:r>
+              <a:rPr lang="en-US" sz="900" b="0" i="0" dirty="0">
+                <a:solidFill>
+                  <a:srgbClr val="D5D5D5"/>
+                </a:solidFill>
+                <a:effectLst/>
+                <a:latin typeface="Courier New" panose="02070309020205020404" pitchFamily="49" charset="0"/>
+              </a:rPr>
+              <a:t>_________________________________________________________________</a:t>
+            </a:r>
+          </a:p>
+          <a:p>
+            <a:pPr defTabSz="914400">
+              <a:lnSpc>
+                <a:spcPct val="90000"/>
+              </a:lnSpc>
+              <a:spcAft>
+                <a:spcPts val="600"/>
+              </a:spcAft>
+            </a:pPr>
+            <a:r>
+              <a:rPr lang="en-US" sz="900" b="0" i="0" dirty="0">
+                <a:solidFill>
+                  <a:srgbClr val="D5D5D5"/>
+                </a:solidFill>
+                <a:effectLst/>
+                <a:latin typeface="Courier New" panose="02070309020205020404" pitchFamily="49" charset="0"/>
+              </a:rPr>
+              <a:t>dense_5 (Dense)              (None, 4)                 164       </a:t>
+            </a:r>
+          </a:p>
+          <a:p>
+            <a:pPr defTabSz="914400">
+              <a:lnSpc>
+                <a:spcPct val="90000"/>
+              </a:lnSpc>
+              <a:spcAft>
+                <a:spcPts val="600"/>
+              </a:spcAft>
+            </a:pPr>
+            <a:r>
+              <a:rPr lang="en-US" sz="900" b="0" i="0" dirty="0">
+                <a:solidFill>
+                  <a:srgbClr val="D5D5D5"/>
+                </a:solidFill>
+                <a:effectLst/>
+                <a:latin typeface="Courier New" panose="02070309020205020404" pitchFamily="49" charset="0"/>
+              </a:rPr>
+              <a:t>_________________________________________________________________</a:t>
+            </a:r>
+          </a:p>
+          <a:p>
+            <a:pPr defTabSz="914400">
+              <a:lnSpc>
+                <a:spcPct val="90000"/>
+              </a:lnSpc>
+              <a:spcAft>
+                <a:spcPts val="600"/>
+              </a:spcAft>
+            </a:pPr>
+            <a:r>
+              <a:rPr lang="en-US" sz="900" b="0" i="0" dirty="0">
+                <a:solidFill>
+                  <a:srgbClr val="D5D5D5"/>
+                </a:solidFill>
+                <a:effectLst/>
+                <a:latin typeface="Courier New" panose="02070309020205020404" pitchFamily="49" charset="0"/>
+              </a:rPr>
+              <a:t>activation_11 (Activation)   (None, 4)                 0         </a:t>
+            </a:r>
+          </a:p>
+          <a:p>
+            <a:pPr defTabSz="914400">
+              <a:lnSpc>
+                <a:spcPct val="90000"/>
+              </a:lnSpc>
+              <a:spcAft>
+                <a:spcPts val="600"/>
+              </a:spcAft>
+            </a:pPr>
+            <a:r>
+              <a:rPr lang="en-US" sz="900" b="0" i="0" dirty="0">
+                <a:solidFill>
+                  <a:srgbClr val="D5D5D5"/>
+                </a:solidFill>
+                <a:effectLst/>
+                <a:latin typeface="Courier New" panose="02070309020205020404" pitchFamily="49" charset="0"/>
+              </a:rPr>
+              <a:t>=================================================================</a:t>
+            </a:r>
+          </a:p>
+          <a:p>
+            <a:pPr defTabSz="914400">
+              <a:lnSpc>
+                <a:spcPct val="90000"/>
+              </a:lnSpc>
+              <a:spcAft>
+                <a:spcPts val="600"/>
+              </a:spcAft>
+            </a:pPr>
+            <a:r>
+              <a:rPr lang="en-US" sz="900" b="0" i="0" dirty="0">
+                <a:solidFill>
+                  <a:srgbClr val="D5D5D5"/>
+                </a:solidFill>
+                <a:effectLst/>
+                <a:latin typeface="Courier New" panose="02070309020205020404" pitchFamily="49" charset="0"/>
+              </a:rPr>
+              <a:t>Total params: 1,004,532</a:t>
+            </a:r>
+          </a:p>
+          <a:p>
+            <a:pPr defTabSz="914400">
+              <a:lnSpc>
+                <a:spcPct val="90000"/>
+              </a:lnSpc>
+              <a:spcAft>
+                <a:spcPts val="600"/>
+              </a:spcAft>
+            </a:pPr>
+            <a:r>
+              <a:rPr lang="en-US" sz="900" b="0" i="0" dirty="0">
+                <a:solidFill>
+                  <a:srgbClr val="D5D5D5"/>
+                </a:solidFill>
+                <a:effectLst/>
+                <a:latin typeface="Courier New" panose="02070309020205020404" pitchFamily="49" charset="0"/>
+              </a:rPr>
+              <a:t>Trainable params: 1,004,532</a:t>
+            </a:r>
+          </a:p>
+          <a:p>
+            <a:pPr defTabSz="914400">
+              <a:lnSpc>
+                <a:spcPct val="90000"/>
+              </a:lnSpc>
+              <a:spcAft>
+                <a:spcPts val="600"/>
+              </a:spcAft>
+            </a:pPr>
+            <a:r>
+              <a:rPr lang="en-US" sz="900" b="0" i="0" dirty="0">
+                <a:solidFill>
+                  <a:srgbClr val="D5D5D5"/>
+                </a:solidFill>
+                <a:effectLst/>
+                <a:latin typeface="Courier New" panose="02070309020205020404" pitchFamily="49" charset="0"/>
+              </a:rPr>
+              <a:t>Non-trainable params: 0</a:t>
+            </a:r>
+          </a:p>
+          <a:p>
+            <a:pPr defTabSz="914400">
+              <a:lnSpc>
+                <a:spcPct val="90000"/>
+              </a:lnSpc>
+              <a:spcAft>
+                <a:spcPts val="600"/>
+              </a:spcAft>
+            </a:pPr>
+            <a:r>
+              <a:rPr lang="en-US" sz="900" b="0" i="0" dirty="0">
+                <a:solidFill>
+                  <a:srgbClr val="D5D5D5"/>
+                </a:solidFill>
+                <a:effectLst/>
+                <a:latin typeface="Courier New" panose="02070309020205020404" pitchFamily="49" charset="0"/>
+              </a:rPr>
+              <a:t>_________________________________________________________________</a:t>
+            </a:r>
+            <a:endParaRPr lang="en-US" sz="900" dirty="0"/>
           </a:p>
         </p:txBody>
       </p:sp>
@@ -6030,25 +6136,11 @@
               </a:spcAft>
             </a:pPr>
             <a:r>
-              <a:rPr lang="en-US" b="0" dirty="0">
+              <a:rPr lang="de-CH" b="0">
                 <a:effectLst/>
                 <a:latin typeface="Courier New" panose="02070309020205020404" pitchFamily="49" charset="0"/>
               </a:rPr>
-              <a:t>CNN </a:t>
-            </a:r>
-            <a:r>
-              <a:rPr lang="en-US" b="0" dirty="0" err="1">
-                <a:effectLst/>
-                <a:latin typeface="Courier New" panose="02070309020205020404" pitchFamily="49" charset="0"/>
-              </a:rPr>
-              <a:t>mit</a:t>
-            </a:r>
-            <a:r>
-              <a:rPr lang="en-US" b="0" dirty="0">
-                <a:effectLst/>
-                <a:latin typeface="Courier New" panose="02070309020205020404" pitchFamily="49" charset="0"/>
-              </a:rPr>
-              <a:t> </a:t>
+              <a:t>CNN mit </a:t>
             </a:r>
           </a:p>
           <a:p>
@@ -6058,7 +6150,7 @@
               </a:spcAft>
             </a:pPr>
             <a:r>
-              <a:rPr lang="en-US" b="0" dirty="0">
+              <a:rPr lang="de-CH" b="0">
                 <a:effectLst/>
                 <a:latin typeface="Courier New" panose="02070309020205020404" pitchFamily="49" charset="0"/>
               </a:rPr>
@@ -6072,7 +6164,7 @@
               </a:spcAft>
             </a:pPr>
             <a:r>
-              <a:rPr lang="en-US" b="0" dirty="0">
+              <a:rPr lang="de-CH" b="0">
                 <a:effectLst/>
                 <a:latin typeface="Courier New" panose="02070309020205020404" pitchFamily="49" charset="0"/>
               </a:rPr>
@@ -6086,25 +6178,11 @@
               </a:spcAft>
             </a:pPr>
             <a:r>
-              <a:rPr lang="en-US" b="0" dirty="0">
+              <a:rPr lang="de-CH" b="0">
                 <a:effectLst/>
                 <a:latin typeface="Courier New" panose="02070309020205020404" pitchFamily="49" charset="0"/>
               </a:rPr>
-              <a:t>1 </a:t>
-            </a:r>
-            <a:r>
-              <a:rPr lang="en-US" b="0" dirty="0" err="1">
-                <a:effectLst/>
-                <a:latin typeface="Courier New" panose="02070309020205020404" pitchFamily="49" charset="0"/>
-              </a:rPr>
-              <a:t>MaxPooling</a:t>
-            </a:r>
-            <a:r>
-              <a:rPr lang="en-US" b="0" dirty="0">
-                <a:effectLst/>
-                <a:latin typeface="Courier New" panose="02070309020205020404" pitchFamily="49" charset="0"/>
-              </a:rPr>
-              <a:t> layers</a:t>
+              <a:t>1 MaxPooling layers</a:t>
             </a:r>
           </a:p>
           <a:p>
@@ -6114,13 +6192,13 @@
               </a:spcAft>
             </a:pPr>
             <a:r>
-              <a:rPr lang="en-US" dirty="0">
+              <a:rPr lang="de-CH">
                 <a:latin typeface="Courier New" panose="02070309020205020404" pitchFamily="49" charset="0"/>
               </a:rPr>
               <a:t>1</a:t>
             </a:r>
             <a:r>
-              <a:rPr lang="en-US" b="0" dirty="0">
+              <a:rPr lang="de-CH" b="0">
                 <a:effectLst/>
                 <a:latin typeface="Courier New" panose="02070309020205020404" pitchFamily="49" charset="0"/>
               </a:rPr>
@@ -6163,16 +6241,10 @@
               </a:spcAft>
             </a:pPr>
             <a:r>
-              <a:rPr lang="en-US" dirty="0" err="1">
+              <a:rPr lang="de-CH">
                 <a:latin typeface="Courier New" panose="02070309020205020404" pitchFamily="49" charset="0"/>
               </a:rPr>
-              <a:t>input_shape</a:t>
-            </a:r>
-            <a:r>
-              <a:rPr lang="en-US" dirty="0">
-                <a:latin typeface="Courier New" panose="02070309020205020404" pitchFamily="49" charset="0"/>
-              </a:rPr>
-              <a:t> = (112, 112, 3)</a:t>
+              <a:t>input_shape = (112, 112, 3)</a:t>
             </a:r>
           </a:p>
           <a:p>
@@ -6182,26 +6254,19 @@
               </a:spcAft>
             </a:pPr>
             <a:r>
-              <a:rPr lang="en-US" b="0" dirty="0" err="1">
+              <a:rPr lang="de-CH" b="0">
                 <a:effectLst/>
                 <a:latin typeface="Courier New" panose="02070309020205020404" pitchFamily="49" charset="0"/>
               </a:rPr>
-              <a:t>batch_size</a:t>
-            </a:r>
-            <a:r>
-              <a:rPr lang="en-US" b="0" dirty="0">
-                <a:effectLst/>
-                <a:latin typeface="Courier New" panose="02070309020205020404" pitchFamily="49" charset="0"/>
-              </a:rPr>
-              <a:t> = </a:t>
-            </a:r>
-            <a:r>
-              <a:rPr lang="en-US" dirty="0">
+              <a:t>batch_size = </a:t>
+            </a:r>
+            <a:r>
+              <a:rPr lang="de-CH">
                 <a:latin typeface="Courier New" panose="02070309020205020404" pitchFamily="49" charset="0"/>
               </a:rPr>
               <a:t>32</a:t>
             </a:r>
-            <a:endParaRPr lang="en-US" b="0" dirty="0">
+            <a:endParaRPr lang="de-CH" b="0">
               <a:effectLst/>
               <a:latin typeface="Courier New" panose="02070309020205020404" pitchFamily="49" charset="0"/>
             </a:endParaRPr>
@@ -6213,18 +6278,11 @@
               </a:spcAft>
             </a:pPr>
             <a:r>
-              <a:rPr lang="en-US" b="0" dirty="0" err="1">
+              <a:rPr lang="de-CH" b="0">
                 <a:effectLst/>
                 <a:latin typeface="Courier New" panose="02070309020205020404" pitchFamily="49" charset="0"/>
               </a:rPr>
-              <a:t>nb_classes</a:t>
-            </a:r>
-            <a:r>
-              <a:rPr lang="en-US" b="0" dirty="0">
-                <a:effectLst/>
-                <a:latin typeface="Courier New" panose="02070309020205020404" pitchFamily="49" charset="0"/>
-              </a:rPr>
-              <a:t> = 42</a:t>
+              <a:t>nb_classes = 42</a:t>
             </a:r>
           </a:p>
           <a:p>
@@ -6234,18 +6292,11 @@
               </a:spcAft>
             </a:pPr>
             <a:r>
-              <a:rPr lang="en-US" b="0" dirty="0" err="1">
+              <a:rPr lang="de-CH" b="0">
                 <a:effectLst/>
                 <a:latin typeface="Courier New" panose="02070309020205020404" pitchFamily="49" charset="0"/>
               </a:rPr>
-              <a:t>kernel_size</a:t>
-            </a:r>
-            <a:r>
-              <a:rPr lang="en-US" b="0" dirty="0">
-                <a:effectLst/>
-                <a:latin typeface="Courier New" panose="02070309020205020404" pitchFamily="49" charset="0"/>
-              </a:rPr>
-              <a:t> = (3, 3)</a:t>
+              <a:t>kernel_size = (3, 3)</a:t>
             </a:r>
           </a:p>
           <a:p>
@@ -6255,21 +6306,14 @@
               </a:spcAft>
             </a:pPr>
             <a:r>
-              <a:rPr lang="en-US" b="0" dirty="0" err="1">
+              <a:rPr lang="de-CH" b="0">
                 <a:effectLst/>
                 <a:latin typeface="Courier New" panose="02070309020205020404" pitchFamily="49" charset="0"/>
               </a:rPr>
-              <a:t>pool_size</a:t>
-            </a:r>
-            <a:r>
-              <a:rPr lang="en-US" b="0" dirty="0">
-                <a:effectLst/>
-                <a:latin typeface="Courier New" panose="02070309020205020404" pitchFamily="49" charset="0"/>
-              </a:rPr>
-              <a:t> = (2, 2</a:t>
-            </a:r>
-            <a:r>
-              <a:rPr lang="en-US" dirty="0">
+              <a:t>pool_size = (2, 2</a:t>
+            </a:r>
+            <a:r>
+              <a:rPr lang="de-CH">
                 <a:latin typeface="Courier New" panose="02070309020205020404" pitchFamily="49" charset="0"/>
               </a:rPr>
               <a:t>)</a:t>
@@ -6281,7 +6325,7 @@
                 <a:spcPts val="600"/>
               </a:spcAft>
             </a:pPr>
-            <a:endParaRPr lang="en-US" b="0" dirty="0">
+            <a:endParaRPr lang="de-CH" b="0">
               <a:effectLst/>
               <a:latin typeface="Courier New" panose="02070309020205020404" pitchFamily="49" charset="0"/>
             </a:endParaRPr>
@@ -6302,6 +6346,534 @@
 </file>
 
 <file path=ppt/slides/slide6.xml><?xml version="1.0" encoding="utf-8"?>
+<p:sld xmlns:a="http://schemas.openxmlformats.org/drawingml/2006/main" xmlns:r="http://schemas.openxmlformats.org/officeDocument/2006/relationships" xmlns:p="http://schemas.openxmlformats.org/presentationml/2006/main">
+  <p:cSld>
+    <p:bg>
+      <p:bgPr>
+        <a:solidFill>
+          <a:schemeClr val="bg1"/>
+        </a:solidFill>
+        <a:effectLst/>
+      </p:bgPr>
+    </p:bg>
+    <p:spTree>
+      <p:nvGrpSpPr>
+        <p:cNvPr id="1" name=""/>
+        <p:cNvGrpSpPr/>
+        <p:nvPr/>
+      </p:nvGrpSpPr>
+      <p:grpSpPr>
+        <a:xfrm>
+          <a:off x="0" y="0"/>
+          <a:ext cx="0" cy="0"/>
+          <a:chOff x="0" y="0"/>
+          <a:chExt cx="0" cy="0"/>
+        </a:xfrm>
+      </p:grpSpPr>
+      <p:sp useBgFill="1">
+        <p:nvSpPr>
+          <p:cNvPr id="22" name="Rectangle 21">
+            <a:extLst>
+              <a:ext uri="{FF2B5EF4-FFF2-40B4-BE49-F238E27FC236}">
+                <a16:creationId xmlns:a16="http://schemas.microsoft.com/office/drawing/2014/main" id="{8CD8CADC-D02F-4684-A4A7-CACECFE06325}"/>
+              </a:ext>
+              <a:ext uri="{C183D7F6-B498-43B3-948B-1728B52AA6E4}">
+                <adec:decorative xmlns:adec="http://schemas.microsoft.com/office/drawing/2017/decorative" val="1"/>
+              </a:ext>
+            </a:extLst>
+          </p:cNvPr>
+          <p:cNvSpPr>
+            <a:spLocks noGrp="1" noRot="1" noChangeAspect="1" noMove="1" noResize="1" noEditPoints="1" noAdjustHandles="1" noChangeArrowheads="1" noChangeShapeType="1" noTextEdit="1"/>
+          </p:cNvSpPr>
+          <p:nvPr>
+            <p:extLst>
+              <p:ext uri="{386F3935-93C4-4BCD-93E2-E3B085C9AB24}">
+                <p16:designElem xmlns:p16="http://schemas.microsoft.com/office/powerpoint/2015/main" val="1"/>
+              </p:ext>
+            </p:extLst>
+          </p:nvPr>
+        </p:nvSpPr>
+        <p:spPr>
+          <a:xfrm>
+            <a:off x="0" y="0"/>
+            <a:ext cx="12192000" cy="6858000"/>
+          </a:xfrm>
+          <a:prstGeom prst="rect">
+            <a:avLst/>
+          </a:prstGeom>
+          <a:ln>
+            <a:noFill/>
+          </a:ln>
+        </p:spPr>
+        <p:style>
+          <a:lnRef idx="2">
+            <a:schemeClr val="accent1">
+              <a:shade val="50000"/>
+            </a:schemeClr>
+          </a:lnRef>
+          <a:fillRef idx="1">
+            <a:schemeClr val="accent1"/>
+          </a:fillRef>
+          <a:effectRef idx="0">
+            <a:schemeClr val="accent1"/>
+          </a:effectRef>
+          <a:fontRef idx="minor">
+            <a:schemeClr val="lt1"/>
+          </a:fontRef>
+        </p:style>
+        <p:txBody>
+          <a:bodyPr rtlCol="0" anchor="ctr"/>
+          <a:lstStyle/>
+          <a:p>
+            <a:pPr algn="ctr"/>
+            <a:endParaRPr lang="en-US"/>
+          </a:p>
+        </p:txBody>
+      </p:sp>
+      <p:sp>
+        <p:nvSpPr>
+          <p:cNvPr id="24" name="Freeform: Shape 23">
+            <a:extLst>
+              <a:ext uri="{FF2B5EF4-FFF2-40B4-BE49-F238E27FC236}">
+                <a16:creationId xmlns:a16="http://schemas.microsoft.com/office/drawing/2014/main" id="{F6668706-3997-40F4-9D23-C76694AA37D5}"/>
+              </a:ext>
+              <a:ext uri="{C183D7F6-B498-43B3-948B-1728B52AA6E4}">
+                <adec:decorative xmlns:adec="http://schemas.microsoft.com/office/drawing/2017/decorative" val="1"/>
+              </a:ext>
+            </a:extLst>
+          </p:cNvPr>
+          <p:cNvSpPr>
+            <a:spLocks noGrp="1" noRot="1" noChangeAspect="1" noMove="1" noResize="1" noEditPoints="1" noAdjustHandles="1" noChangeArrowheads="1" noChangeShapeType="1" noTextEdit="1"/>
+          </p:cNvSpPr>
+          <p:nvPr>
+            <p:extLst>
+              <p:ext uri="{386F3935-93C4-4BCD-93E2-E3B085C9AB24}">
+                <p16:designElem xmlns:p16="http://schemas.microsoft.com/office/powerpoint/2015/main" val="1"/>
+              </p:ext>
+            </p:extLst>
+          </p:nvPr>
+        </p:nvSpPr>
+        <p:spPr>
+          <a:xfrm>
+            <a:off x="5362012" y="0"/>
+            <a:ext cx="6829989" cy="6858000"/>
+          </a:xfrm>
+          <a:custGeom>
+            <a:avLst/>
+            <a:gdLst>
+              <a:gd name="connsiteX0" fmla="*/ 0 w 6829989"/>
+              <a:gd name="connsiteY0" fmla="*/ 0 h 6858000"/>
+              <a:gd name="connsiteX1" fmla="*/ 6829989 w 6829989"/>
+              <a:gd name="connsiteY1" fmla="*/ 0 h 6858000"/>
+              <a:gd name="connsiteX2" fmla="*/ 6829989 w 6829989"/>
+              <a:gd name="connsiteY2" fmla="*/ 6858000 h 6858000"/>
+              <a:gd name="connsiteX3" fmla="*/ 1 w 6829989"/>
+              <a:gd name="connsiteY3" fmla="*/ 6858000 h 6858000"/>
+              <a:gd name="connsiteX4" fmla="*/ 4006 w 6829989"/>
+              <a:gd name="connsiteY4" fmla="*/ 6854853 h 6858000"/>
+              <a:gd name="connsiteX5" fmla="*/ 1619628 w 6829989"/>
+              <a:gd name="connsiteY5" fmla="*/ 3429000 h 6858000"/>
+              <a:gd name="connsiteX6" fmla="*/ 4006 w 6829989"/>
+              <a:gd name="connsiteY6" fmla="*/ 3148 h 6858000"/>
+            </a:gdLst>
+            <a:ahLst/>
+            <a:cxnLst>
+              <a:cxn ang="0">
+                <a:pos x="connsiteX0" y="connsiteY0"/>
+              </a:cxn>
+              <a:cxn ang="0">
+                <a:pos x="connsiteX1" y="connsiteY1"/>
+              </a:cxn>
+              <a:cxn ang="0">
+                <a:pos x="connsiteX2" y="connsiteY2"/>
+              </a:cxn>
+              <a:cxn ang="0">
+                <a:pos x="connsiteX3" y="connsiteY3"/>
+              </a:cxn>
+              <a:cxn ang="0">
+                <a:pos x="connsiteX4" y="connsiteY4"/>
+              </a:cxn>
+              <a:cxn ang="0">
+                <a:pos x="connsiteX5" y="connsiteY5"/>
+              </a:cxn>
+              <a:cxn ang="0">
+                <a:pos x="connsiteX6" y="connsiteY6"/>
+              </a:cxn>
+            </a:cxnLst>
+            <a:rect l="l" t="t" r="r" b="b"/>
+            <a:pathLst>
+              <a:path w="6829989" h="6858000">
+                <a:moveTo>
+                  <a:pt x="0" y="0"/>
+                </a:moveTo>
+                <a:lnTo>
+                  <a:pt x="6829989" y="0"/>
+                </a:lnTo>
+                <a:lnTo>
+                  <a:pt x="6829989" y="6858000"/>
+                </a:lnTo>
+                <a:lnTo>
+                  <a:pt x="1" y="6858000"/>
+                </a:lnTo>
+                <a:lnTo>
+                  <a:pt x="4006" y="6854853"/>
+                </a:lnTo>
+                <a:cubicBezTo>
+                  <a:pt x="990707" y="6040555"/>
+                  <a:pt x="1619628" y="4808224"/>
+                  <a:pt x="1619628" y="3429000"/>
+                </a:cubicBezTo>
+                <a:cubicBezTo>
+                  <a:pt x="1619628" y="2049777"/>
+                  <a:pt x="990707" y="817446"/>
+                  <a:pt x="4006" y="3148"/>
+                </a:cubicBezTo>
+                <a:close/>
+              </a:path>
+            </a:pathLst>
+          </a:custGeom>
+          <a:solidFill>
+            <a:schemeClr val="tx1">
+              <a:lumMod val="95000"/>
+              <a:lumOff val="5000"/>
+            </a:schemeClr>
+          </a:solidFill>
+          <a:ln>
+            <a:noFill/>
+          </a:ln>
+        </p:spPr>
+        <p:style>
+          <a:lnRef idx="2">
+            <a:schemeClr val="accent1">
+              <a:shade val="50000"/>
+            </a:schemeClr>
+          </a:lnRef>
+          <a:fillRef idx="1">
+            <a:schemeClr val="accent1"/>
+          </a:fillRef>
+          <a:effectRef idx="0">
+            <a:schemeClr val="accent1"/>
+          </a:effectRef>
+          <a:fontRef idx="minor">
+            <a:schemeClr val="lt1"/>
+          </a:fontRef>
+        </p:style>
+        <p:txBody>
+          <a:bodyPr wrap="square" rtlCol="0" anchor="ctr">
+            <a:noAutofit/>
+          </a:bodyPr>
+          <a:lstStyle/>
+          <a:p>
+            <a:pPr algn="ctr"/>
+            <a:endParaRPr lang="en-US"/>
+          </a:p>
+        </p:txBody>
+      </p:sp>
+      <p:sp>
+        <p:nvSpPr>
+          <p:cNvPr id="2" name="Title 1">
+            <a:extLst>
+              <a:ext uri="{FF2B5EF4-FFF2-40B4-BE49-F238E27FC236}">
+                <a16:creationId xmlns:a16="http://schemas.microsoft.com/office/drawing/2014/main" id="{E8CDB10C-6AD6-4598-9824-6579D2F63146}"/>
+              </a:ext>
+            </a:extLst>
+          </p:cNvPr>
+          <p:cNvSpPr>
+            <a:spLocks noGrp="1"/>
+          </p:cNvSpPr>
+          <p:nvPr>
+            <p:ph type="title"/>
+          </p:nvPr>
+        </p:nvSpPr>
+        <p:spPr>
+          <a:xfrm>
+            <a:off x="347665" y="313227"/>
+            <a:ext cx="4363895" cy="940059"/>
+          </a:xfrm>
+        </p:spPr>
+        <p:txBody>
+          <a:bodyPr vert="horz" lIns="91440" tIns="45720" rIns="91440" bIns="45720" rtlCol="0" anchor="b">
+            <a:normAutofit/>
+          </a:bodyPr>
+          <a:lstStyle/>
+          <a:p>
+            <a:r>
+              <a:rPr lang="de-CH" sz="4800"/>
+              <a:t>Resultat</a:t>
+            </a:r>
+          </a:p>
+        </p:txBody>
+      </p:sp>
+      <p:pic>
+        <p:nvPicPr>
+          <p:cNvPr id="7" name="Picture 6">
+            <a:extLst>
+              <a:ext uri="{FF2B5EF4-FFF2-40B4-BE49-F238E27FC236}">
+                <a16:creationId xmlns:a16="http://schemas.microsoft.com/office/drawing/2014/main" id="{56E266CB-3532-4C6E-A415-AF7CCA3A19A2}"/>
+              </a:ext>
+            </a:extLst>
+          </p:cNvPr>
+          <p:cNvPicPr>
+            <a:picLocks noChangeAspect="1"/>
+          </p:cNvPicPr>
+          <p:nvPr/>
+        </p:nvPicPr>
+        <p:blipFill>
+          <a:blip r:embed="rId2">
+            <a:duotone>
+              <a:prstClr val="black"/>
+              <a:prstClr val="white"/>
+            </a:duotone>
+          </a:blip>
+          <a:stretch>
+            <a:fillRect/>
+          </a:stretch>
+        </p:blipFill>
+        <p:spPr>
+          <a:xfrm>
+            <a:off x="7007655" y="4742352"/>
+            <a:ext cx="4814885" cy="1793543"/>
+          </a:xfrm>
+          <a:prstGeom prst="rect">
+            <a:avLst/>
+          </a:prstGeom>
+        </p:spPr>
+      </p:pic>
+      <p:sp>
+        <p:nvSpPr>
+          <p:cNvPr id="4" name="TextBox 3">
+            <a:extLst>
+              <a:ext uri="{FF2B5EF4-FFF2-40B4-BE49-F238E27FC236}">
+                <a16:creationId xmlns:a16="http://schemas.microsoft.com/office/drawing/2014/main" id="{DDD259F1-643B-466F-8804-6BAFABA68208}"/>
+              </a:ext>
+            </a:extLst>
+          </p:cNvPr>
+          <p:cNvSpPr txBox="1"/>
+          <p:nvPr/>
+        </p:nvSpPr>
+        <p:spPr>
+          <a:xfrm>
+            <a:off x="445489" y="1648211"/>
+            <a:ext cx="5213753" cy="1085077"/>
+          </a:xfrm>
+          <a:prstGeom prst="rect">
+            <a:avLst/>
+          </a:prstGeom>
+        </p:spPr>
+        <p:txBody>
+          <a:bodyPr vert="horz" lIns="91440" tIns="45720" rIns="91440" bIns="45720" rtlCol="0">
+            <a:normAutofit/>
+          </a:bodyPr>
+          <a:lstStyle>
+            <a:defPPr>
+              <a:defRPr lang="en-US"/>
+            </a:defPPr>
+            <a:lvl1pPr defTabSz="914400">
+              <a:lnSpc>
+                <a:spcPct val="90000"/>
+              </a:lnSpc>
+              <a:spcAft>
+                <a:spcPts val="600"/>
+              </a:spcAft>
+              <a:defRPr sz="1600"/>
+            </a:lvl1pPr>
+          </a:lstStyle>
+          <a:p>
+            <a:pPr marL="228600" indent="-228600">
+              <a:buFont typeface="Arial" panose="020B0604020202020204" pitchFamily="34" charset="0"/>
+              <a:buChar char="•"/>
+            </a:pPr>
+            <a:r>
+              <a:rPr lang="de-CH" dirty="0"/>
+              <a:t>Auf kleinem Testdatensatz gutes Resultat erzielt mit 93% accuracy auf Validation Set – aber leichtem Overfitting</a:t>
+            </a:r>
+          </a:p>
+          <a:p>
+            <a:pPr marL="228600" indent="-228600">
+              <a:buFont typeface="Arial" panose="020B0604020202020204" pitchFamily="34" charset="0"/>
+              <a:buChar char="•"/>
+            </a:pPr>
+            <a:r>
+              <a:rPr lang="de-CH" dirty="0"/>
+              <a:t>Auf grossem Datensatz viele Probleme gehabt</a:t>
+            </a:r>
+          </a:p>
+        </p:txBody>
+      </p:sp>
+      <p:pic>
+        <p:nvPicPr>
+          <p:cNvPr id="15" name="Picture 14">
+            <a:extLst>
+              <a:ext uri="{FF2B5EF4-FFF2-40B4-BE49-F238E27FC236}">
+                <a16:creationId xmlns:a16="http://schemas.microsoft.com/office/drawing/2014/main" id="{D001E706-7588-4C51-A76F-633CBC245D30}"/>
+              </a:ext>
+            </a:extLst>
+          </p:cNvPr>
+          <p:cNvPicPr>
+            <a:picLocks noChangeAspect="1"/>
+          </p:cNvPicPr>
+          <p:nvPr/>
+        </p:nvPicPr>
+        <p:blipFill>
+          <a:blip r:embed="rId3">
+            <a:duotone>
+              <a:prstClr val="black"/>
+              <a:prstClr val="white"/>
+            </a:duotone>
+          </a:blip>
+          <a:stretch>
+            <a:fillRect/>
+          </a:stretch>
+        </p:blipFill>
+        <p:spPr>
+          <a:xfrm>
+            <a:off x="10097430" y="2503977"/>
+            <a:ext cx="1647492" cy="1739875"/>
+          </a:xfrm>
+          <a:prstGeom prst="rect">
+            <a:avLst/>
+          </a:prstGeom>
+        </p:spPr>
+      </p:pic>
+      <p:pic>
+        <p:nvPicPr>
+          <p:cNvPr id="17" name="Picture 16">
+            <a:extLst>
+              <a:ext uri="{FF2B5EF4-FFF2-40B4-BE49-F238E27FC236}">
+                <a16:creationId xmlns:a16="http://schemas.microsoft.com/office/drawing/2014/main" id="{3F678486-A911-4FF0-A822-26DD8691D330}"/>
+              </a:ext>
+            </a:extLst>
+          </p:cNvPr>
+          <p:cNvPicPr>
+            <a:picLocks noChangeAspect="1"/>
+          </p:cNvPicPr>
+          <p:nvPr/>
+        </p:nvPicPr>
+        <p:blipFill>
+          <a:blip r:embed="rId4">
+            <a:duotone>
+              <a:prstClr val="black"/>
+              <a:prstClr val="white"/>
+            </a:duotone>
+          </a:blip>
+          <a:stretch>
+            <a:fillRect/>
+          </a:stretch>
+        </p:blipFill>
+        <p:spPr>
+          <a:xfrm>
+            <a:off x="6868292" y="313227"/>
+            <a:ext cx="4973570" cy="1877523"/>
+          </a:xfrm>
+          <a:prstGeom prst="rect">
+            <a:avLst/>
+          </a:prstGeom>
+        </p:spPr>
+      </p:pic>
+      <p:pic>
+        <p:nvPicPr>
+          <p:cNvPr id="5" name="Picture 4">
+            <a:extLst>
+              <a:ext uri="{FF2B5EF4-FFF2-40B4-BE49-F238E27FC236}">
+                <a16:creationId xmlns:a16="http://schemas.microsoft.com/office/drawing/2014/main" id="{CB6B0B20-3A70-4D7C-925A-848C74E086DC}"/>
+              </a:ext>
+            </a:extLst>
+          </p:cNvPr>
+          <p:cNvPicPr>
+            <a:picLocks noChangeAspect="1"/>
+          </p:cNvPicPr>
+          <p:nvPr/>
+        </p:nvPicPr>
+        <p:blipFill>
+          <a:blip r:embed="rId5"/>
+          <a:stretch>
+            <a:fillRect/>
+          </a:stretch>
+        </p:blipFill>
+        <p:spPr>
+          <a:xfrm>
+            <a:off x="486897" y="4621499"/>
+            <a:ext cx="4983359" cy="1891963"/>
+          </a:xfrm>
+          <a:prstGeom prst="rect">
+            <a:avLst/>
+          </a:prstGeom>
+        </p:spPr>
+      </p:pic>
+      <p:pic>
+        <p:nvPicPr>
+          <p:cNvPr id="8" name="Picture 7">
+            <a:extLst>
+              <a:ext uri="{FF2B5EF4-FFF2-40B4-BE49-F238E27FC236}">
+                <a16:creationId xmlns:a16="http://schemas.microsoft.com/office/drawing/2014/main" id="{06E748A7-958C-4259-9E31-F52E92D8D99D}"/>
+              </a:ext>
+            </a:extLst>
+          </p:cNvPr>
+          <p:cNvPicPr>
+            <a:picLocks noChangeAspect="1"/>
+          </p:cNvPicPr>
+          <p:nvPr/>
+        </p:nvPicPr>
+        <p:blipFill>
+          <a:blip r:embed="rId6"/>
+          <a:stretch>
+            <a:fillRect/>
+          </a:stretch>
+        </p:blipFill>
+        <p:spPr>
+          <a:xfrm>
+            <a:off x="486897" y="2826992"/>
+            <a:ext cx="4224663" cy="1416860"/>
+          </a:xfrm>
+          <a:prstGeom prst="rect">
+            <a:avLst/>
+          </a:prstGeom>
+        </p:spPr>
+      </p:pic>
+      <p:pic>
+        <p:nvPicPr>
+          <p:cNvPr id="12" name="Picture 11">
+            <a:extLst>
+              <a:ext uri="{FF2B5EF4-FFF2-40B4-BE49-F238E27FC236}">
+                <a16:creationId xmlns:a16="http://schemas.microsoft.com/office/drawing/2014/main" id="{06C97F3E-6F6A-49B9-822E-1052215CDAF8}"/>
+              </a:ext>
+            </a:extLst>
+          </p:cNvPr>
+          <p:cNvPicPr>
+            <a:picLocks noChangeAspect="1"/>
+          </p:cNvPicPr>
+          <p:nvPr/>
+        </p:nvPicPr>
+        <p:blipFill>
+          <a:blip r:embed="rId7"/>
+          <a:stretch>
+            <a:fillRect/>
+          </a:stretch>
+        </p:blipFill>
+        <p:spPr>
+          <a:xfrm>
+            <a:off x="8072198" y="2503977"/>
+            <a:ext cx="1706846" cy="1793543"/>
+          </a:xfrm>
+          <a:prstGeom prst="rect">
+            <a:avLst/>
+          </a:prstGeom>
+        </p:spPr>
+      </p:pic>
+    </p:spTree>
+    <p:extLst>
+      <p:ext uri="{BB962C8B-B14F-4D97-AF65-F5344CB8AC3E}">
+        <p14:creationId xmlns:p14="http://schemas.microsoft.com/office/powerpoint/2010/main" val="2507887421"/>
+      </p:ext>
+    </p:extLst>
+  </p:cSld>
+  <p:clrMapOvr>
+    <a:masterClrMapping/>
+  </p:clrMapOvr>
+</p:sld>
+</file>
+
+<file path=ppt/slides/slide7.xml><?xml version="1.0" encoding="utf-8"?>
 <p:sld xmlns:a="http://schemas.openxmlformats.org/drawingml/2006/main" xmlns:r="http://schemas.openxmlformats.org/officeDocument/2006/relationships" xmlns:p="http://schemas.openxmlformats.org/presentationml/2006/main">
   <p:cSld>
     <p:bg>
@@ -6353,51 +6925,14 @@
         </p:spPr>
         <p:txBody>
           <a:bodyPr vert="horz" lIns="91440" tIns="45720" rIns="91440" bIns="45720" rtlCol="0" anchor="ctr">
-            <a:noAutofit/>
+            <a:normAutofit/>
           </a:bodyPr>
           <a:lstStyle/>
           <a:p>
             <a:r>
-              <a:rPr lang="en-US" kern="1200" dirty="0" err="1">
-                <a:solidFill>
-                  <a:schemeClr val="tx1"/>
-                </a:solidFill>
-                <a:latin typeface="+mj-lt"/>
-                <a:ea typeface="+mj-ea"/>
-                <a:cs typeface="+mj-cs"/>
-              </a:rPr>
-              <a:t>Resultat</a:t>
-            </a:r>
-            <a:r>
-              <a:rPr lang="en-US" kern="1200" dirty="0">
-                <a:solidFill>
-                  <a:schemeClr val="tx1"/>
-                </a:solidFill>
-                <a:latin typeface="+mj-lt"/>
-                <a:ea typeface="+mj-ea"/>
-                <a:cs typeface="+mj-cs"/>
-              </a:rPr>
-              <a:t> und </a:t>
-            </a:r>
-            <a:r>
-              <a:rPr lang="en-US" kern="1200" dirty="0" err="1">
-                <a:solidFill>
-                  <a:schemeClr val="tx1"/>
-                </a:solidFill>
-                <a:latin typeface="+mj-lt"/>
-                <a:ea typeface="+mj-ea"/>
-                <a:cs typeface="+mj-cs"/>
-              </a:rPr>
-              <a:t>Einschätzung</a:t>
-            </a:r>
-            <a:endParaRPr lang="en-US" kern="1200" dirty="0">
-              <a:solidFill>
-                <a:schemeClr val="tx1"/>
-              </a:solidFill>
-              <a:latin typeface="+mj-lt"/>
-              <a:ea typeface="+mj-ea"/>
-              <a:cs typeface="+mj-cs"/>
-            </a:endParaRPr>
+              <a:rPr lang="en-US"/>
+              <a:t>Einschätzung / Erfahrungen</a:t>
+            </a:r>
           </a:p>
         </p:txBody>
       </p:sp>
@@ -6415,8 +6950,8 @@
         </p:nvSpPr>
         <p:spPr>
           <a:xfrm>
-            <a:off x="762000" y="2279017"/>
-            <a:ext cx="5314543" cy="2450095"/>
+            <a:off x="762001" y="2410633"/>
+            <a:ext cx="5609220" cy="3705323"/>
           </a:xfrm>
           <a:prstGeom prst="rect">
             <a:avLst/>
@@ -6424,7 +6959,7 @@
         </p:spPr>
         <p:txBody>
           <a:bodyPr vert="horz" lIns="91440" tIns="45720" rIns="91440" bIns="45720" rtlCol="0" anchor="t">
-            <a:noAutofit/>
+            <a:normAutofit/>
           </a:bodyPr>
           <a:lstStyle>
             <a:defPPr>
@@ -6446,80 +6981,130 @@
               <a:buChar char="•"/>
             </a:pPr>
             <a:r>
-              <a:rPr lang="en-US" sz="1200" dirty="0"/>
-              <a:t>Auf </a:t>
-            </a:r>
-            <a:r>
-              <a:rPr lang="en-US" sz="1200" dirty="0" err="1"/>
-              <a:t>kleinem</a:t>
-            </a:r>
-            <a:r>
-              <a:rPr lang="en-US" sz="1200" dirty="0"/>
-              <a:t> </a:t>
-            </a:r>
-            <a:r>
-              <a:rPr lang="en-US" sz="1200" dirty="0" err="1"/>
-              <a:t>Testdatensatz</a:t>
-            </a:r>
-            <a:r>
-              <a:rPr lang="en-US" sz="1200" dirty="0"/>
-              <a:t> </a:t>
-            </a:r>
-            <a:r>
-              <a:rPr lang="en-US" sz="1200" dirty="0" err="1"/>
-              <a:t>gutes</a:t>
-            </a:r>
-            <a:r>
-              <a:rPr lang="en-US" sz="1200" dirty="0"/>
-              <a:t> </a:t>
-            </a:r>
-            <a:r>
-              <a:rPr lang="en-US" sz="1200" dirty="0" err="1"/>
-              <a:t>Resultat</a:t>
-            </a:r>
-            <a:r>
-              <a:rPr lang="en-US" sz="1200" dirty="0"/>
-              <a:t> </a:t>
-            </a:r>
-            <a:r>
-              <a:rPr lang="en-US" sz="1200" dirty="0" err="1"/>
-              <a:t>erzielt</a:t>
-            </a:r>
-            <a:r>
-              <a:rPr lang="en-US" sz="1200" dirty="0"/>
-              <a:t> </a:t>
-            </a:r>
-            <a:r>
-              <a:rPr lang="en-US" sz="1200" dirty="0" err="1"/>
-              <a:t>mit</a:t>
-            </a:r>
-            <a:r>
-              <a:rPr lang="en-US" sz="1200" dirty="0"/>
-              <a:t> 89% precision und recall – </a:t>
-            </a:r>
-            <a:r>
-              <a:rPr lang="en-US" sz="1200" dirty="0" err="1"/>
-              <a:t>aber</a:t>
-            </a:r>
-            <a:r>
-              <a:rPr lang="en-US" sz="1200" dirty="0"/>
-              <a:t> </a:t>
-            </a:r>
-            <a:r>
-              <a:rPr lang="en-US" sz="1200" dirty="0" err="1"/>
-              <a:t>leichtem</a:t>
-            </a:r>
-            <a:r>
-              <a:rPr lang="en-US" sz="1200" dirty="0"/>
-              <a:t> Overfitting</a:t>
-            </a:r>
+              <a:rPr lang="de-CH" dirty="0"/>
+              <a:t>Probleme auf grossem Datensatz</a:t>
+            </a:r>
+          </a:p>
+          <a:p>
+            <a:pPr marL="685800" lvl="1" indent="-228600" defTabSz="914400">
+              <a:lnSpc>
+                <a:spcPct val="90000"/>
+              </a:lnSpc>
+              <a:buFont typeface="Arial" panose="020B0604020202020204" pitchFamily="34" charset="0"/>
+              <a:buChar char="•"/>
+            </a:pPr>
+            <a:r>
+              <a:rPr lang="de-CH" sz="1600" dirty="0"/>
+              <a:t>Rechenzeit auf Colab bei 7h – local bei 1.5h !?</a:t>
+            </a:r>
+          </a:p>
+          <a:p>
+            <a:pPr marL="685800" lvl="1" indent="-228600" defTabSz="914400">
+              <a:lnSpc>
+                <a:spcPct val="90000"/>
+              </a:lnSpc>
+              <a:buFont typeface="Arial" panose="020B0604020202020204" pitchFamily="34" charset="0"/>
+              <a:buChar char="•"/>
+            </a:pPr>
+            <a:r>
+              <a:rPr lang="de-CH" sz="1600" dirty="0"/>
+              <a:t>Accuracy bei grossem Datensatz ganz mies (0.3)</a:t>
+            </a:r>
+          </a:p>
+          <a:p>
+            <a:pPr marL="685800" lvl="1" indent="-228600" defTabSz="914400">
+              <a:lnSpc>
+                <a:spcPct val="90000"/>
+              </a:lnSpc>
+              <a:buFont typeface="Arial" panose="020B0604020202020204" pitchFamily="34" charset="0"/>
+              <a:buChar char="•"/>
+            </a:pPr>
+            <a:r>
+              <a:rPr lang="de-CH" sz="1600" dirty="0"/>
+              <a:t>Overfitting kein Problem</a:t>
+            </a:r>
+          </a:p>
+          <a:p>
+            <a:pPr marL="685800" lvl="1" indent="-228600" defTabSz="914400">
+              <a:lnSpc>
+                <a:spcPct val="90000"/>
+              </a:lnSpc>
+              <a:buFont typeface="Arial" panose="020B0604020202020204" pitchFamily="34" charset="0"/>
+              <a:buChar char="•"/>
+            </a:pPr>
+            <a:endParaRPr lang="de-CH" sz="1600" dirty="0"/>
           </a:p>
           <a:p>
             <a:pPr marL="228600" indent="-228600">
               <a:buFont typeface="Arial" panose="020B0604020202020204" pitchFamily="34" charset="0"/>
               <a:buChar char="•"/>
             </a:pPr>
-            <a:endParaRPr lang="en-US" sz="1200" dirty="0"/>
+            <a:r>
+              <a:rPr lang="de-CH" dirty="0"/>
+              <a:t>Mögliche Ursache?</a:t>
+            </a:r>
+          </a:p>
+          <a:p>
+            <a:pPr marL="685800" lvl="1" indent="-228600" defTabSz="914400">
+              <a:lnSpc>
+                <a:spcPct val="90000"/>
+              </a:lnSpc>
+              <a:buFont typeface="Arial" panose="020B0604020202020204" pitchFamily="34" charset="0"/>
+              <a:buChar char="•"/>
+            </a:pPr>
+            <a:r>
+              <a:rPr lang="de-CH" sz="1600" dirty="0"/>
+              <a:t>Problem mit Detail- und Innenaufnahmen?</a:t>
+            </a:r>
+          </a:p>
+          <a:p>
+            <a:pPr marL="685800" lvl="1" indent="-228600" defTabSz="914400">
+              <a:lnSpc>
+                <a:spcPct val="90000"/>
+              </a:lnSpc>
+              <a:buFont typeface="Arial" panose="020B0604020202020204" pitchFamily="34" charset="0"/>
+              <a:buChar char="•"/>
+            </a:pPr>
+            <a:r>
+              <a:rPr lang="de-CH" sz="1600" dirty="0"/>
+              <a:t>Test zuerst nur auf Sportautos (homogen) danach verschiedene Autotypen ergänzt</a:t>
+            </a:r>
+          </a:p>
+          <a:p>
+            <a:pPr marL="685800" lvl="1" indent="-228600" defTabSz="914400">
+              <a:lnSpc>
+                <a:spcPct val="90000"/>
+              </a:lnSpc>
+              <a:buFont typeface="Arial" panose="020B0604020202020204" pitchFamily="34" charset="0"/>
+              <a:buChar char="•"/>
+            </a:pPr>
+            <a:r>
+              <a:rPr lang="de-CH" sz="1600" dirty="0"/>
+              <a:t>Sehen alle Auto zu ‘gleich’ aus?</a:t>
+            </a:r>
+          </a:p>
+          <a:p>
+            <a:pPr marL="685800" lvl="1" indent="-228600" defTabSz="914400">
+              <a:lnSpc>
+                <a:spcPct val="90000"/>
+              </a:lnSpc>
+              <a:buFont typeface="Arial" panose="020B0604020202020204" pitchFamily="34" charset="0"/>
+              <a:buChar char="•"/>
+            </a:pPr>
+            <a:r>
+              <a:rPr lang="de-CH" sz="1600" dirty="0"/>
+              <a:t>Zu wenige Layers im CNN?</a:t>
+            </a:r>
+          </a:p>
+          <a:p>
+            <a:pPr marL="685800" lvl="1" indent="-228600" defTabSz="914400">
+              <a:lnSpc>
+                <a:spcPct val="90000"/>
+              </a:lnSpc>
+              <a:buFont typeface="Arial" panose="020B0604020202020204" pitchFamily="34" charset="0"/>
+              <a:buChar char="•"/>
+            </a:pPr>
+            <a:endParaRPr lang="de-CH" sz="1600" dirty="0"/>
           </a:p>
           <a:p>
             <a:pPr marL="228600" indent="-228600">
@@ -6527,261 +7112,51 @@
               <a:buChar char="•"/>
             </a:pPr>
             <a:r>
-              <a:rPr lang="en-US" sz="1200" dirty="0"/>
-              <a:t>Auf </a:t>
-            </a:r>
-            <a:r>
-              <a:rPr lang="en-US" sz="1200" dirty="0" err="1"/>
-              <a:t>grossem</a:t>
-            </a:r>
-            <a:r>
-              <a:rPr lang="en-US" sz="1200" dirty="0"/>
-              <a:t> </a:t>
-            </a:r>
-            <a:r>
-              <a:rPr lang="en-US" sz="1200" dirty="0" err="1"/>
-              <a:t>Datensatz</a:t>
-            </a:r>
-            <a:r>
-              <a:rPr lang="en-US" sz="1200" dirty="0"/>
-              <a:t> </a:t>
-            </a:r>
-            <a:r>
-              <a:rPr lang="en-US" sz="1200" dirty="0" err="1"/>
-              <a:t>viele</a:t>
-            </a:r>
-            <a:r>
-              <a:rPr lang="en-US" sz="1200" dirty="0"/>
-              <a:t> </a:t>
-            </a:r>
-            <a:r>
-              <a:rPr lang="en-US" sz="1200" dirty="0" err="1"/>
-              <a:t>Probleme</a:t>
-            </a:r>
-            <a:r>
-              <a:rPr lang="en-US" sz="1200" dirty="0"/>
-              <a:t> </a:t>
-            </a:r>
-            <a:r>
-              <a:rPr lang="en-US" sz="1200" dirty="0" err="1"/>
-              <a:t>gehabt</a:t>
-            </a:r>
-            <a:r>
-              <a:rPr lang="en-US" sz="1200" dirty="0"/>
-              <a:t>:</a:t>
-            </a:r>
-          </a:p>
-          <a:p>
-            <a:pPr marL="685800" lvl="1" indent="-228600">
+              <a:rPr lang="de-CH" dirty="0"/>
+              <a:t>Mögliche Massnahme</a:t>
+            </a:r>
+          </a:p>
+          <a:p>
+            <a:pPr marL="685800" lvl="1" indent="-228600" defTabSz="914400">
+              <a:lnSpc>
+                <a:spcPct val="90000"/>
+              </a:lnSpc>
               <a:buFont typeface="Arial" panose="020B0604020202020204" pitchFamily="34" charset="0"/>
               <a:buChar char="•"/>
             </a:pPr>
             <a:r>
-              <a:rPr lang="en-US" sz="1050" dirty="0" err="1"/>
-              <a:t>Rechenzeit</a:t>
-            </a:r>
-            <a:r>
-              <a:rPr lang="en-US" sz="1050" dirty="0"/>
-              <a:t> auf </a:t>
-            </a:r>
-            <a:r>
-              <a:rPr lang="en-US" sz="1050" dirty="0" err="1"/>
-              <a:t>Colab</a:t>
-            </a:r>
-            <a:r>
-              <a:rPr lang="en-US" sz="1050" dirty="0"/>
-              <a:t> </a:t>
-            </a:r>
-            <a:r>
-              <a:rPr lang="en-US" sz="1050" dirty="0" err="1"/>
-              <a:t>bei</a:t>
-            </a:r>
-            <a:r>
-              <a:rPr lang="en-US" sz="1050" dirty="0"/>
-              <a:t> 7h – local </a:t>
-            </a:r>
-            <a:r>
-              <a:rPr lang="en-US" sz="1050" dirty="0" err="1"/>
-              <a:t>bei</a:t>
-            </a:r>
-            <a:r>
-              <a:rPr lang="en-US" sz="1050" dirty="0"/>
-              <a:t> 1.5h !?</a:t>
-            </a:r>
-            <a:endParaRPr lang="en-US" sz="1200" dirty="0"/>
-          </a:p>
-          <a:p>
-            <a:pPr marL="685800" lvl="1" indent="-228600">
+              <a:rPr lang="de-CH" sz="1600" dirty="0"/>
+              <a:t>Vortrainiertes Netz nehmen (RESNET)? </a:t>
+            </a:r>
+          </a:p>
+          <a:p>
+            <a:pPr marL="685800" lvl="1" indent="-228600" defTabSz="914400">
+              <a:lnSpc>
+                <a:spcPct val="90000"/>
+              </a:lnSpc>
               <a:buFont typeface="Arial" panose="020B0604020202020204" pitchFamily="34" charset="0"/>
               <a:buChar char="•"/>
             </a:pPr>
             <a:r>
-              <a:rPr lang="en-US" sz="1200" dirty="0"/>
-              <a:t>Accuracy </a:t>
-            </a:r>
-            <a:r>
-              <a:rPr lang="en-US" sz="1200" dirty="0" err="1"/>
-              <a:t>bei</a:t>
-            </a:r>
-            <a:r>
-              <a:rPr lang="en-US" sz="1200" dirty="0"/>
-              <a:t> </a:t>
-            </a:r>
-            <a:r>
-              <a:rPr lang="en-US" sz="1200" dirty="0" err="1"/>
-              <a:t>grossem</a:t>
-            </a:r>
-            <a:r>
-              <a:rPr lang="en-US" sz="1200" dirty="0"/>
-              <a:t> </a:t>
-            </a:r>
-            <a:r>
-              <a:rPr lang="en-US" sz="1200" dirty="0" err="1"/>
-              <a:t>Datensatz</a:t>
-            </a:r>
-            <a:r>
-              <a:rPr lang="en-US" sz="1200" dirty="0"/>
-              <a:t> </a:t>
-            </a:r>
-            <a:r>
-              <a:rPr lang="en-US" sz="1200" dirty="0" err="1"/>
-              <a:t>ganz</a:t>
-            </a:r>
-            <a:r>
-              <a:rPr lang="en-US" sz="1200" dirty="0"/>
-              <a:t> </a:t>
-            </a:r>
-            <a:r>
-              <a:rPr lang="en-US" sz="1200" dirty="0" err="1"/>
-              <a:t>mies</a:t>
-            </a:r>
-            <a:r>
-              <a:rPr lang="en-US" sz="1200" dirty="0"/>
-              <a:t>… </a:t>
-            </a:r>
-          </a:p>
-          <a:p>
-            <a:pPr marL="685800" lvl="1" indent="-228600">
+              <a:rPr lang="de-CH" sz="1600" dirty="0"/>
+              <a:t>Besseres Preprocessing machen?</a:t>
+            </a:r>
+          </a:p>
+          <a:p>
+            <a:pPr marL="685800" lvl="1" indent="-228600" defTabSz="914400">
+              <a:lnSpc>
+                <a:spcPct val="90000"/>
+              </a:lnSpc>
               <a:buFont typeface="Arial" panose="020B0604020202020204" pitchFamily="34" charset="0"/>
               <a:buChar char="•"/>
             </a:pPr>
-            <a:r>
-              <a:rPr lang="en-US" sz="1200" dirty="0"/>
-              <a:t>Overfitting</a:t>
-            </a:r>
-          </a:p>
-          <a:p>
-            <a:pPr marL="685800" lvl="1" indent="-228600">
-              <a:buFont typeface="Arial" panose="020B0604020202020204" pitchFamily="34" charset="0"/>
-              <a:buChar char="•"/>
-            </a:pPr>
-            <a:endParaRPr lang="en-US" sz="1200" dirty="0"/>
-          </a:p>
-          <a:p>
-            <a:pPr marL="228600" indent="-228600">
-              <a:buFont typeface="Arial" panose="020B0604020202020204" pitchFamily="34" charset="0"/>
-              <a:buChar char="•"/>
-            </a:pPr>
-            <a:r>
-              <a:rPr lang="en-US" sz="1200" dirty="0" err="1"/>
-              <a:t>Mögliche</a:t>
-            </a:r>
-            <a:r>
-              <a:rPr lang="en-US" sz="1200" dirty="0"/>
-              <a:t> </a:t>
-            </a:r>
-            <a:r>
-              <a:rPr lang="en-US" sz="1200" dirty="0" err="1"/>
-              <a:t>Ursache</a:t>
-            </a:r>
-            <a:r>
-              <a:rPr lang="en-US" sz="1200" dirty="0"/>
-              <a:t>?</a:t>
-            </a:r>
-          </a:p>
-          <a:p>
-            <a:pPr marL="685800" lvl="1" indent="-228600">
-              <a:buFont typeface="Arial" panose="020B0604020202020204" pitchFamily="34" charset="0"/>
-              <a:buChar char="•"/>
-            </a:pPr>
-            <a:r>
-              <a:rPr lang="en-US" sz="1050" dirty="0"/>
-              <a:t>Problem </a:t>
-            </a:r>
-            <a:r>
-              <a:rPr lang="en-US" sz="1050" dirty="0" err="1"/>
-              <a:t>mit</a:t>
-            </a:r>
-            <a:r>
-              <a:rPr lang="en-US" sz="1050" dirty="0"/>
-              <a:t> Detail- und </a:t>
-            </a:r>
-            <a:r>
-              <a:rPr lang="en-US" sz="1050" dirty="0" err="1"/>
-              <a:t>Innenaufnahmen</a:t>
-            </a:r>
-            <a:r>
-              <a:rPr lang="en-US" sz="1050" dirty="0"/>
-              <a:t>?</a:t>
-            </a:r>
-          </a:p>
-          <a:p>
-            <a:pPr marL="685800" lvl="1" indent="-228600">
-              <a:buFont typeface="Arial" panose="020B0604020202020204" pitchFamily="34" charset="0"/>
-              <a:buChar char="•"/>
-            </a:pPr>
-            <a:r>
-              <a:rPr lang="en-US" sz="1050" dirty="0" err="1"/>
-              <a:t>Besseres</a:t>
-            </a:r>
-            <a:r>
-              <a:rPr lang="en-US" sz="1050" dirty="0"/>
-              <a:t> Preprocessing </a:t>
-            </a:r>
-            <a:r>
-              <a:rPr lang="en-US" sz="1050" dirty="0" err="1"/>
-              <a:t>machen</a:t>
-            </a:r>
-            <a:r>
-              <a:rPr lang="en-US" sz="1050" dirty="0"/>
-              <a:t>?</a:t>
-            </a:r>
-          </a:p>
-          <a:p>
-            <a:pPr marL="685800" lvl="1" indent="-228600">
-              <a:buFont typeface="Arial" panose="020B0604020202020204" pitchFamily="34" charset="0"/>
-              <a:buChar char="•"/>
-            </a:pPr>
-            <a:r>
-              <a:rPr lang="en-US" sz="1050" dirty="0" err="1"/>
-              <a:t>Vortrainiertes</a:t>
-            </a:r>
-            <a:r>
-              <a:rPr lang="en-US" sz="1050" dirty="0"/>
-              <a:t> </a:t>
-            </a:r>
-            <a:r>
-              <a:rPr lang="en-US" sz="1050" dirty="0" err="1"/>
-              <a:t>Netz</a:t>
-            </a:r>
-            <a:r>
-              <a:rPr lang="en-US" sz="1050" dirty="0"/>
-              <a:t> </a:t>
-            </a:r>
-            <a:r>
-              <a:rPr lang="en-US" sz="1050" dirty="0" err="1"/>
-              <a:t>nehmen</a:t>
-            </a:r>
-            <a:r>
-              <a:rPr lang="en-US" sz="1050" dirty="0"/>
-              <a:t> (RESNET)?</a:t>
-            </a:r>
-          </a:p>
-        </p:txBody>
-      </p:sp>
-      <p:sp>
-        <p:nvSpPr>
-          <p:cNvPr id="9" name="Freeform: Shape 8">
+            <a:endParaRPr lang="de-CH" sz="1600" dirty="0"/>
+          </a:p>
+        </p:txBody>
+      </p:sp>
+      <p:sp>
+        <p:nvSpPr>
+          <p:cNvPr id="28" name="Freeform: Shape 27">
             <a:extLst>
               <a:ext uri="{FF2B5EF4-FFF2-40B4-BE49-F238E27FC236}">
                 <a16:creationId xmlns:a16="http://schemas.microsoft.com/office/drawing/2014/main" id="{CF62D2A7-8207-488C-9F46-316BA81A16C8}"/>
@@ -6946,29 +7321,25 @@
           </a:p>
         </p:txBody>
       </p:sp>
-      <p:sp>
-        <p:nvSpPr>
-          <p:cNvPr id="11" name="Freeform: Shape 10">
+      <p:pic>
+        <p:nvPicPr>
+          <p:cNvPr id="20" name="Picture 19">
             <a:extLst>
               <a:ext uri="{FF2B5EF4-FFF2-40B4-BE49-F238E27FC236}">
-                <a16:creationId xmlns:a16="http://schemas.microsoft.com/office/drawing/2014/main" id="{52AC6D7F-F068-4E11-BB06-F601D89BB980}"/>
-              </a:ext>
-              <a:ext uri="{C183D7F6-B498-43B3-948B-1728B52AA6E4}">
-                <adec:decorative xmlns:adec="http://schemas.microsoft.com/office/drawing/2017/decorative" val="1"/>
+                <a16:creationId xmlns:a16="http://schemas.microsoft.com/office/drawing/2014/main" id="{701990E8-19EB-48CC-85B0-7BF6A7CDBA36}"/>
               </a:ext>
             </a:extLst>
           </p:cNvPr>
-          <p:cNvSpPr>
-            <a:spLocks noGrp="1" noRot="1" noChangeAspect="1" noMove="1" noResize="1" noEditPoints="1" noAdjustHandles="1" noChangeArrowheads="1" noChangeShapeType="1" noTextEdit="1"/>
-          </p:cNvSpPr>
-          <p:nvPr>
-            <p:extLst>
-              <p:ext uri="{386F3935-93C4-4BCD-93E2-E3B085C9AB24}">
-                <p16:designElem xmlns:p16="http://schemas.microsoft.com/office/powerpoint/2015/main" val="1"/>
-              </p:ext>
-            </p:extLst>
-          </p:nvPr>
-        </p:nvSpPr>
+          <p:cNvPicPr>
+            <a:picLocks noChangeAspect="1"/>
+          </p:cNvPicPr>
+          <p:nvPr/>
+        </p:nvPicPr>
+        <p:blipFill rotWithShape="1">
+          <a:blip r:embed="rId2"/>
+          <a:srcRect l="8098" r="3" b="3"/>
+          <a:stretch/>
+        </p:blipFill>
         <p:spPr>
           <a:xfrm>
             <a:off x="6750141" y="-2"/>
@@ -6976,46 +7347,9 @@
           </a:xfrm>
           <a:custGeom>
             <a:avLst/>
-            <a:gdLst>
-              <a:gd name="connsiteX0" fmla="*/ 1041368 w 5441859"/>
-              <a:gd name="connsiteY0" fmla="*/ 0 h 5654940"/>
-              <a:gd name="connsiteX1" fmla="*/ 5441859 w 5441859"/>
-              <a:gd name="connsiteY1" fmla="*/ 0 h 5654940"/>
-              <a:gd name="connsiteX2" fmla="*/ 5441859 w 5441859"/>
-              <a:gd name="connsiteY2" fmla="*/ 4820612 h 5654940"/>
-              <a:gd name="connsiteX3" fmla="*/ 5285166 w 5441859"/>
-              <a:gd name="connsiteY3" fmla="*/ 4957981 h 5654940"/>
-              <a:gd name="connsiteX4" fmla="*/ 3267719 w 5441859"/>
-              <a:gd name="connsiteY4" fmla="*/ 5654940 h 5654940"/>
-              <a:gd name="connsiteX5" fmla="*/ 0 w 5441859"/>
-              <a:gd name="connsiteY5" fmla="*/ 2387221 h 5654940"/>
-              <a:gd name="connsiteX6" fmla="*/ 957093 w 5441859"/>
-              <a:gd name="connsiteY6" fmla="*/ 76595 h 5654940"/>
-            </a:gdLst>
+            <a:gdLst/>
             <a:ahLst/>
-            <a:cxnLst>
-              <a:cxn ang="0">
-                <a:pos x="connsiteX0" y="connsiteY0"/>
-              </a:cxn>
-              <a:cxn ang="0">
-                <a:pos x="connsiteX1" y="connsiteY1"/>
-              </a:cxn>
-              <a:cxn ang="0">
-                <a:pos x="connsiteX2" y="connsiteY2"/>
-              </a:cxn>
-              <a:cxn ang="0">
-                <a:pos x="connsiteX3" y="connsiteY3"/>
-              </a:cxn>
-              <a:cxn ang="0">
-                <a:pos x="connsiteX4" y="connsiteY4"/>
-              </a:cxn>
-              <a:cxn ang="0">
-                <a:pos x="connsiteX5" y="connsiteY5"/>
-              </a:cxn>
-              <a:cxn ang="0">
-                <a:pos x="connsiteX6" y="connsiteY6"/>
-              </a:cxn>
-            </a:cxnLst>
+            <a:cxnLst/>
             <a:rect l="l" t="t" r="r" b="b"/>
             <a:pathLst>
               <a:path w="5441859" h="5654940">
@@ -7050,217 +7384,6 @@
               </a:path>
             </a:pathLst>
           </a:custGeom>
-          <a:solidFill>
-            <a:schemeClr val="tx1"/>
-          </a:solidFill>
-          <a:ln>
-            <a:noFill/>
-          </a:ln>
-        </p:spPr>
-        <p:style>
-          <a:lnRef idx="2">
-            <a:schemeClr val="accent1">
-              <a:shade val="50000"/>
-            </a:schemeClr>
-          </a:lnRef>
-          <a:fillRef idx="1">
-            <a:schemeClr val="accent1"/>
-          </a:fillRef>
-          <a:effectRef idx="0">
-            <a:schemeClr val="accent1"/>
-          </a:effectRef>
-          <a:fontRef idx="minor">
-            <a:schemeClr val="lt1"/>
-          </a:fontRef>
-        </p:style>
-        <p:txBody>
-          <a:bodyPr rtlCol="0" anchor="ctr"/>
-          <a:lstStyle/>
-          <a:p>
-            <a:pPr marL="0" marR="0" lvl="0" indent="0" algn="ctr" defTabSz="914400" rtl="0" eaLnBrk="1" fontAlgn="auto" latinLnBrk="0" hangingPunct="1">
-              <a:lnSpc>
-                <a:spcPct val="100000"/>
-              </a:lnSpc>
-              <a:spcBef>
-                <a:spcPts val="0"/>
-              </a:spcBef>
-              <a:spcAft>
-                <a:spcPts val="0"/>
-              </a:spcAft>
-              <a:buClrTx/>
-              <a:buSzTx/>
-              <a:buFontTx/>
-              <a:buNone/>
-              <a:tabLst/>
-              <a:defRPr/>
-            </a:pPr>
-            <a:endParaRPr kumimoji="0" lang="en-US" sz="1800" b="0" i="0" u="none" strike="noStrike" kern="1200" cap="none" spc="0" normalizeH="0" baseline="0" noProof="0">
-              <a:ln>
-                <a:noFill/>
-              </a:ln>
-              <a:solidFill>
-                <a:prstClr val="white"/>
-              </a:solidFill>
-              <a:effectLst/>
-              <a:uLnTx/>
-              <a:uFillTx/>
-              <a:latin typeface="Calibri" panose="020F0502020204030204"/>
-              <a:ea typeface="+mn-ea"/>
-              <a:cs typeface="+mn-cs"/>
-            </a:endParaRPr>
-          </a:p>
-        </p:txBody>
-      </p:sp>
-      <p:pic>
-        <p:nvPicPr>
-          <p:cNvPr id="6" name="Picture 5">
-            <a:extLst>
-              <a:ext uri="{FF2B5EF4-FFF2-40B4-BE49-F238E27FC236}">
-                <a16:creationId xmlns:a16="http://schemas.microsoft.com/office/drawing/2014/main" id="{4D9500F5-3C83-477A-8BC6-6B4A8CE8EB4B}"/>
-              </a:ext>
-            </a:extLst>
-          </p:cNvPr>
-          <p:cNvPicPr>
-            <a:picLocks noChangeAspect="1"/>
-          </p:cNvPicPr>
-          <p:nvPr/>
-        </p:nvPicPr>
-        <p:blipFill>
-          <a:blip r:embed="rId2"/>
-          <a:stretch>
-            <a:fillRect/>
-          </a:stretch>
-        </p:blipFill>
-        <p:spPr>
-          <a:xfrm>
-            <a:off x="4530691" y="4804910"/>
-            <a:ext cx="2157060" cy="1700055"/>
-          </a:xfrm>
-          <a:prstGeom prst="rect">
-            <a:avLst/>
-          </a:prstGeom>
-        </p:spPr>
-      </p:pic>
-      <p:sp>
-        <p:nvSpPr>
-          <p:cNvPr id="13" name="TextBox 12">
-            <a:extLst>
-              <a:ext uri="{FF2B5EF4-FFF2-40B4-BE49-F238E27FC236}">
-                <a16:creationId xmlns:a16="http://schemas.microsoft.com/office/drawing/2014/main" id="{6BAC279B-C9CB-4C2C-AFE9-AAFC288B6E54}"/>
-              </a:ext>
-            </a:extLst>
-          </p:cNvPr>
-          <p:cNvSpPr txBox="1"/>
-          <p:nvPr/>
-        </p:nvSpPr>
-        <p:spPr>
-          <a:xfrm>
-            <a:off x="7399176" y="464398"/>
-            <a:ext cx="4706568" cy="1477328"/>
-          </a:xfrm>
-          <a:prstGeom prst="rect">
-            <a:avLst/>
-          </a:prstGeom>
-          <a:noFill/>
-          <a:ln w="28575">
-            <a:solidFill>
-              <a:schemeClr val="tx1"/>
-            </a:solidFill>
-          </a:ln>
-        </p:spPr>
-        <p:txBody>
-          <a:bodyPr wrap="square">
-            <a:noAutofit/>
-          </a:bodyPr>
-          <a:lstStyle/>
-          <a:p>
-            <a:pPr marL="285750" indent="-228600">
-              <a:buFont typeface="Arial" panose="020B0604020202020204" pitchFamily="34" charset="0"/>
-              <a:buChar char="•"/>
-            </a:pPr>
-            <a:r>
-              <a:rPr lang="en-US" sz="1800" dirty="0">
-                <a:solidFill>
-                  <a:schemeClr val="bg1"/>
-                </a:solidFill>
-              </a:rPr>
-              <a:t>Convolution Matrix:</a:t>
-            </a:r>
-          </a:p>
-          <a:p>
-            <a:pPr marL="57150"/>
-            <a:r>
-              <a:rPr lang="en-US" sz="1800" dirty="0">
-                <a:solidFill>
-                  <a:schemeClr val="bg1"/>
-                </a:solidFill>
-              </a:rPr>
-              <a:t>['Ferrari', 'Lamborghini', 'McLaren']</a:t>
-            </a:r>
-          </a:p>
-          <a:p>
-            <a:pPr marL="57150"/>
-            <a:r>
-              <a:rPr lang="en-US" sz="1800" dirty="0">
-                <a:solidFill>
-                  <a:schemeClr val="bg1"/>
-                </a:solidFill>
-              </a:rPr>
-              <a:t>[[16  2  0]</a:t>
-            </a:r>
-          </a:p>
-          <a:p>
-            <a:pPr marL="57150"/>
-            <a:r>
-              <a:rPr lang="en-US" sz="1800" dirty="0">
-                <a:solidFill>
-                  <a:schemeClr val="bg1"/>
-                </a:solidFill>
-              </a:rPr>
-              <a:t> [ 5 45  0]</a:t>
-            </a:r>
-          </a:p>
-          <a:p>
-            <a:pPr marL="57150"/>
-            <a:r>
-              <a:rPr lang="en-US" sz="1800" dirty="0">
-                <a:solidFill>
-                  <a:schemeClr val="bg1"/>
-                </a:solidFill>
-              </a:rPr>
-              <a:t> [ 2  3  9]]</a:t>
-            </a:r>
-          </a:p>
-        </p:txBody>
-      </p:sp>
-      <p:pic>
-        <p:nvPicPr>
-          <p:cNvPr id="5" name="Picture 4">
-            <a:extLst>
-              <a:ext uri="{FF2B5EF4-FFF2-40B4-BE49-F238E27FC236}">
-                <a16:creationId xmlns:a16="http://schemas.microsoft.com/office/drawing/2014/main" id="{759E3D17-54A2-4A14-A835-EBCFCDA0A652}"/>
-              </a:ext>
-            </a:extLst>
-          </p:cNvPr>
-          <p:cNvPicPr>
-            <a:picLocks noChangeAspect="1"/>
-          </p:cNvPicPr>
-          <p:nvPr/>
-        </p:nvPicPr>
-        <p:blipFill>
-          <a:blip r:embed="rId3"/>
-          <a:stretch>
-            <a:fillRect/>
-          </a:stretch>
-        </p:blipFill>
-        <p:spPr>
-          <a:xfrm>
-            <a:off x="9752460" y="2857482"/>
-            <a:ext cx="2157060" cy="2246081"/>
-          </a:xfrm>
-          <a:prstGeom prst="rect">
-            <a:avLst/>
-          </a:prstGeom>
         </p:spPr>
       </p:pic>
     </p:spTree>
